--- a/PP.pptx
+++ b/PP.pptx
@@ -5,7 +5,7 @@
     <p:sldMasterId id="2147483677" r:id="rId1"/>
   </p:sldMasterIdLst>
   <p:notesMasterIdLst>
-    <p:notesMasterId r:id="rId9"/>
+    <p:notesMasterId r:id="rId11"/>
   </p:notesMasterIdLst>
   <p:sldIdLst>
     <p:sldId id="257" r:id="rId2"/>
@@ -14,7 +14,9 @@
     <p:sldId id="260" r:id="rId5"/>
     <p:sldId id="261" r:id="rId6"/>
     <p:sldId id="262" r:id="rId7"/>
-    <p:sldId id="263" r:id="rId8"/>
+    <p:sldId id="264" r:id="rId8"/>
+    <p:sldId id="265" r:id="rId9"/>
+    <p:sldId id="263" r:id="rId10"/>
   </p:sldIdLst>
   <p:sldSz cx="12192000" cy="6858000"/>
   <p:notesSz cx="6858000" cy="9144000"/>
@@ -113,6 +115,11 @@
       </a:defRPr>
     </a:lvl9pPr>
   </p:defaultTextStyle>
+  <p:extLst>
+    <p:ext uri="{EFAFB233-063F-42B5-8137-9DF3F51BA10A}">
+      <p15:sldGuideLst xmlns:p15="http://schemas.microsoft.com/office/powerpoint/2012/main"/>
+    </p:ext>
+  </p:extLst>
 </p:presentation>
 </file>
 
@@ -1627,6 +1634,13 @@
         </dgm:presLayoutVars>
       </dgm:prSet>
       <dgm:spPr/>
+      <dgm:t>
+        <a:bodyPr/>
+        <a:lstStyle/>
+        <a:p>
+          <a:endParaRPr lang="en-US"/>
+        </a:p>
+      </dgm:t>
     </dgm:pt>
     <dgm:pt modelId="{28623507-59DF-4504-A817-4CE60DD110B5}" type="pres">
       <dgm:prSet presAssocID="{791270D8-2BB1-4A19-AC67-B3CAD8959D70}" presName="dummyMaxCanvas" presStyleCnt="0">
@@ -1641,6 +1655,13 @@
         </dgm:presLayoutVars>
       </dgm:prSet>
       <dgm:spPr/>
+      <dgm:t>
+        <a:bodyPr/>
+        <a:lstStyle/>
+        <a:p>
+          <a:endParaRPr lang="en-US"/>
+        </a:p>
+      </dgm:t>
     </dgm:pt>
     <dgm:pt modelId="{FB048E74-01FE-47C0-BF0E-15D36DB2CC02}" type="pres">
       <dgm:prSet presAssocID="{791270D8-2BB1-4A19-AC67-B3CAD8959D70}" presName="FiveNodes_2" presStyleLbl="node1" presStyleIdx="1" presStyleCnt="5">
@@ -1649,6 +1670,13 @@
         </dgm:presLayoutVars>
       </dgm:prSet>
       <dgm:spPr/>
+      <dgm:t>
+        <a:bodyPr/>
+        <a:lstStyle/>
+        <a:p>
+          <a:endParaRPr lang="en-US"/>
+        </a:p>
+      </dgm:t>
     </dgm:pt>
     <dgm:pt modelId="{D61F4323-35EF-436C-9A66-2D5021D868D3}" type="pres">
       <dgm:prSet presAssocID="{791270D8-2BB1-4A19-AC67-B3CAD8959D70}" presName="FiveNodes_3" presStyleLbl="node1" presStyleIdx="2" presStyleCnt="5">
@@ -1657,6 +1685,13 @@
         </dgm:presLayoutVars>
       </dgm:prSet>
       <dgm:spPr/>
+      <dgm:t>
+        <a:bodyPr/>
+        <a:lstStyle/>
+        <a:p>
+          <a:endParaRPr lang="en-US"/>
+        </a:p>
+      </dgm:t>
     </dgm:pt>
     <dgm:pt modelId="{D801BBDD-5EB5-45DA-9A87-F10C956B5BCF}" type="pres">
       <dgm:prSet presAssocID="{791270D8-2BB1-4A19-AC67-B3CAD8959D70}" presName="FiveNodes_4" presStyleLbl="node1" presStyleIdx="3" presStyleCnt="5">
@@ -1680,6 +1715,13 @@
         </dgm:presLayoutVars>
       </dgm:prSet>
       <dgm:spPr/>
+      <dgm:t>
+        <a:bodyPr/>
+        <a:lstStyle/>
+        <a:p>
+          <a:endParaRPr lang="en-US"/>
+        </a:p>
+      </dgm:t>
     </dgm:pt>
     <dgm:pt modelId="{EA66EC5E-8E93-4332-9D12-261D473BC3EB}" type="pres">
       <dgm:prSet presAssocID="{791270D8-2BB1-4A19-AC67-B3CAD8959D70}" presName="FiveConn_1-2" presStyleLbl="fgAccFollowNode1" presStyleIdx="0" presStyleCnt="4">
@@ -1688,6 +1730,13 @@
         </dgm:presLayoutVars>
       </dgm:prSet>
       <dgm:spPr/>
+      <dgm:t>
+        <a:bodyPr/>
+        <a:lstStyle/>
+        <a:p>
+          <a:endParaRPr lang="en-US"/>
+        </a:p>
+      </dgm:t>
     </dgm:pt>
     <dgm:pt modelId="{67FB0A04-7720-48E3-874E-F05D50785A7B}" type="pres">
       <dgm:prSet presAssocID="{791270D8-2BB1-4A19-AC67-B3CAD8959D70}" presName="FiveConn_2-3" presStyleLbl="fgAccFollowNode1" presStyleIdx="1" presStyleCnt="4">
@@ -1696,6 +1745,13 @@
         </dgm:presLayoutVars>
       </dgm:prSet>
       <dgm:spPr/>
+      <dgm:t>
+        <a:bodyPr/>
+        <a:lstStyle/>
+        <a:p>
+          <a:endParaRPr lang="en-US"/>
+        </a:p>
+      </dgm:t>
     </dgm:pt>
     <dgm:pt modelId="{A39D33E9-6571-49B0-9F48-86902D0F5B40}" type="pres">
       <dgm:prSet presAssocID="{791270D8-2BB1-4A19-AC67-B3CAD8959D70}" presName="FiveConn_3-4" presStyleLbl="fgAccFollowNode1" presStyleIdx="2" presStyleCnt="4">
@@ -1704,6 +1760,13 @@
         </dgm:presLayoutVars>
       </dgm:prSet>
       <dgm:spPr/>
+      <dgm:t>
+        <a:bodyPr/>
+        <a:lstStyle/>
+        <a:p>
+          <a:endParaRPr lang="en-US"/>
+        </a:p>
+      </dgm:t>
     </dgm:pt>
     <dgm:pt modelId="{3833547A-8E30-42B2-89C1-4450DC198494}" type="pres">
       <dgm:prSet presAssocID="{791270D8-2BB1-4A19-AC67-B3CAD8959D70}" presName="FiveConn_4-5" presStyleLbl="fgAccFollowNode1" presStyleIdx="3" presStyleCnt="4">
@@ -1712,6 +1775,13 @@
         </dgm:presLayoutVars>
       </dgm:prSet>
       <dgm:spPr/>
+      <dgm:t>
+        <a:bodyPr/>
+        <a:lstStyle/>
+        <a:p>
+          <a:endParaRPr lang="en-US"/>
+        </a:p>
+      </dgm:t>
     </dgm:pt>
     <dgm:pt modelId="{D13BEA1D-72CE-4C53-9F49-92B0F2C8881D}" type="pres">
       <dgm:prSet presAssocID="{791270D8-2BB1-4A19-AC67-B3CAD8959D70}" presName="FiveNodes_1_text" presStyleLbl="node1" presStyleIdx="4" presStyleCnt="5">
@@ -1720,6 +1790,13 @@
         </dgm:presLayoutVars>
       </dgm:prSet>
       <dgm:spPr/>
+      <dgm:t>
+        <a:bodyPr/>
+        <a:lstStyle/>
+        <a:p>
+          <a:endParaRPr lang="en-US"/>
+        </a:p>
+      </dgm:t>
     </dgm:pt>
     <dgm:pt modelId="{F4813CA4-46E3-4D8A-8290-0E34553ED0D5}" type="pres">
       <dgm:prSet presAssocID="{791270D8-2BB1-4A19-AC67-B3CAD8959D70}" presName="FiveNodes_2_text" presStyleLbl="node1" presStyleIdx="4" presStyleCnt="5">
@@ -1728,6 +1805,13 @@
         </dgm:presLayoutVars>
       </dgm:prSet>
       <dgm:spPr/>
+      <dgm:t>
+        <a:bodyPr/>
+        <a:lstStyle/>
+        <a:p>
+          <a:endParaRPr lang="en-US"/>
+        </a:p>
+      </dgm:t>
     </dgm:pt>
     <dgm:pt modelId="{6D6FF68D-08DB-4A03-BAB6-AD6BC051AC43}" type="pres">
       <dgm:prSet presAssocID="{791270D8-2BB1-4A19-AC67-B3CAD8959D70}" presName="FiveNodes_3_text" presStyleLbl="node1" presStyleIdx="4" presStyleCnt="5">
@@ -1736,6 +1820,13 @@
         </dgm:presLayoutVars>
       </dgm:prSet>
       <dgm:spPr/>
+      <dgm:t>
+        <a:bodyPr/>
+        <a:lstStyle/>
+        <a:p>
+          <a:endParaRPr lang="en-US"/>
+        </a:p>
+      </dgm:t>
     </dgm:pt>
     <dgm:pt modelId="{89B5B954-C795-44E3-A4F0-CCCEA7F6D5EE}" type="pres">
       <dgm:prSet presAssocID="{791270D8-2BB1-4A19-AC67-B3CAD8959D70}" presName="FiveNodes_4_text" presStyleLbl="node1" presStyleIdx="4" presStyleCnt="5">
@@ -1759,29 +1850,36 @@
         </dgm:presLayoutVars>
       </dgm:prSet>
       <dgm:spPr/>
+      <dgm:t>
+        <a:bodyPr/>
+        <a:lstStyle/>
+        <a:p>
+          <a:endParaRPr lang="en-US"/>
+        </a:p>
+      </dgm:t>
     </dgm:pt>
   </dgm:ptLst>
   <dgm:cxnLst>
+    <dgm:cxn modelId="{6C18A2EB-60AC-43E7-891E-E5EF7BB05E09}" srcId="{791270D8-2BB1-4A19-AC67-B3CAD8959D70}" destId="{89B2970F-F070-47D7-B486-3DEB602531FF}" srcOrd="1" destOrd="0" parTransId="{77DA38B5-DCF8-42A4-8FE9-172F8A3D4131}" sibTransId="{FB65FD39-FDA5-4B38-900F-9381E93A1A6C}"/>
+    <dgm:cxn modelId="{DAE7C4BC-E390-4D70-B721-4176096370E8}" type="presOf" srcId="{A202A316-9A33-44B7-A455-F663B810B52A}" destId="{D61F4323-35EF-436C-9A66-2D5021D868D3}" srcOrd="0" destOrd="0" presId="urn:microsoft.com/office/officeart/2005/8/layout/vProcess5"/>
+    <dgm:cxn modelId="{7965E604-48E9-4BD0-88DF-A5A3EC01CFDF}" type="presOf" srcId="{81F34BC0-18C0-492C-8389-434683745FCD}" destId="{0FCCBCDF-1A76-4372-BB5C-7C0AD3F520D9}" srcOrd="0" destOrd="0" presId="urn:microsoft.com/office/officeart/2005/8/layout/vProcess5"/>
+    <dgm:cxn modelId="{C7FC8A8D-E146-45B7-A799-2A14F00DCCC3}" srcId="{791270D8-2BB1-4A19-AC67-B3CAD8959D70}" destId="{2872B89D-47FA-41D5-8A74-EB6472352468}" srcOrd="3" destOrd="0" parTransId="{E061B8F3-20F4-460E-8E15-EE29C06C69C2}" sibTransId="{B0CE7B65-9595-4F13-98F3-7F5A7B5752DE}"/>
+    <dgm:cxn modelId="{E32C8749-4A34-4E5D-B30D-33D5F127A7EF}" type="presOf" srcId="{791270D8-2BB1-4A19-AC67-B3CAD8959D70}" destId="{15BFDDA4-C3AB-4F70-97A5-F73ECA634F04}" srcOrd="0" destOrd="0" presId="urn:microsoft.com/office/officeart/2005/8/layout/vProcess5"/>
+    <dgm:cxn modelId="{A019B55D-0427-4664-A762-B40FA75474AE}" type="presOf" srcId="{4AF619A1-9D57-4F69-AD5F-51B26B705FC9}" destId="{A39D33E9-6571-49B0-9F48-86902D0F5B40}" srcOrd="0" destOrd="0" presId="urn:microsoft.com/office/officeart/2005/8/layout/vProcess5"/>
+    <dgm:cxn modelId="{4BB61610-A0F5-44C7-A89F-A53D22CBEE87}" type="presOf" srcId="{B0CE7B65-9595-4F13-98F3-7F5A7B5752DE}" destId="{3833547A-8E30-42B2-89C1-4450DC198494}" srcOrd="0" destOrd="0" presId="urn:microsoft.com/office/officeart/2005/8/layout/vProcess5"/>
+    <dgm:cxn modelId="{71C742FE-FEAD-47C1-A435-159572AECA05}" type="presOf" srcId="{81F34BC0-18C0-492C-8389-434683745FCD}" destId="{A99D399F-839D-47F6-862E-8674E5B1ABFC}" srcOrd="1" destOrd="0" presId="urn:microsoft.com/office/officeart/2005/8/layout/vProcess5"/>
+    <dgm:cxn modelId="{74382BA2-39EA-4B25-A761-32E7A38D336F}" srcId="{791270D8-2BB1-4A19-AC67-B3CAD8959D70}" destId="{A202A316-9A33-44B7-A455-F663B810B52A}" srcOrd="2" destOrd="0" parTransId="{EF74DBF4-D741-48DE-8AE4-9C18533040DD}" sibTransId="{4AF619A1-9D57-4F69-AD5F-51B26B705FC9}"/>
+    <dgm:cxn modelId="{EFE63905-8DC6-4FA0-859D-DA4B447D06C1}" type="presOf" srcId="{203259A3-1401-41C2-A6BF-2D461331614E}" destId="{EA66EC5E-8E93-4332-9D12-261D473BC3EB}" srcOrd="0" destOrd="0" presId="urn:microsoft.com/office/officeart/2005/8/layout/vProcess5"/>
+    <dgm:cxn modelId="{9CBA65D2-B2D7-4459-B0D2-C679C66966D3}" type="presOf" srcId="{2872B89D-47FA-41D5-8A74-EB6472352468}" destId="{89B5B954-C795-44E3-A4F0-CCCEA7F6D5EE}" srcOrd="1" destOrd="0" presId="urn:microsoft.com/office/officeart/2005/8/layout/vProcess5"/>
+    <dgm:cxn modelId="{2F1FE020-F0A7-4D59-850F-07B531F00FCA}" type="presOf" srcId="{2872B89D-47FA-41D5-8A74-EB6472352468}" destId="{D801BBDD-5EB5-45DA-9A87-F10C956B5BCF}" srcOrd="0" destOrd="0" presId="urn:microsoft.com/office/officeart/2005/8/layout/vProcess5"/>
     <dgm:cxn modelId="{ECFA512C-AB4A-4691-A388-15BF1426EF81}" type="presOf" srcId="{A202A316-9A33-44B7-A455-F663B810B52A}" destId="{6D6FF68D-08DB-4A03-BAB6-AD6BC051AC43}" srcOrd="1" destOrd="0" presId="urn:microsoft.com/office/officeart/2005/8/layout/vProcess5"/>
-    <dgm:cxn modelId="{E32C8749-4A34-4E5D-B30D-33D5F127A7EF}" type="presOf" srcId="{791270D8-2BB1-4A19-AC67-B3CAD8959D70}" destId="{15BFDDA4-C3AB-4F70-97A5-F73ECA634F04}" srcOrd="0" destOrd="0" presId="urn:microsoft.com/office/officeart/2005/8/layout/vProcess5"/>
-    <dgm:cxn modelId="{DAE7C4BC-E390-4D70-B721-4176096370E8}" type="presOf" srcId="{A202A316-9A33-44B7-A455-F663B810B52A}" destId="{D61F4323-35EF-436C-9A66-2D5021D868D3}" srcOrd="0" destOrd="0" presId="urn:microsoft.com/office/officeart/2005/8/layout/vProcess5"/>
     <dgm:cxn modelId="{1DB8D0C5-F098-4A40-A53C-971948B7B8B5}" type="presOf" srcId="{FB65FD39-FDA5-4B38-900F-9381E93A1A6C}" destId="{67FB0A04-7720-48E3-874E-F05D50785A7B}" srcOrd="0" destOrd="0" presId="urn:microsoft.com/office/officeart/2005/8/layout/vProcess5"/>
+    <dgm:cxn modelId="{5ACDCF53-791E-4A03-8FD1-2B0747C49E71}" srcId="{791270D8-2BB1-4A19-AC67-B3CAD8959D70}" destId="{C3407434-6AE9-463B-8541-A85E18028BC7}" srcOrd="0" destOrd="0" parTransId="{A11CDC62-767E-4DF2-B073-4CA74F0ABD4E}" sibTransId="{203259A3-1401-41C2-A6BF-2D461331614E}"/>
+    <dgm:cxn modelId="{982E7609-65DF-4019-80E4-3ED3405F4793}" type="presOf" srcId="{C3407434-6AE9-463B-8541-A85E18028BC7}" destId="{D399B510-7C97-47CE-A874-197ACA8D67A7}" srcOrd="0" destOrd="0" presId="urn:microsoft.com/office/officeart/2005/8/layout/vProcess5"/>
     <dgm:cxn modelId="{DABBCD96-B3A5-4320-91AA-12C8436E6467}" type="presOf" srcId="{89B2970F-F070-47D7-B486-3DEB602531FF}" destId="{F4813CA4-46E3-4D8A-8290-0E34553ED0D5}" srcOrd="1" destOrd="0" presId="urn:microsoft.com/office/officeart/2005/8/layout/vProcess5"/>
+    <dgm:cxn modelId="{8520E1D8-8D85-4DC6-8D69-B71BC4CCAF94}" type="presOf" srcId="{C3407434-6AE9-463B-8541-A85E18028BC7}" destId="{D13BEA1D-72CE-4C53-9F49-92B0F2C8881D}" srcOrd="1" destOrd="0" presId="urn:microsoft.com/office/officeart/2005/8/layout/vProcess5"/>
     <dgm:cxn modelId="{9CEADE6A-C2D1-4D34-AA91-C88C2FCE1E1B}" type="presOf" srcId="{89B2970F-F070-47D7-B486-3DEB602531FF}" destId="{FB048E74-01FE-47C0-BF0E-15D36DB2CC02}" srcOrd="0" destOrd="0" presId="urn:microsoft.com/office/officeart/2005/8/layout/vProcess5"/>
-    <dgm:cxn modelId="{71C742FE-FEAD-47C1-A435-159572AECA05}" type="presOf" srcId="{81F34BC0-18C0-492C-8389-434683745FCD}" destId="{A99D399F-839D-47F6-862E-8674E5B1ABFC}" srcOrd="1" destOrd="0" presId="urn:microsoft.com/office/officeart/2005/8/layout/vProcess5"/>
-    <dgm:cxn modelId="{8520E1D8-8D85-4DC6-8D69-B71BC4CCAF94}" type="presOf" srcId="{C3407434-6AE9-463B-8541-A85E18028BC7}" destId="{D13BEA1D-72CE-4C53-9F49-92B0F2C8881D}" srcOrd="1" destOrd="0" presId="urn:microsoft.com/office/officeart/2005/8/layout/vProcess5"/>
-    <dgm:cxn modelId="{9CBA65D2-B2D7-4459-B0D2-C679C66966D3}" type="presOf" srcId="{2872B89D-47FA-41D5-8A74-EB6472352468}" destId="{89B5B954-C795-44E3-A4F0-CCCEA7F6D5EE}" srcOrd="1" destOrd="0" presId="urn:microsoft.com/office/officeart/2005/8/layout/vProcess5"/>
-    <dgm:cxn modelId="{74382BA2-39EA-4B25-A761-32E7A38D336F}" srcId="{791270D8-2BB1-4A19-AC67-B3CAD8959D70}" destId="{A202A316-9A33-44B7-A455-F663B810B52A}" srcOrd="2" destOrd="0" parTransId="{EF74DBF4-D741-48DE-8AE4-9C18533040DD}" sibTransId="{4AF619A1-9D57-4F69-AD5F-51B26B705FC9}"/>
-    <dgm:cxn modelId="{7965E604-48E9-4BD0-88DF-A5A3EC01CFDF}" type="presOf" srcId="{81F34BC0-18C0-492C-8389-434683745FCD}" destId="{0FCCBCDF-1A76-4372-BB5C-7C0AD3F520D9}" srcOrd="0" destOrd="0" presId="urn:microsoft.com/office/officeart/2005/8/layout/vProcess5"/>
-    <dgm:cxn modelId="{4BB61610-A0F5-44C7-A89F-A53D22CBEE87}" type="presOf" srcId="{B0CE7B65-9595-4F13-98F3-7F5A7B5752DE}" destId="{3833547A-8E30-42B2-89C1-4450DC198494}" srcOrd="0" destOrd="0" presId="urn:microsoft.com/office/officeart/2005/8/layout/vProcess5"/>
-    <dgm:cxn modelId="{EFE63905-8DC6-4FA0-859D-DA4B447D06C1}" type="presOf" srcId="{203259A3-1401-41C2-A6BF-2D461331614E}" destId="{EA66EC5E-8E93-4332-9D12-261D473BC3EB}" srcOrd="0" destOrd="0" presId="urn:microsoft.com/office/officeart/2005/8/layout/vProcess5"/>
     <dgm:cxn modelId="{761FD423-FE56-494B-8F83-C6F7195E01F1}" srcId="{791270D8-2BB1-4A19-AC67-B3CAD8959D70}" destId="{81F34BC0-18C0-492C-8389-434683745FCD}" srcOrd="4" destOrd="0" parTransId="{152D2B22-F568-41DC-B6D1-88E8E4D875E2}" sibTransId="{BFB21B0D-A0BE-4CC9-B62A-9DB3DC174FD6}"/>
-    <dgm:cxn modelId="{6C18A2EB-60AC-43E7-891E-E5EF7BB05E09}" srcId="{791270D8-2BB1-4A19-AC67-B3CAD8959D70}" destId="{89B2970F-F070-47D7-B486-3DEB602531FF}" srcOrd="1" destOrd="0" parTransId="{77DA38B5-DCF8-42A4-8FE9-172F8A3D4131}" sibTransId="{FB65FD39-FDA5-4B38-900F-9381E93A1A6C}"/>
-    <dgm:cxn modelId="{A019B55D-0427-4664-A762-B40FA75474AE}" type="presOf" srcId="{4AF619A1-9D57-4F69-AD5F-51B26B705FC9}" destId="{A39D33E9-6571-49B0-9F48-86902D0F5B40}" srcOrd="0" destOrd="0" presId="urn:microsoft.com/office/officeart/2005/8/layout/vProcess5"/>
-    <dgm:cxn modelId="{982E7609-65DF-4019-80E4-3ED3405F4793}" type="presOf" srcId="{C3407434-6AE9-463B-8541-A85E18028BC7}" destId="{D399B510-7C97-47CE-A874-197ACA8D67A7}" srcOrd="0" destOrd="0" presId="urn:microsoft.com/office/officeart/2005/8/layout/vProcess5"/>
-    <dgm:cxn modelId="{5ACDCF53-791E-4A03-8FD1-2B0747C49E71}" srcId="{791270D8-2BB1-4A19-AC67-B3CAD8959D70}" destId="{C3407434-6AE9-463B-8541-A85E18028BC7}" srcOrd="0" destOrd="0" parTransId="{A11CDC62-767E-4DF2-B073-4CA74F0ABD4E}" sibTransId="{203259A3-1401-41C2-A6BF-2D461331614E}"/>
-    <dgm:cxn modelId="{C7FC8A8D-E146-45B7-A799-2A14F00DCCC3}" srcId="{791270D8-2BB1-4A19-AC67-B3CAD8959D70}" destId="{2872B89D-47FA-41D5-8A74-EB6472352468}" srcOrd="3" destOrd="0" parTransId="{E061B8F3-20F4-460E-8E15-EE29C06C69C2}" sibTransId="{B0CE7B65-9595-4F13-98F3-7F5A7B5752DE}"/>
-    <dgm:cxn modelId="{2F1FE020-F0A7-4D59-850F-07B531F00FCA}" type="presOf" srcId="{2872B89D-47FA-41D5-8A74-EB6472352468}" destId="{D801BBDD-5EB5-45DA-9A87-F10C956B5BCF}" srcOrd="0" destOrd="0" presId="urn:microsoft.com/office/officeart/2005/8/layout/vProcess5"/>
     <dgm:cxn modelId="{C1E0BB8B-54E5-4CE7-B693-21A8408C14D6}" type="presParOf" srcId="{15BFDDA4-C3AB-4F70-97A5-F73ECA634F04}" destId="{28623507-59DF-4504-A817-4CE60DD110B5}" srcOrd="0" destOrd="0" presId="urn:microsoft.com/office/officeart/2005/8/layout/vProcess5"/>
     <dgm:cxn modelId="{60E89413-FB20-4C6E-82A4-C9FD035C89E4}" type="presParOf" srcId="{15BFDDA4-C3AB-4F70-97A5-F73ECA634F04}" destId="{D399B510-7C97-47CE-A874-197ACA8D67A7}" srcOrd="1" destOrd="0" presId="urn:microsoft.com/office/officeart/2005/8/layout/vProcess5"/>
     <dgm:cxn modelId="{C0174906-6723-4D11-803C-022553BA4A33}" type="presParOf" srcId="{15BFDDA4-C3AB-4F70-97A5-F73ECA634F04}" destId="{FB048E74-01FE-47C0-BF0E-15D36DB2CC02}" srcOrd="2" destOrd="0" presId="urn:microsoft.com/office/officeart/2005/8/layout/vProcess5"/>
@@ -13361,13 +13459,13 @@
   <p:clrMapOvr>
     <a:masterClrMapping/>
   </p:clrMapOvr>
-  <mc:AlternateContent xmlns:mc="http://schemas.openxmlformats.org/markup-compatibility/2006">
-    <mc:Choice xmlns:p14="http://schemas.microsoft.com/office/powerpoint/2010/main" Requires="p14">
+  <mc:AlternateContent xmlns:mc="http://schemas.openxmlformats.org/markup-compatibility/2006" xmlns:p14="http://schemas.microsoft.com/office/powerpoint/2010/main">
+    <mc:Choice Requires="p14">
       <p:transition spd="med" p14:dur="700">
         <p:fade/>
       </p:transition>
     </mc:Choice>
-    <mc:Fallback>
+    <mc:Fallback xmlns="">
       <p:transition spd="med">
         <p:fade/>
       </p:transition>
@@ -15067,7 +15165,7 @@
         </p:nvSpPr>
         <p:spPr>
           <a:xfrm>
-            <a:off x="658834" y="985600"/>
+            <a:off x="698022" y="787183"/>
             <a:ext cx="7219072" cy="593775"/>
           </a:xfrm>
           <a:prstGeom prst="rect">
@@ -15207,6 +15305,30 @@
           </a:p>
         </p:txBody>
       </p:sp>
+      <p:pic>
+        <p:nvPicPr>
+          <p:cNvPr id="4" name="Picture 3"/>
+          <p:cNvPicPr>
+            <a:picLocks noChangeAspect="1"/>
+          </p:cNvPicPr>
+          <p:nvPr/>
+        </p:nvPicPr>
+        <p:blipFill>
+          <a:blip r:embed="rId2"/>
+          <a:stretch>
+            <a:fillRect/>
+          </a:stretch>
+        </p:blipFill>
+        <p:spPr>
+          <a:xfrm>
+            <a:off x="698022" y="1380958"/>
+            <a:ext cx="9791452" cy="4667417"/>
+          </a:xfrm>
+          <a:prstGeom prst="rect">
+            <a:avLst/>
+          </a:prstGeom>
+        </p:spPr>
+      </p:pic>
     </p:spTree>
     <p:extLst>
       <p:ext uri="{BB962C8B-B14F-4D97-AF65-F5344CB8AC3E}">
@@ -15228,6 +15350,424 @@
 </file>
 
 <file path=ppt/slides/slide7.xml><?xml version="1.0" encoding="utf-8"?>
+<p:sld xmlns:a="http://schemas.openxmlformats.org/drawingml/2006/main" xmlns:r="http://schemas.openxmlformats.org/officeDocument/2006/relationships" xmlns:p="http://schemas.openxmlformats.org/presentationml/2006/main">
+  <p:cSld>
+    <p:spTree>
+      <p:nvGrpSpPr>
+        <p:cNvPr id="1" name=""/>
+        <p:cNvGrpSpPr/>
+        <p:nvPr/>
+      </p:nvGrpSpPr>
+      <p:grpSpPr>
+        <a:xfrm>
+          <a:off x="0" y="0"/>
+          <a:ext cx="0" cy="0"/>
+          <a:chOff x="0" y="0"/>
+          <a:chExt cx="0" cy="0"/>
+        </a:xfrm>
+      </p:grpSpPr>
+      <p:sp>
+        <p:nvSpPr>
+          <p:cNvPr id="2" name="Rectangle 1"/>
+          <p:cNvSpPr/>
+          <p:nvPr/>
+        </p:nvSpPr>
+        <p:spPr>
+          <a:xfrm>
+            <a:off x="658834" y="787183"/>
+            <a:ext cx="7219072" cy="593775"/>
+          </a:xfrm>
+          <a:prstGeom prst="rect">
+            <a:avLst/>
+          </a:prstGeom>
+          <a:solidFill>
+            <a:schemeClr val="accent2">
+              <a:lumMod val="40000"/>
+              <a:lumOff val="60000"/>
+            </a:schemeClr>
+          </a:solidFill>
+        </p:spPr>
+        <p:style>
+          <a:lnRef idx="2">
+            <a:schemeClr val="accent1">
+              <a:shade val="50000"/>
+            </a:schemeClr>
+          </a:lnRef>
+          <a:fillRef idx="1">
+            <a:schemeClr val="accent1"/>
+          </a:fillRef>
+          <a:effectRef idx="0">
+            <a:schemeClr val="accent1"/>
+          </a:effectRef>
+          <a:fontRef idx="minor">
+            <a:schemeClr val="lt1"/>
+          </a:fontRef>
+        </p:style>
+        <p:txBody>
+          <a:bodyPr rtlCol="0" anchor="ctr"/>
+          <a:lstStyle/>
+          <a:p>
+            <a:pPr algn="ctr"/>
+            <a:endParaRPr lang="en-US" sz="2800">
+              <a:solidFill>
+                <a:schemeClr val="tx1"/>
+              </a:solidFill>
+              <a:latin typeface="Times New Roman" panose="02020603050405020304" pitchFamily="18" charset="0"/>
+              <a:cs typeface="Times New Roman" panose="02020603050405020304" pitchFamily="18" charset="0"/>
+            </a:endParaRPr>
+          </a:p>
+        </p:txBody>
+      </p:sp>
+      <p:sp>
+        <p:nvSpPr>
+          <p:cNvPr id="3" name="Rectangle 2"/>
+          <p:cNvSpPr/>
+          <p:nvPr/>
+        </p:nvSpPr>
+        <p:spPr>
+          <a:xfrm>
+            <a:off x="933152" y="655010"/>
+            <a:ext cx="5430129" cy="527532"/>
+          </a:xfrm>
+          <a:prstGeom prst="rect">
+            <a:avLst/>
+          </a:prstGeom>
+        </p:spPr>
+        <p:style>
+          <a:lnRef idx="2">
+            <a:schemeClr val="accent1">
+              <a:shade val="50000"/>
+            </a:schemeClr>
+          </a:lnRef>
+          <a:fillRef idx="1">
+            <a:schemeClr val="accent1"/>
+          </a:fillRef>
+          <a:effectRef idx="0">
+            <a:schemeClr val="accent1"/>
+          </a:effectRef>
+          <a:fontRef idx="minor">
+            <a:schemeClr val="lt1"/>
+          </a:fontRef>
+        </p:style>
+        <p:txBody>
+          <a:bodyPr rtlCol="0" anchor="ctr"/>
+          <a:lstStyle/>
+          <a:p>
+            <a:pPr algn="ctr"/>
+            <a:r>
+              <a:rPr lang="en-US" sz="2800" dirty="0" err="1" smtClean="0">
+                <a:solidFill>
+                  <a:schemeClr val="tx1"/>
+                </a:solidFill>
+                <a:latin typeface="Times New Roman" panose="02020603050405020304" pitchFamily="18" charset="0"/>
+                <a:cs typeface="Times New Roman" panose="02020603050405020304" pitchFamily="18" charset="0"/>
+              </a:rPr>
+              <a:t>Nghiệp</a:t>
+            </a:r>
+            <a:r>
+              <a:rPr lang="en-US" sz="2800" dirty="0" smtClean="0">
+                <a:solidFill>
+                  <a:schemeClr val="tx1"/>
+                </a:solidFill>
+                <a:latin typeface="Times New Roman" panose="02020603050405020304" pitchFamily="18" charset="0"/>
+                <a:cs typeface="Times New Roman" panose="02020603050405020304" pitchFamily="18" charset="0"/>
+              </a:rPr>
+              <a:t> </a:t>
+            </a:r>
+            <a:r>
+              <a:rPr lang="en-US" sz="2800" dirty="0" err="1" smtClean="0">
+                <a:solidFill>
+                  <a:schemeClr val="tx1"/>
+                </a:solidFill>
+                <a:latin typeface="Times New Roman" panose="02020603050405020304" pitchFamily="18" charset="0"/>
+                <a:cs typeface="Times New Roman" panose="02020603050405020304" pitchFamily="18" charset="0"/>
+              </a:rPr>
+              <a:t>vụ</a:t>
+            </a:r>
+            <a:r>
+              <a:rPr lang="en-US" sz="2800" dirty="0" smtClean="0">
+                <a:solidFill>
+                  <a:schemeClr val="tx1"/>
+                </a:solidFill>
+                <a:latin typeface="Times New Roman" panose="02020603050405020304" pitchFamily="18" charset="0"/>
+                <a:cs typeface="Times New Roman" panose="02020603050405020304" pitchFamily="18" charset="0"/>
+              </a:rPr>
+              <a:t> </a:t>
+            </a:r>
+            <a:r>
+              <a:rPr lang="en-US" sz="2800" dirty="0" err="1" smtClean="0">
+                <a:solidFill>
+                  <a:schemeClr val="tx1"/>
+                </a:solidFill>
+                <a:latin typeface="Times New Roman" panose="02020603050405020304" pitchFamily="18" charset="0"/>
+                <a:cs typeface="Times New Roman" panose="02020603050405020304" pitchFamily="18" charset="0"/>
+              </a:rPr>
+              <a:t>chính</a:t>
+            </a:r>
+            <a:endParaRPr lang="en-US" sz="2800" dirty="0">
+              <a:solidFill>
+                <a:schemeClr val="tx1"/>
+              </a:solidFill>
+              <a:latin typeface="Times New Roman" panose="02020603050405020304" pitchFamily="18" charset="0"/>
+              <a:cs typeface="Times New Roman" panose="02020603050405020304" pitchFamily="18" charset="0"/>
+            </a:endParaRPr>
+          </a:p>
+        </p:txBody>
+      </p:sp>
+      <p:pic>
+        <p:nvPicPr>
+          <p:cNvPr id="4" name="Picture 3"/>
+          <p:cNvPicPr>
+            <a:picLocks noChangeAspect="1"/>
+          </p:cNvPicPr>
+          <p:nvPr/>
+        </p:nvPicPr>
+        <p:blipFill>
+          <a:blip r:embed="rId2"/>
+          <a:stretch>
+            <a:fillRect/>
+          </a:stretch>
+        </p:blipFill>
+        <p:spPr>
+          <a:xfrm>
+            <a:off x="658834" y="1380958"/>
+            <a:ext cx="10444595" cy="4751367"/>
+          </a:xfrm>
+          <a:prstGeom prst="rect">
+            <a:avLst/>
+          </a:prstGeom>
+        </p:spPr>
+      </p:pic>
+    </p:spTree>
+    <p:extLst>
+      <p:ext uri="{BB962C8B-B14F-4D97-AF65-F5344CB8AC3E}">
+        <p14:creationId xmlns:p14="http://schemas.microsoft.com/office/powerpoint/2010/main" val="1986332148"/>
+      </p:ext>
+    </p:extLst>
+  </p:cSld>
+  <p:clrMapOvr>
+    <a:masterClrMapping/>
+  </p:clrMapOvr>
+  <p:timing>
+    <p:tnLst>
+      <p:par>
+        <p:cTn id="1" dur="indefinite" restart="never" nodeType="tmRoot"/>
+      </p:par>
+    </p:tnLst>
+  </p:timing>
+</p:sld>
+</file>
+
+<file path=ppt/slides/slide8.xml><?xml version="1.0" encoding="utf-8"?>
+<p:sld xmlns:a="http://schemas.openxmlformats.org/drawingml/2006/main" xmlns:r="http://schemas.openxmlformats.org/officeDocument/2006/relationships" xmlns:p="http://schemas.openxmlformats.org/presentationml/2006/main">
+  <p:cSld>
+    <p:spTree>
+      <p:nvGrpSpPr>
+        <p:cNvPr id="1" name=""/>
+        <p:cNvGrpSpPr/>
+        <p:nvPr/>
+      </p:nvGrpSpPr>
+      <p:grpSpPr>
+        <a:xfrm>
+          <a:off x="0" y="0"/>
+          <a:ext cx="0" cy="0"/>
+          <a:chOff x="0" y="0"/>
+          <a:chExt cx="0" cy="0"/>
+        </a:xfrm>
+      </p:grpSpPr>
+      <p:sp>
+        <p:nvSpPr>
+          <p:cNvPr id="2" name="Rectangle 1"/>
+          <p:cNvSpPr/>
+          <p:nvPr/>
+        </p:nvSpPr>
+        <p:spPr>
+          <a:xfrm>
+            <a:off x="658834" y="789657"/>
+            <a:ext cx="7219072" cy="593775"/>
+          </a:xfrm>
+          <a:prstGeom prst="rect">
+            <a:avLst/>
+          </a:prstGeom>
+          <a:solidFill>
+            <a:schemeClr val="accent2">
+              <a:lumMod val="40000"/>
+              <a:lumOff val="60000"/>
+            </a:schemeClr>
+          </a:solidFill>
+        </p:spPr>
+        <p:style>
+          <a:lnRef idx="2">
+            <a:schemeClr val="accent1">
+              <a:shade val="50000"/>
+            </a:schemeClr>
+          </a:lnRef>
+          <a:fillRef idx="1">
+            <a:schemeClr val="accent1"/>
+          </a:fillRef>
+          <a:effectRef idx="0">
+            <a:schemeClr val="accent1"/>
+          </a:effectRef>
+          <a:fontRef idx="minor">
+            <a:schemeClr val="lt1"/>
+          </a:fontRef>
+        </p:style>
+        <p:txBody>
+          <a:bodyPr rtlCol="0" anchor="ctr"/>
+          <a:lstStyle/>
+          <a:p>
+            <a:pPr algn="ctr"/>
+            <a:endParaRPr lang="en-US" sz="2800">
+              <a:solidFill>
+                <a:schemeClr val="tx1"/>
+              </a:solidFill>
+              <a:latin typeface="Times New Roman" panose="02020603050405020304" pitchFamily="18" charset="0"/>
+              <a:cs typeface="Times New Roman" panose="02020603050405020304" pitchFamily="18" charset="0"/>
+            </a:endParaRPr>
+          </a:p>
+        </p:txBody>
+      </p:sp>
+      <p:sp>
+        <p:nvSpPr>
+          <p:cNvPr id="3" name="Rectangle 2"/>
+          <p:cNvSpPr/>
+          <p:nvPr/>
+        </p:nvSpPr>
+        <p:spPr>
+          <a:xfrm>
+            <a:off x="933152" y="655010"/>
+            <a:ext cx="5430129" cy="527532"/>
+          </a:xfrm>
+          <a:prstGeom prst="rect">
+            <a:avLst/>
+          </a:prstGeom>
+        </p:spPr>
+        <p:style>
+          <a:lnRef idx="2">
+            <a:schemeClr val="accent1">
+              <a:shade val="50000"/>
+            </a:schemeClr>
+          </a:lnRef>
+          <a:fillRef idx="1">
+            <a:schemeClr val="accent1"/>
+          </a:fillRef>
+          <a:effectRef idx="0">
+            <a:schemeClr val="accent1"/>
+          </a:effectRef>
+          <a:fontRef idx="minor">
+            <a:schemeClr val="lt1"/>
+          </a:fontRef>
+        </p:style>
+        <p:txBody>
+          <a:bodyPr rtlCol="0" anchor="ctr"/>
+          <a:lstStyle/>
+          <a:p>
+            <a:pPr algn="ctr"/>
+            <a:r>
+              <a:rPr lang="en-US" sz="2800" dirty="0" err="1" smtClean="0">
+                <a:solidFill>
+                  <a:schemeClr val="tx1"/>
+                </a:solidFill>
+                <a:latin typeface="Times New Roman" panose="02020603050405020304" pitchFamily="18" charset="0"/>
+                <a:cs typeface="Times New Roman" panose="02020603050405020304" pitchFamily="18" charset="0"/>
+              </a:rPr>
+              <a:t>Nghiệp</a:t>
+            </a:r>
+            <a:r>
+              <a:rPr lang="en-US" sz="2800" dirty="0" smtClean="0">
+                <a:solidFill>
+                  <a:schemeClr val="tx1"/>
+                </a:solidFill>
+                <a:latin typeface="Times New Roman" panose="02020603050405020304" pitchFamily="18" charset="0"/>
+                <a:cs typeface="Times New Roman" panose="02020603050405020304" pitchFamily="18" charset="0"/>
+              </a:rPr>
+              <a:t> </a:t>
+            </a:r>
+            <a:r>
+              <a:rPr lang="en-US" sz="2800" dirty="0" err="1" smtClean="0">
+                <a:solidFill>
+                  <a:schemeClr val="tx1"/>
+                </a:solidFill>
+                <a:latin typeface="Times New Roman" panose="02020603050405020304" pitchFamily="18" charset="0"/>
+                <a:cs typeface="Times New Roman" panose="02020603050405020304" pitchFamily="18" charset="0"/>
+              </a:rPr>
+              <a:t>vụ</a:t>
+            </a:r>
+            <a:r>
+              <a:rPr lang="en-US" sz="2800" dirty="0" smtClean="0">
+                <a:solidFill>
+                  <a:schemeClr val="tx1"/>
+                </a:solidFill>
+                <a:latin typeface="Times New Roman" panose="02020603050405020304" pitchFamily="18" charset="0"/>
+                <a:cs typeface="Times New Roman" panose="02020603050405020304" pitchFamily="18" charset="0"/>
+              </a:rPr>
+              <a:t> </a:t>
+            </a:r>
+            <a:r>
+              <a:rPr lang="en-US" sz="2800" dirty="0" err="1" smtClean="0">
+                <a:solidFill>
+                  <a:schemeClr val="tx1"/>
+                </a:solidFill>
+                <a:latin typeface="Times New Roman" panose="02020603050405020304" pitchFamily="18" charset="0"/>
+                <a:cs typeface="Times New Roman" panose="02020603050405020304" pitchFamily="18" charset="0"/>
+              </a:rPr>
+              <a:t>chính</a:t>
+            </a:r>
+            <a:endParaRPr lang="en-US" sz="2800" dirty="0">
+              <a:solidFill>
+                <a:schemeClr val="tx1"/>
+              </a:solidFill>
+              <a:latin typeface="Times New Roman" panose="02020603050405020304" pitchFamily="18" charset="0"/>
+              <a:cs typeface="Times New Roman" panose="02020603050405020304" pitchFamily="18" charset="0"/>
+            </a:endParaRPr>
+          </a:p>
+        </p:txBody>
+      </p:sp>
+      <p:pic>
+        <p:nvPicPr>
+          <p:cNvPr id="4" name="Picture 3"/>
+          <p:cNvPicPr>
+            <a:picLocks noChangeAspect="1"/>
+          </p:cNvPicPr>
+          <p:nvPr/>
+        </p:nvPicPr>
+        <p:blipFill>
+          <a:blip r:embed="rId2"/>
+          <a:stretch>
+            <a:fillRect/>
+          </a:stretch>
+        </p:blipFill>
+        <p:spPr>
+          <a:xfrm>
+            <a:off x="658834" y="1383432"/>
+            <a:ext cx="10745040" cy="4752975"/>
+          </a:xfrm>
+          <a:prstGeom prst="rect">
+            <a:avLst/>
+          </a:prstGeom>
+        </p:spPr>
+      </p:pic>
+    </p:spTree>
+    <p:extLst>
+      <p:ext uri="{BB962C8B-B14F-4D97-AF65-F5344CB8AC3E}">
+        <p14:creationId xmlns:p14="http://schemas.microsoft.com/office/powerpoint/2010/main" val="1674170697"/>
+      </p:ext>
+    </p:extLst>
+  </p:cSld>
+  <p:clrMapOvr>
+    <a:masterClrMapping/>
+  </p:clrMapOvr>
+  <p:timing>
+    <p:tnLst>
+      <p:par>
+        <p:cTn id="1" dur="indefinite" restart="never" nodeType="tmRoot"/>
+      </p:par>
+    </p:tnLst>
+  </p:timing>
+</p:sld>
+</file>
+
+<file path=ppt/slides/slide9.xml><?xml version="1.0" encoding="utf-8"?>
 <p:sld xmlns:a="http://schemas.openxmlformats.org/drawingml/2006/main" xmlns:r="http://schemas.openxmlformats.org/officeDocument/2006/relationships" xmlns:p="http://schemas.openxmlformats.org/presentationml/2006/main">
   <p:cSld>
     <p:spTree>

--- a/PP.pptx
+++ b/PP.pptx
@@ -1863,15 +1863,15 @@
     <dgm:cxn modelId="{6C18A2EB-60AC-43E7-891E-E5EF7BB05E09}" srcId="{791270D8-2BB1-4A19-AC67-B3CAD8959D70}" destId="{89B2970F-F070-47D7-B486-3DEB602531FF}" srcOrd="1" destOrd="0" parTransId="{77DA38B5-DCF8-42A4-8FE9-172F8A3D4131}" sibTransId="{FB65FD39-FDA5-4B38-900F-9381E93A1A6C}"/>
     <dgm:cxn modelId="{DAE7C4BC-E390-4D70-B721-4176096370E8}" type="presOf" srcId="{A202A316-9A33-44B7-A455-F663B810B52A}" destId="{D61F4323-35EF-436C-9A66-2D5021D868D3}" srcOrd="0" destOrd="0" presId="urn:microsoft.com/office/officeart/2005/8/layout/vProcess5"/>
     <dgm:cxn modelId="{7965E604-48E9-4BD0-88DF-A5A3EC01CFDF}" type="presOf" srcId="{81F34BC0-18C0-492C-8389-434683745FCD}" destId="{0FCCBCDF-1A76-4372-BB5C-7C0AD3F520D9}" srcOrd="0" destOrd="0" presId="urn:microsoft.com/office/officeart/2005/8/layout/vProcess5"/>
+    <dgm:cxn modelId="{E32C8749-4A34-4E5D-B30D-33D5F127A7EF}" type="presOf" srcId="{791270D8-2BB1-4A19-AC67-B3CAD8959D70}" destId="{15BFDDA4-C3AB-4F70-97A5-F73ECA634F04}" srcOrd="0" destOrd="0" presId="urn:microsoft.com/office/officeart/2005/8/layout/vProcess5"/>
     <dgm:cxn modelId="{C7FC8A8D-E146-45B7-A799-2A14F00DCCC3}" srcId="{791270D8-2BB1-4A19-AC67-B3CAD8959D70}" destId="{2872B89D-47FA-41D5-8A74-EB6472352468}" srcOrd="3" destOrd="0" parTransId="{E061B8F3-20F4-460E-8E15-EE29C06C69C2}" sibTransId="{B0CE7B65-9595-4F13-98F3-7F5A7B5752DE}"/>
-    <dgm:cxn modelId="{E32C8749-4A34-4E5D-B30D-33D5F127A7EF}" type="presOf" srcId="{791270D8-2BB1-4A19-AC67-B3CAD8959D70}" destId="{15BFDDA4-C3AB-4F70-97A5-F73ECA634F04}" srcOrd="0" destOrd="0" presId="urn:microsoft.com/office/officeart/2005/8/layout/vProcess5"/>
     <dgm:cxn modelId="{A019B55D-0427-4664-A762-B40FA75474AE}" type="presOf" srcId="{4AF619A1-9D57-4F69-AD5F-51B26B705FC9}" destId="{A39D33E9-6571-49B0-9F48-86902D0F5B40}" srcOrd="0" destOrd="0" presId="urn:microsoft.com/office/officeart/2005/8/layout/vProcess5"/>
     <dgm:cxn modelId="{4BB61610-A0F5-44C7-A89F-A53D22CBEE87}" type="presOf" srcId="{B0CE7B65-9595-4F13-98F3-7F5A7B5752DE}" destId="{3833547A-8E30-42B2-89C1-4450DC198494}" srcOrd="0" destOrd="0" presId="urn:microsoft.com/office/officeart/2005/8/layout/vProcess5"/>
     <dgm:cxn modelId="{71C742FE-FEAD-47C1-A435-159572AECA05}" type="presOf" srcId="{81F34BC0-18C0-492C-8389-434683745FCD}" destId="{A99D399F-839D-47F6-862E-8674E5B1ABFC}" srcOrd="1" destOrd="0" presId="urn:microsoft.com/office/officeart/2005/8/layout/vProcess5"/>
+    <dgm:cxn modelId="{EFE63905-8DC6-4FA0-859D-DA4B447D06C1}" type="presOf" srcId="{203259A3-1401-41C2-A6BF-2D461331614E}" destId="{EA66EC5E-8E93-4332-9D12-261D473BC3EB}" srcOrd="0" destOrd="0" presId="urn:microsoft.com/office/officeart/2005/8/layout/vProcess5"/>
     <dgm:cxn modelId="{74382BA2-39EA-4B25-A761-32E7A38D336F}" srcId="{791270D8-2BB1-4A19-AC67-B3CAD8959D70}" destId="{A202A316-9A33-44B7-A455-F663B810B52A}" srcOrd="2" destOrd="0" parTransId="{EF74DBF4-D741-48DE-8AE4-9C18533040DD}" sibTransId="{4AF619A1-9D57-4F69-AD5F-51B26B705FC9}"/>
-    <dgm:cxn modelId="{EFE63905-8DC6-4FA0-859D-DA4B447D06C1}" type="presOf" srcId="{203259A3-1401-41C2-A6BF-2D461331614E}" destId="{EA66EC5E-8E93-4332-9D12-261D473BC3EB}" srcOrd="0" destOrd="0" presId="urn:microsoft.com/office/officeart/2005/8/layout/vProcess5"/>
+    <dgm:cxn modelId="{2F1FE020-F0A7-4D59-850F-07B531F00FCA}" type="presOf" srcId="{2872B89D-47FA-41D5-8A74-EB6472352468}" destId="{D801BBDD-5EB5-45DA-9A87-F10C956B5BCF}" srcOrd="0" destOrd="0" presId="urn:microsoft.com/office/officeart/2005/8/layout/vProcess5"/>
     <dgm:cxn modelId="{9CBA65D2-B2D7-4459-B0D2-C679C66966D3}" type="presOf" srcId="{2872B89D-47FA-41D5-8A74-EB6472352468}" destId="{89B5B954-C795-44E3-A4F0-CCCEA7F6D5EE}" srcOrd="1" destOrd="0" presId="urn:microsoft.com/office/officeart/2005/8/layout/vProcess5"/>
-    <dgm:cxn modelId="{2F1FE020-F0A7-4D59-850F-07B531F00FCA}" type="presOf" srcId="{2872B89D-47FA-41D5-8A74-EB6472352468}" destId="{D801BBDD-5EB5-45DA-9A87-F10C956B5BCF}" srcOrd="0" destOrd="0" presId="urn:microsoft.com/office/officeart/2005/8/layout/vProcess5"/>
     <dgm:cxn modelId="{ECFA512C-AB4A-4691-A388-15BF1426EF81}" type="presOf" srcId="{A202A316-9A33-44B7-A455-F663B810B52A}" destId="{6D6FF68D-08DB-4A03-BAB6-AD6BC051AC43}" srcOrd="1" destOrd="0" presId="urn:microsoft.com/office/officeart/2005/8/layout/vProcess5"/>
     <dgm:cxn modelId="{1DB8D0C5-F098-4A40-A53C-971948B7B8B5}" type="presOf" srcId="{FB65FD39-FDA5-4B38-900F-9381E93A1A6C}" destId="{67FB0A04-7720-48E3-874E-F05D50785A7B}" srcOrd="0" destOrd="0" presId="urn:microsoft.com/office/officeart/2005/8/layout/vProcess5"/>
     <dgm:cxn modelId="{5ACDCF53-791E-4A03-8FD1-2B0747C49E71}" srcId="{791270D8-2BB1-4A19-AC67-B3CAD8959D70}" destId="{C3407434-6AE9-463B-8541-A85E18028BC7}" srcOrd="0" destOrd="0" parTransId="{A11CDC62-767E-4DF2-B073-4CA74F0ABD4E}" sibTransId="{203259A3-1401-41C2-A6BF-2D461331614E}"/>
@@ -15321,14 +15321,68 @@
         </p:blipFill>
         <p:spPr>
           <a:xfrm>
-            <a:off x="698022" y="1380958"/>
-            <a:ext cx="9791452" cy="4667417"/>
+            <a:off x="698022" y="1894114"/>
+            <a:ext cx="9791452" cy="4154261"/>
           </a:xfrm>
           <a:prstGeom prst="rect">
             <a:avLst/>
           </a:prstGeom>
         </p:spPr>
       </p:pic>
+      <p:sp>
+        <p:nvSpPr>
+          <p:cNvPr id="5" name="TextBox 4"/>
+          <p:cNvSpPr txBox="1"/>
+          <p:nvPr/>
+        </p:nvSpPr>
+        <p:spPr>
+          <a:xfrm>
+            <a:off x="933152" y="1380958"/>
+            <a:ext cx="2579552" cy="461665"/>
+          </a:xfrm>
+          <a:prstGeom prst="rect">
+            <a:avLst/>
+          </a:prstGeom>
+          <a:noFill/>
+        </p:spPr>
+        <p:txBody>
+          <a:bodyPr wrap="none" rtlCol="0">
+            <a:spAutoFit/>
+          </a:bodyPr>
+          <a:lstStyle/>
+          <a:p>
+            <a:r>
+              <a:rPr lang="en-US" sz="2400" dirty="0" err="1" smtClean="0"/>
+              <a:t>Đăng</a:t>
+            </a:r>
+            <a:r>
+              <a:rPr lang="en-US" sz="2400" dirty="0" smtClean="0"/>
+              <a:t> </a:t>
+            </a:r>
+            <a:r>
+              <a:rPr lang="en-US" sz="2400" dirty="0" err="1" smtClean="0"/>
+              <a:t>kí</a:t>
+            </a:r>
+            <a:r>
+              <a:rPr lang="en-US" sz="2400" dirty="0" smtClean="0"/>
+              <a:t> </a:t>
+            </a:r>
+            <a:r>
+              <a:rPr lang="en-US" sz="2400" dirty="0" err="1" smtClean="0"/>
+              <a:t>thuê</a:t>
+            </a:r>
+            <a:r>
+              <a:rPr lang="en-US" sz="2400" dirty="0" smtClean="0"/>
+              <a:t> </a:t>
+            </a:r>
+            <a:r>
+              <a:rPr lang="en-US" sz="2400" dirty="0" err="1" smtClean="0"/>
+              <a:t>phòng</a:t>
+            </a:r>
+            <a:endParaRPr lang="en-US" sz="2400" dirty="0"/>
+          </a:p>
+        </p:txBody>
+      </p:sp>
     </p:spTree>
     <p:extLst>
       <p:ext uri="{BB962C8B-B14F-4D97-AF65-F5344CB8AC3E}">
@@ -15530,14 +15584,71 @@
         </p:blipFill>
         <p:spPr>
           <a:xfrm>
-            <a:off x="658834" y="1380958"/>
-            <a:ext cx="10444595" cy="4751367"/>
+            <a:off x="658834" y="1815737"/>
+            <a:ext cx="10444595" cy="4316588"/>
           </a:xfrm>
           <a:prstGeom prst="rect">
             <a:avLst/>
           </a:prstGeom>
         </p:spPr>
       </p:pic>
+      <p:sp>
+        <p:nvSpPr>
+          <p:cNvPr id="5" name="TextBox 4"/>
+          <p:cNvSpPr txBox="1"/>
+          <p:nvPr/>
+        </p:nvSpPr>
+        <p:spPr>
+          <a:xfrm>
+            <a:off x="1058091" y="1386488"/>
+            <a:ext cx="1378904" cy="461665"/>
+          </a:xfrm>
+          <a:prstGeom prst="rect">
+            <a:avLst/>
+          </a:prstGeom>
+          <a:noFill/>
+        </p:spPr>
+        <p:txBody>
+          <a:bodyPr wrap="none" rtlCol="0">
+            <a:spAutoFit/>
+          </a:bodyPr>
+          <a:lstStyle/>
+          <a:p>
+            <a:r>
+              <a:rPr lang="en-US" sz="2400" dirty="0" err="1" smtClean="0">
+                <a:latin typeface="Times New Roman" panose="02020603050405020304" pitchFamily="18" charset="0"/>
+                <a:cs typeface="Times New Roman" panose="02020603050405020304" pitchFamily="18" charset="0"/>
+              </a:rPr>
+              <a:t>Tính</a:t>
+            </a:r>
+            <a:r>
+              <a:rPr lang="en-US" sz="2400" dirty="0" smtClean="0">
+                <a:latin typeface="Times New Roman" panose="02020603050405020304" pitchFamily="18" charset="0"/>
+                <a:cs typeface="Times New Roman" panose="02020603050405020304" pitchFamily="18" charset="0"/>
+              </a:rPr>
+              <a:t> </a:t>
+            </a:r>
+            <a:r>
+              <a:rPr lang="en-US" sz="2400" dirty="0" err="1" smtClean="0">
+                <a:latin typeface="Times New Roman" panose="02020603050405020304" pitchFamily="18" charset="0"/>
+                <a:cs typeface="Times New Roman" panose="02020603050405020304" pitchFamily="18" charset="0"/>
+              </a:rPr>
+              <a:t>tiền</a:t>
+            </a:r>
+            <a:r>
+              <a:rPr lang="en-US" sz="2400" dirty="0" smtClean="0">
+                <a:latin typeface="Times New Roman" panose="02020603050405020304" pitchFamily="18" charset="0"/>
+                <a:cs typeface="Times New Roman" panose="02020603050405020304" pitchFamily="18" charset="0"/>
+              </a:rPr>
+              <a:t> </a:t>
+            </a:r>
+            <a:endParaRPr lang="en-US" sz="2400" dirty="0">
+              <a:latin typeface="Times New Roman" panose="02020603050405020304" pitchFamily="18" charset="0"/>
+              <a:cs typeface="Times New Roman" panose="02020603050405020304" pitchFamily="18" charset="0"/>
+            </a:endParaRPr>
+          </a:p>
+        </p:txBody>
+      </p:sp>
     </p:spTree>
     <p:extLst>
       <p:ext uri="{BB962C8B-B14F-4D97-AF65-F5344CB8AC3E}">
@@ -15739,14 +15850,64 @@
         </p:blipFill>
         <p:spPr>
           <a:xfrm>
-            <a:off x="658834" y="1383432"/>
-            <a:ext cx="10745040" cy="4752975"/>
+            <a:off x="658834" y="1763486"/>
+            <a:ext cx="10745040" cy="4372921"/>
           </a:xfrm>
           <a:prstGeom prst="rect">
             <a:avLst/>
           </a:prstGeom>
         </p:spPr>
       </p:pic>
+      <p:sp>
+        <p:nvSpPr>
+          <p:cNvPr id="5" name="TextBox 4"/>
+          <p:cNvSpPr txBox="1"/>
+          <p:nvPr/>
+        </p:nvSpPr>
+        <p:spPr>
+          <a:xfrm>
+            <a:off x="933152" y="1317189"/>
+            <a:ext cx="1446614" cy="461665"/>
+          </a:xfrm>
+          <a:prstGeom prst="rect">
+            <a:avLst/>
+          </a:prstGeom>
+          <a:noFill/>
+        </p:spPr>
+        <p:txBody>
+          <a:bodyPr wrap="none" rtlCol="0">
+            <a:spAutoFit/>
+          </a:bodyPr>
+          <a:lstStyle/>
+          <a:p>
+            <a:r>
+              <a:rPr lang="en-US" sz="2400" dirty="0" err="1" smtClean="0">
+                <a:latin typeface="Times New Roman" panose="02020603050405020304" pitchFamily="18" charset="0"/>
+                <a:cs typeface="Times New Roman" panose="02020603050405020304" pitchFamily="18" charset="0"/>
+              </a:rPr>
+              <a:t>Trả</a:t>
+            </a:r>
+            <a:r>
+              <a:rPr lang="en-US" sz="2400" dirty="0" smtClean="0">
+                <a:latin typeface="Times New Roman" panose="02020603050405020304" pitchFamily="18" charset="0"/>
+                <a:cs typeface="Times New Roman" panose="02020603050405020304" pitchFamily="18" charset="0"/>
+              </a:rPr>
+              <a:t> </a:t>
+            </a:r>
+            <a:r>
+              <a:rPr lang="en-US" sz="2400" dirty="0" err="1" smtClean="0">
+                <a:latin typeface="Times New Roman" panose="02020603050405020304" pitchFamily="18" charset="0"/>
+                <a:cs typeface="Times New Roman" panose="02020603050405020304" pitchFamily="18" charset="0"/>
+              </a:rPr>
+              <a:t>phòng</a:t>
+            </a:r>
+            <a:endParaRPr lang="en-US" sz="2400" dirty="0">
+              <a:latin typeface="Times New Roman" panose="02020603050405020304" pitchFamily="18" charset="0"/>
+              <a:cs typeface="Times New Roman" panose="02020603050405020304" pitchFamily="18" charset="0"/>
+            </a:endParaRPr>
+          </a:p>
+        </p:txBody>
+      </p:sp>
     </p:spTree>
     <p:extLst>
       <p:ext uri="{BB962C8B-B14F-4D97-AF65-F5344CB8AC3E}">

--- a/PP.pptx
+++ b/PP.pptx
@@ -902,7 +902,7 @@
               <a:latin typeface="Times New Roman" panose="02020603050405020304" pitchFamily="18" charset="0"/>
               <a:cs typeface="Times New Roman" panose="02020603050405020304" pitchFamily="18" charset="0"/>
             </a:rPr>
-            <a:t>Đơn</a:t>
+            <a:t>Quản</a:t>
           </a:r>
           <a:r>
             <a:rPr lang="en-US" sz="2400" dirty="0" smtClean="0">
@@ -916,7 +916,7 @@
               <a:latin typeface="Times New Roman" panose="02020603050405020304" pitchFamily="18" charset="0"/>
               <a:cs typeface="Times New Roman" panose="02020603050405020304" pitchFamily="18" charset="0"/>
             </a:rPr>
-            <a:t>giản</a:t>
+            <a:t>lí</a:t>
           </a:r>
           <a:r>
             <a:rPr lang="en-US" sz="2400" dirty="0" smtClean="0">
@@ -930,7 +930,7 @@
               <a:latin typeface="Times New Roman" panose="02020603050405020304" pitchFamily="18" charset="0"/>
               <a:cs typeface="Times New Roman" panose="02020603050405020304" pitchFamily="18" charset="0"/>
             </a:rPr>
-            <a:t>hóa</a:t>
+            <a:t>phòng</a:t>
           </a:r>
           <a:r>
             <a:rPr lang="en-US" sz="2400" dirty="0" smtClean="0">
@@ -944,7 +944,7 @@
               <a:latin typeface="Times New Roman" panose="02020603050405020304" pitchFamily="18" charset="0"/>
               <a:cs typeface="Times New Roman" panose="02020603050405020304" pitchFamily="18" charset="0"/>
             </a:rPr>
-            <a:t>công</a:t>
+            <a:t>và</a:t>
           </a:r>
           <a:r>
             <a:rPr lang="en-US" sz="2400" dirty="0" smtClean="0">
@@ -958,7 +958,7 @@
               <a:latin typeface="Times New Roman" panose="02020603050405020304" pitchFamily="18" charset="0"/>
               <a:cs typeface="Times New Roman" panose="02020603050405020304" pitchFamily="18" charset="0"/>
             </a:rPr>
-            <a:t>việc</a:t>
+            <a:t>thiết</a:t>
           </a:r>
           <a:r>
             <a:rPr lang="en-US" sz="2400" dirty="0" smtClean="0">
@@ -972,7 +972,7 @@
               <a:latin typeface="Times New Roman" panose="02020603050405020304" pitchFamily="18" charset="0"/>
               <a:cs typeface="Times New Roman" panose="02020603050405020304" pitchFamily="18" charset="0"/>
             </a:rPr>
-            <a:t>hằng</a:t>
+            <a:t>bị</a:t>
           </a:r>
           <a:r>
             <a:rPr lang="en-US" sz="2400" dirty="0" smtClean="0">
@@ -986,14 +986,21 @@
               <a:latin typeface="Times New Roman" panose="02020603050405020304" pitchFamily="18" charset="0"/>
               <a:cs typeface="Times New Roman" panose="02020603050405020304" pitchFamily="18" charset="0"/>
             </a:rPr>
-            <a:t>ngày</a:t>
+            <a:t>trong</a:t>
           </a:r>
           <a:r>
             <a:rPr lang="en-US" sz="2400" dirty="0" smtClean="0">
               <a:latin typeface="Times New Roman" panose="02020603050405020304" pitchFamily="18" charset="0"/>
               <a:cs typeface="Times New Roman" panose="02020603050405020304" pitchFamily="18" charset="0"/>
             </a:rPr>
-            <a:t>.</a:t>
+            <a:t> </a:t>
+          </a:r>
+          <a:r>
+            <a:rPr lang="en-US" sz="2400" dirty="0" err="1" smtClean="0">
+              <a:latin typeface="Times New Roman" panose="02020603050405020304" pitchFamily="18" charset="0"/>
+              <a:cs typeface="Times New Roman" panose="02020603050405020304" pitchFamily="18" charset="0"/>
+            </a:rPr>
+            <a:t>phòng</a:t>
           </a:r>
           <a:endParaRPr lang="en-US" sz="2400" dirty="0">
             <a:latin typeface="Times New Roman" panose="02020603050405020304" pitchFamily="18" charset="0"/>
@@ -1074,7 +1081,7 @@
               <a:latin typeface="Times New Roman" panose="02020603050405020304" pitchFamily="18" charset="0"/>
               <a:cs typeface="Times New Roman" panose="02020603050405020304" pitchFamily="18" charset="0"/>
             </a:rPr>
-            <a:t>và</a:t>
+            <a:t>dịch</a:t>
           </a:r>
           <a:r>
             <a:rPr lang="en-US" sz="2400" dirty="0" smtClean="0">
@@ -1088,98 +1095,7 @@
               <a:latin typeface="Times New Roman" panose="02020603050405020304" pitchFamily="18" charset="0"/>
               <a:cs typeface="Times New Roman" panose="02020603050405020304" pitchFamily="18" charset="0"/>
             </a:rPr>
-            <a:t>lưu</a:t>
-          </a:r>
-          <a:r>
-            <a:rPr lang="en-US" sz="2400" dirty="0" smtClean="0">
-              <a:latin typeface="Times New Roman" panose="02020603050405020304" pitchFamily="18" charset="0"/>
-              <a:cs typeface="Times New Roman" panose="02020603050405020304" pitchFamily="18" charset="0"/>
-            </a:rPr>
-            <a:t> </a:t>
-          </a:r>
-          <a:r>
-            <a:rPr lang="en-US" sz="2400" dirty="0" err="1" smtClean="0">
-              <a:latin typeface="Times New Roman" panose="02020603050405020304" pitchFamily="18" charset="0"/>
-              <a:cs typeface="Times New Roman" panose="02020603050405020304" pitchFamily="18" charset="0"/>
-            </a:rPr>
-            <a:t>trữ</a:t>
-          </a:r>
-          <a:r>
-            <a:rPr lang="en-US" sz="2400" dirty="0" smtClean="0">
-              <a:latin typeface="Times New Roman" panose="02020603050405020304" pitchFamily="18" charset="0"/>
-              <a:cs typeface="Times New Roman" panose="02020603050405020304" pitchFamily="18" charset="0"/>
-            </a:rPr>
-            <a:t> </a:t>
-          </a:r>
-          <a:r>
-            <a:rPr lang="en-US" sz="2400" dirty="0" err="1" smtClean="0">
-              <a:latin typeface="Times New Roman" panose="02020603050405020304" pitchFamily="18" charset="0"/>
-              <a:cs typeface="Times New Roman" panose="02020603050405020304" pitchFamily="18" charset="0"/>
-            </a:rPr>
-            <a:t>thông</a:t>
-          </a:r>
-          <a:r>
-            <a:rPr lang="en-US" sz="2400" dirty="0" smtClean="0">
-              <a:latin typeface="Times New Roman" panose="02020603050405020304" pitchFamily="18" charset="0"/>
-              <a:cs typeface="Times New Roman" panose="02020603050405020304" pitchFamily="18" charset="0"/>
-            </a:rPr>
-            <a:t> tin </a:t>
-          </a:r>
-          <a:r>
-            <a:rPr lang="en-US" sz="2400" dirty="0" err="1" smtClean="0">
-              <a:latin typeface="Times New Roman" panose="02020603050405020304" pitchFamily="18" charset="0"/>
-              <a:cs typeface="Times New Roman" panose="02020603050405020304" pitchFamily="18" charset="0"/>
-            </a:rPr>
-            <a:t>một</a:t>
-          </a:r>
-          <a:r>
-            <a:rPr lang="en-US" sz="2400" dirty="0" smtClean="0">
-              <a:latin typeface="Times New Roman" panose="02020603050405020304" pitchFamily="18" charset="0"/>
-              <a:cs typeface="Times New Roman" panose="02020603050405020304" pitchFamily="18" charset="0"/>
-            </a:rPr>
-            <a:t> </a:t>
-          </a:r>
-          <a:r>
-            <a:rPr lang="en-US" sz="2400" dirty="0" err="1" smtClean="0">
-              <a:latin typeface="Times New Roman" panose="02020603050405020304" pitchFamily="18" charset="0"/>
-              <a:cs typeface="Times New Roman" panose="02020603050405020304" pitchFamily="18" charset="0"/>
-            </a:rPr>
-            <a:t>cách</a:t>
-          </a:r>
-          <a:r>
-            <a:rPr lang="en-US" sz="2400" dirty="0" smtClean="0">
-              <a:latin typeface="Times New Roman" panose="02020603050405020304" pitchFamily="18" charset="0"/>
-              <a:cs typeface="Times New Roman" panose="02020603050405020304" pitchFamily="18" charset="0"/>
-            </a:rPr>
-            <a:t> </a:t>
-          </a:r>
-          <a:r>
-            <a:rPr lang="en-US" sz="2400" dirty="0" err="1" smtClean="0">
-              <a:latin typeface="Times New Roman" panose="02020603050405020304" pitchFamily="18" charset="0"/>
-              <a:cs typeface="Times New Roman" panose="02020603050405020304" pitchFamily="18" charset="0"/>
-            </a:rPr>
-            <a:t>hiệu</a:t>
-          </a:r>
-          <a:r>
-            <a:rPr lang="en-US" sz="2400" dirty="0" smtClean="0">
-              <a:latin typeface="Times New Roman" panose="02020603050405020304" pitchFamily="18" charset="0"/>
-              <a:cs typeface="Times New Roman" panose="02020603050405020304" pitchFamily="18" charset="0"/>
-            </a:rPr>
-            <a:t> </a:t>
-          </a:r>
-          <a:r>
-            <a:rPr lang="en-US" sz="2400" dirty="0" err="1" smtClean="0">
-              <a:latin typeface="Times New Roman" panose="02020603050405020304" pitchFamily="18" charset="0"/>
-              <a:cs typeface="Times New Roman" panose="02020603050405020304" pitchFamily="18" charset="0"/>
-            </a:rPr>
-            <a:t>quả</a:t>
-          </a:r>
-          <a:r>
-            <a:rPr lang="en-US" sz="2400" dirty="0" smtClean="0">
-              <a:latin typeface="Times New Roman" panose="02020603050405020304" pitchFamily="18" charset="0"/>
-              <a:cs typeface="Times New Roman" panose="02020603050405020304" pitchFamily="18" charset="0"/>
-            </a:rPr>
-            <a:t>.</a:t>
+            <a:t>vụ</a:t>
           </a:r>
           <a:endParaRPr lang="en-US" sz="2400" dirty="0">
             <a:latin typeface="Times New Roman" panose="02020603050405020304" pitchFamily="18" charset="0"/>
@@ -1232,49 +1148,7 @@
               <a:latin typeface="Times New Roman" panose="02020603050405020304" pitchFamily="18" charset="0"/>
               <a:cs typeface="Times New Roman" panose="02020603050405020304" pitchFamily="18" charset="0"/>
             </a:rPr>
-            <a:t>Tính</a:t>
-          </a:r>
-          <a:r>
-            <a:rPr lang="en-US" sz="2400" dirty="0" smtClean="0">
-              <a:latin typeface="Times New Roman" panose="02020603050405020304" pitchFamily="18" charset="0"/>
-              <a:cs typeface="Times New Roman" panose="02020603050405020304" pitchFamily="18" charset="0"/>
-            </a:rPr>
-            <a:t> </a:t>
-          </a:r>
-          <a:r>
-            <a:rPr lang="en-US" sz="2400" dirty="0" err="1" smtClean="0">
-              <a:latin typeface="Times New Roman" panose="02020603050405020304" pitchFamily="18" charset="0"/>
-              <a:cs typeface="Times New Roman" panose="02020603050405020304" pitchFamily="18" charset="0"/>
-            </a:rPr>
-            <a:t>tiền</a:t>
-          </a:r>
-          <a:r>
-            <a:rPr lang="en-US" sz="2400" dirty="0" smtClean="0">
-              <a:latin typeface="Times New Roman" panose="02020603050405020304" pitchFamily="18" charset="0"/>
-              <a:cs typeface="Times New Roman" panose="02020603050405020304" pitchFamily="18" charset="0"/>
-            </a:rPr>
-            <a:t> </a:t>
-          </a:r>
-          <a:r>
-            <a:rPr lang="en-US" sz="2400" dirty="0" err="1" smtClean="0">
-              <a:latin typeface="Times New Roman" panose="02020603050405020304" pitchFamily="18" charset="0"/>
-              <a:cs typeface="Times New Roman" panose="02020603050405020304" pitchFamily="18" charset="0"/>
-            </a:rPr>
-            <a:t>và</a:t>
-          </a:r>
-          <a:r>
-            <a:rPr lang="en-US" sz="2400" dirty="0" smtClean="0">
-              <a:latin typeface="Times New Roman" panose="02020603050405020304" pitchFamily="18" charset="0"/>
-              <a:cs typeface="Times New Roman" panose="02020603050405020304" pitchFamily="18" charset="0"/>
-            </a:rPr>
-            <a:t> </a:t>
-          </a:r>
-          <a:r>
-            <a:rPr lang="en-US" sz="2400" dirty="0" err="1" smtClean="0">
-              <a:latin typeface="Times New Roman" panose="02020603050405020304" pitchFamily="18" charset="0"/>
-              <a:cs typeface="Times New Roman" panose="02020603050405020304" pitchFamily="18" charset="0"/>
-            </a:rPr>
-            <a:t>quản</a:t>
+            <a:t>Quản</a:t>
           </a:r>
           <a:r>
             <a:rPr lang="en-US" sz="2400" dirty="0" smtClean="0">
@@ -1302,7 +1176,7 @@
               <a:latin typeface="Times New Roman" panose="02020603050405020304" pitchFamily="18" charset="0"/>
               <a:cs typeface="Times New Roman" panose="02020603050405020304" pitchFamily="18" charset="0"/>
             </a:rPr>
-            <a:t>doanh</a:t>
+            <a:t>thuê</a:t>
           </a:r>
           <a:r>
             <a:rPr lang="en-US" sz="2400" dirty="0" smtClean="0">
@@ -1316,14 +1190,14 @@
               <a:latin typeface="Times New Roman" panose="02020603050405020304" pitchFamily="18" charset="0"/>
               <a:cs typeface="Times New Roman" panose="02020603050405020304" pitchFamily="18" charset="0"/>
             </a:rPr>
-            <a:t>thu</a:t>
+            <a:t>phòng</a:t>
           </a:r>
           <a:r>
             <a:rPr lang="en-US" sz="2400" dirty="0" smtClean="0">
               <a:latin typeface="Times New Roman" panose="02020603050405020304" pitchFamily="18" charset="0"/>
               <a:cs typeface="Times New Roman" panose="02020603050405020304" pitchFamily="18" charset="0"/>
             </a:rPr>
-            <a:t>.</a:t>
+            <a:t>		</a:t>
           </a:r>
           <a:endParaRPr lang="en-US" sz="2400" dirty="0">
             <a:latin typeface="Times New Roman" panose="02020603050405020304" pitchFamily="18" charset="0"/>
@@ -1357,102 +1231,6 @@
         </a:p>
       </dgm:t>
     </dgm:pt>
-    <dgm:pt modelId="{81F34BC0-18C0-492C-8389-434683745FCD}">
-      <dgm:prSet phldrT="[Text]" custT="1"/>
-      <dgm:spPr>
-        <a:solidFill>
-          <a:srgbClr val="FF0000"/>
-        </a:solidFill>
-      </dgm:spPr>
-      <dgm:t>
-        <a:bodyPr/>
-        <a:lstStyle/>
-        <a:p>
-          <a:r>
-            <a:rPr lang="en-US" sz="2400" dirty="0" err="1" smtClean="0">
-              <a:latin typeface="Times New Roman" panose="02020603050405020304" pitchFamily="18" charset="0"/>
-              <a:cs typeface="Times New Roman" panose="02020603050405020304" pitchFamily="18" charset="0"/>
-            </a:rPr>
-            <a:t>Báo</a:t>
-          </a:r>
-          <a:r>
-            <a:rPr lang="en-US" sz="2400" dirty="0" smtClean="0">
-              <a:latin typeface="Times New Roman" panose="02020603050405020304" pitchFamily="18" charset="0"/>
-              <a:cs typeface="Times New Roman" panose="02020603050405020304" pitchFamily="18" charset="0"/>
-            </a:rPr>
-            <a:t> </a:t>
-          </a:r>
-          <a:r>
-            <a:rPr lang="en-US" sz="2400" dirty="0" err="1" smtClean="0">
-              <a:latin typeface="Times New Roman" panose="02020603050405020304" pitchFamily="18" charset="0"/>
-              <a:cs typeface="Times New Roman" panose="02020603050405020304" pitchFamily="18" charset="0"/>
-            </a:rPr>
-            <a:t>cáo</a:t>
-          </a:r>
-          <a:r>
-            <a:rPr lang="en-US" sz="2400" dirty="0" smtClean="0">
-              <a:latin typeface="Times New Roman" panose="02020603050405020304" pitchFamily="18" charset="0"/>
-              <a:cs typeface="Times New Roman" panose="02020603050405020304" pitchFamily="18" charset="0"/>
-            </a:rPr>
-            <a:t> </a:t>
-          </a:r>
-          <a:r>
-            <a:rPr lang="en-US" sz="2400" dirty="0" err="1" smtClean="0">
-              <a:latin typeface="Times New Roman" panose="02020603050405020304" pitchFamily="18" charset="0"/>
-              <a:cs typeface="Times New Roman" panose="02020603050405020304" pitchFamily="18" charset="0"/>
-            </a:rPr>
-            <a:t>thông</a:t>
-          </a:r>
-          <a:r>
-            <a:rPr lang="en-US" sz="2400" dirty="0" smtClean="0">
-              <a:latin typeface="Times New Roman" panose="02020603050405020304" pitchFamily="18" charset="0"/>
-              <a:cs typeface="Times New Roman" panose="02020603050405020304" pitchFamily="18" charset="0"/>
-            </a:rPr>
-            <a:t> </a:t>
-          </a:r>
-          <a:r>
-            <a:rPr lang="en-US" sz="2400" dirty="0" err="1" smtClean="0">
-              <a:latin typeface="Times New Roman" panose="02020603050405020304" pitchFamily="18" charset="0"/>
-              <a:cs typeface="Times New Roman" panose="02020603050405020304" pitchFamily="18" charset="0"/>
-            </a:rPr>
-            <a:t>kê</a:t>
-          </a:r>
-          <a:r>
-            <a:rPr lang="en-US" sz="2400" dirty="0" smtClean="0">
-              <a:latin typeface="Times New Roman" panose="02020603050405020304" pitchFamily="18" charset="0"/>
-              <a:cs typeface="Times New Roman" panose="02020603050405020304" pitchFamily="18" charset="0"/>
-            </a:rPr>
-            <a:t>.</a:t>
-          </a:r>
-          <a:endParaRPr lang="en-US" sz="2400" dirty="0">
-            <a:latin typeface="Times New Roman" panose="02020603050405020304" pitchFamily="18" charset="0"/>
-            <a:cs typeface="Times New Roman" panose="02020603050405020304" pitchFamily="18" charset="0"/>
-          </a:endParaRPr>
-        </a:p>
-      </dgm:t>
-    </dgm:pt>
-    <dgm:pt modelId="{152D2B22-F568-41DC-B6D1-88E8E4D875E2}" type="parTrans" cxnId="{761FD423-FE56-494B-8F83-C6F7195E01F1}">
-      <dgm:prSet/>
-      <dgm:spPr/>
-      <dgm:t>
-        <a:bodyPr/>
-        <a:lstStyle/>
-        <a:p>
-          <a:endParaRPr lang="en-US"/>
-        </a:p>
-      </dgm:t>
-    </dgm:pt>
-    <dgm:pt modelId="{BFB21B0D-A0BE-4CC9-B62A-9DB3DC174FD6}" type="sibTrans" cxnId="{761FD423-FE56-494B-8F83-C6F7195E01F1}">
-      <dgm:prSet/>
-      <dgm:spPr/>
-      <dgm:t>
-        <a:bodyPr/>
-        <a:lstStyle/>
-        <a:p>
-          <a:endParaRPr lang="en-US"/>
-        </a:p>
-      </dgm:t>
-    </dgm:pt>
     <dgm:pt modelId="{2872B89D-47FA-41D5-8A74-EB6472352468}">
       <dgm:prSet phldrT="[Text]" custT="1"/>
       <dgm:spPr>
@@ -1472,7 +1250,7 @@
               <a:latin typeface="Times New Roman" panose="02020603050405020304" pitchFamily="18" charset="0"/>
               <a:cs typeface="Times New Roman" panose="02020603050405020304" pitchFamily="18" charset="0"/>
             </a:rPr>
-            <a:t>Nắm</a:t>
+            <a:t>Quản</a:t>
           </a:r>
           <a:r>
             <a:rPr lang="en-US" sz="2400" dirty="0" smtClean="0">
@@ -1486,7 +1264,7 @@
               <a:latin typeface="Times New Roman" panose="02020603050405020304" pitchFamily="18" charset="0"/>
               <a:cs typeface="Times New Roman" panose="02020603050405020304" pitchFamily="18" charset="0"/>
             </a:rPr>
-            <a:t>rõ</a:t>
+            <a:t>lí</a:t>
           </a:r>
           <a:r>
             <a:rPr lang="en-US" sz="2400" dirty="0" smtClean="0">
@@ -1500,21 +1278,7 @@
               <a:latin typeface="Times New Roman" panose="02020603050405020304" pitchFamily="18" charset="0"/>
               <a:cs typeface="Times New Roman" panose="02020603050405020304" pitchFamily="18" charset="0"/>
             </a:rPr>
-            <a:t>trạng</a:t>
-          </a:r>
-          <a:r>
-            <a:rPr lang="en-US" sz="2400" dirty="0" smtClean="0">
-              <a:latin typeface="Times New Roman" panose="02020603050405020304" pitchFamily="18" charset="0"/>
-              <a:cs typeface="Times New Roman" panose="02020603050405020304" pitchFamily="18" charset="0"/>
-            </a:rPr>
-            <a:t> </a:t>
-          </a:r>
-          <a:r>
-            <a:rPr lang="en-US" sz="2400" dirty="0" err="1" smtClean="0">
-              <a:latin typeface="Times New Roman" panose="02020603050405020304" pitchFamily="18" charset="0"/>
-              <a:cs typeface="Times New Roman" panose="02020603050405020304" pitchFamily="18" charset="0"/>
-            </a:rPr>
-            <a:t>thái</a:t>
+            <a:t>trả</a:t>
           </a:r>
           <a:r>
             <a:rPr lang="en-US" sz="2400" dirty="0" smtClean="0">
@@ -1529,69 +1293,6 @@
               <a:cs typeface="Times New Roman" panose="02020603050405020304" pitchFamily="18" charset="0"/>
             </a:rPr>
             <a:t>phòng</a:t>
-          </a:r>
-          <a:r>
-            <a:rPr lang="en-US" sz="2400" dirty="0" smtClean="0">
-              <a:latin typeface="Times New Roman" panose="02020603050405020304" pitchFamily="18" charset="0"/>
-              <a:cs typeface="Times New Roman" panose="02020603050405020304" pitchFamily="18" charset="0"/>
-            </a:rPr>
-            <a:t> </a:t>
-          </a:r>
-          <a:r>
-            <a:rPr lang="en-US" sz="2400" dirty="0" err="1" smtClean="0">
-              <a:latin typeface="Times New Roman" panose="02020603050405020304" pitchFamily="18" charset="0"/>
-              <a:cs typeface="Times New Roman" panose="02020603050405020304" pitchFamily="18" charset="0"/>
-            </a:rPr>
-            <a:t>và</a:t>
-          </a:r>
-          <a:r>
-            <a:rPr lang="en-US" sz="2400" dirty="0" smtClean="0">
-              <a:latin typeface="Times New Roman" panose="02020603050405020304" pitchFamily="18" charset="0"/>
-              <a:cs typeface="Times New Roman" panose="02020603050405020304" pitchFamily="18" charset="0"/>
-            </a:rPr>
-            <a:t> </a:t>
-          </a:r>
-          <a:r>
-            <a:rPr lang="en-US" sz="2400" dirty="0" err="1" smtClean="0">
-              <a:latin typeface="Times New Roman" panose="02020603050405020304" pitchFamily="18" charset="0"/>
-              <a:cs typeface="Times New Roman" panose="02020603050405020304" pitchFamily="18" charset="0"/>
-            </a:rPr>
-            <a:t>hạn</a:t>
-          </a:r>
-          <a:r>
-            <a:rPr lang="en-US" sz="2400" dirty="0" smtClean="0">
-              <a:latin typeface="Times New Roman" panose="02020603050405020304" pitchFamily="18" charset="0"/>
-              <a:cs typeface="Times New Roman" panose="02020603050405020304" pitchFamily="18" charset="0"/>
-            </a:rPr>
-            <a:t> </a:t>
-          </a:r>
-          <a:r>
-            <a:rPr lang="en-US" sz="2400" dirty="0" err="1" smtClean="0">
-              <a:latin typeface="Times New Roman" panose="02020603050405020304" pitchFamily="18" charset="0"/>
-              <a:cs typeface="Times New Roman" panose="02020603050405020304" pitchFamily="18" charset="0"/>
-            </a:rPr>
-            <a:t>chế</a:t>
-          </a:r>
-          <a:r>
-            <a:rPr lang="en-US" sz="2400" dirty="0" smtClean="0">
-              <a:latin typeface="Times New Roman" panose="02020603050405020304" pitchFamily="18" charset="0"/>
-              <a:cs typeface="Times New Roman" panose="02020603050405020304" pitchFamily="18" charset="0"/>
-            </a:rPr>
-            <a:t> </a:t>
-          </a:r>
-          <a:r>
-            <a:rPr lang="en-US" sz="2400" dirty="0" err="1" smtClean="0">
-              <a:latin typeface="Times New Roman" panose="02020603050405020304" pitchFamily="18" charset="0"/>
-              <a:cs typeface="Times New Roman" panose="02020603050405020304" pitchFamily="18" charset="0"/>
-            </a:rPr>
-            <a:t>rủi</a:t>
-          </a:r>
-          <a:r>
-            <a:rPr lang="en-US" sz="2400" dirty="0" smtClean="0">
-              <a:latin typeface="Times New Roman" panose="02020603050405020304" pitchFamily="18" charset="0"/>
-              <a:cs typeface="Times New Roman" panose="02020603050405020304" pitchFamily="18" charset="0"/>
-            </a:rPr>
-            <a:t> ro.</a:t>
           </a:r>
           <a:endParaRPr lang="en-US" sz="2400" dirty="0">
             <a:latin typeface="Times New Roman" panose="02020603050405020304" pitchFamily="18" charset="0"/>
@@ -1622,6 +1323,165 @@
             <a:latin typeface="Times New Roman" panose="02020603050405020304" pitchFamily="18" charset="0"/>
             <a:cs typeface="Times New Roman" panose="02020603050405020304" pitchFamily="18" charset="0"/>
           </a:endParaRPr>
+        </a:p>
+      </dgm:t>
+    </dgm:pt>
+    <dgm:pt modelId="{81F34BC0-18C0-492C-8389-434683745FCD}">
+      <dgm:prSet phldrT="[Text]" custT="1"/>
+      <dgm:spPr>
+        <a:solidFill>
+          <a:srgbClr val="FF0000"/>
+        </a:solidFill>
+      </dgm:spPr>
+      <dgm:t>
+        <a:bodyPr/>
+        <a:lstStyle/>
+        <a:p>
+          <a:r>
+            <a:rPr lang="en-US" sz="2400" dirty="0" err="1" smtClean="0">
+              <a:latin typeface="Times New Roman" panose="02020603050405020304" pitchFamily="18" charset="0"/>
+              <a:cs typeface="Times New Roman" panose="02020603050405020304" pitchFamily="18" charset="0"/>
+            </a:rPr>
+            <a:t>Quản</a:t>
+          </a:r>
+          <a:r>
+            <a:rPr lang="en-US" sz="2400" dirty="0" smtClean="0">
+              <a:latin typeface="Times New Roman" panose="02020603050405020304" pitchFamily="18" charset="0"/>
+              <a:cs typeface="Times New Roman" panose="02020603050405020304" pitchFamily="18" charset="0"/>
+            </a:rPr>
+            <a:t> </a:t>
+          </a:r>
+          <a:r>
+            <a:rPr lang="en-US" sz="2400" dirty="0" err="1" smtClean="0">
+              <a:latin typeface="Times New Roman" panose="02020603050405020304" pitchFamily="18" charset="0"/>
+              <a:cs typeface="Times New Roman" panose="02020603050405020304" pitchFamily="18" charset="0"/>
+            </a:rPr>
+            <a:t>lí</a:t>
+          </a:r>
+          <a:r>
+            <a:rPr lang="en-US" sz="2400" dirty="0" smtClean="0">
+              <a:latin typeface="Times New Roman" panose="02020603050405020304" pitchFamily="18" charset="0"/>
+              <a:cs typeface="Times New Roman" panose="02020603050405020304" pitchFamily="18" charset="0"/>
+            </a:rPr>
+            <a:t> </a:t>
+          </a:r>
+          <a:r>
+            <a:rPr lang="en-US" sz="2400" dirty="0" err="1" smtClean="0">
+              <a:latin typeface="Times New Roman" panose="02020603050405020304" pitchFamily="18" charset="0"/>
+              <a:cs typeface="Times New Roman" panose="02020603050405020304" pitchFamily="18" charset="0"/>
+            </a:rPr>
+            <a:t>hóa</a:t>
+          </a:r>
+          <a:r>
+            <a:rPr lang="en-US" sz="2400" dirty="0" smtClean="0">
+              <a:latin typeface="Times New Roman" panose="02020603050405020304" pitchFamily="18" charset="0"/>
+              <a:cs typeface="Times New Roman" panose="02020603050405020304" pitchFamily="18" charset="0"/>
+            </a:rPr>
+            <a:t> </a:t>
+          </a:r>
+          <a:r>
+            <a:rPr lang="en-US" sz="2400" dirty="0" err="1" smtClean="0">
+              <a:latin typeface="Times New Roman" panose="02020603050405020304" pitchFamily="18" charset="0"/>
+              <a:cs typeface="Times New Roman" panose="02020603050405020304" pitchFamily="18" charset="0"/>
+            </a:rPr>
+            <a:t>đơn</a:t>
+          </a:r>
+          <a:r>
+            <a:rPr lang="en-US" sz="2400" dirty="0" smtClean="0">
+              <a:latin typeface="Times New Roman" panose="02020603050405020304" pitchFamily="18" charset="0"/>
+              <a:cs typeface="Times New Roman" panose="02020603050405020304" pitchFamily="18" charset="0"/>
+            </a:rPr>
+            <a:t> </a:t>
+          </a:r>
+          <a:r>
+            <a:rPr lang="en-US" sz="2400" dirty="0" err="1" smtClean="0">
+              <a:latin typeface="Times New Roman" panose="02020603050405020304" pitchFamily="18" charset="0"/>
+              <a:cs typeface="Times New Roman" panose="02020603050405020304" pitchFamily="18" charset="0"/>
+            </a:rPr>
+            <a:t>và</a:t>
+          </a:r>
+          <a:r>
+            <a:rPr lang="en-US" sz="2400" dirty="0" smtClean="0">
+              <a:latin typeface="Times New Roman" panose="02020603050405020304" pitchFamily="18" charset="0"/>
+              <a:cs typeface="Times New Roman" panose="02020603050405020304" pitchFamily="18" charset="0"/>
+            </a:rPr>
+            <a:t> </a:t>
+          </a:r>
+          <a:r>
+            <a:rPr lang="en-US" sz="2400" dirty="0" err="1" smtClean="0">
+              <a:latin typeface="Times New Roman" panose="02020603050405020304" pitchFamily="18" charset="0"/>
+              <a:cs typeface="Times New Roman" panose="02020603050405020304" pitchFamily="18" charset="0"/>
+            </a:rPr>
+            <a:t>báo</a:t>
+          </a:r>
+          <a:r>
+            <a:rPr lang="en-US" sz="2400" dirty="0" smtClean="0">
+              <a:latin typeface="Times New Roman" panose="02020603050405020304" pitchFamily="18" charset="0"/>
+              <a:cs typeface="Times New Roman" panose="02020603050405020304" pitchFamily="18" charset="0"/>
+            </a:rPr>
+            <a:t> </a:t>
+          </a:r>
+          <a:r>
+            <a:rPr lang="en-US" sz="2400" dirty="0" err="1" smtClean="0">
+              <a:latin typeface="Times New Roman" panose="02020603050405020304" pitchFamily="18" charset="0"/>
+              <a:cs typeface="Times New Roman" panose="02020603050405020304" pitchFamily="18" charset="0"/>
+            </a:rPr>
+            <a:t>cáo</a:t>
+          </a:r>
+          <a:r>
+            <a:rPr lang="en-US" sz="2400" dirty="0" smtClean="0">
+              <a:latin typeface="Times New Roman" panose="02020603050405020304" pitchFamily="18" charset="0"/>
+              <a:cs typeface="Times New Roman" panose="02020603050405020304" pitchFamily="18" charset="0"/>
+            </a:rPr>
+            <a:t> </a:t>
+          </a:r>
+          <a:r>
+            <a:rPr lang="en-US" sz="2400" dirty="0" err="1" smtClean="0">
+              <a:latin typeface="Times New Roman" panose="02020603050405020304" pitchFamily="18" charset="0"/>
+              <a:cs typeface="Times New Roman" panose="02020603050405020304" pitchFamily="18" charset="0"/>
+            </a:rPr>
+            <a:t>thống</a:t>
+          </a:r>
+          <a:r>
+            <a:rPr lang="en-US" sz="2400" dirty="0" smtClean="0">
+              <a:latin typeface="Times New Roman" panose="02020603050405020304" pitchFamily="18" charset="0"/>
+              <a:cs typeface="Times New Roman" panose="02020603050405020304" pitchFamily="18" charset="0"/>
+            </a:rPr>
+            <a:t> </a:t>
+          </a:r>
+          <a:r>
+            <a:rPr lang="en-US" sz="2400" dirty="0" err="1" smtClean="0">
+              <a:latin typeface="Times New Roman" panose="02020603050405020304" pitchFamily="18" charset="0"/>
+              <a:cs typeface="Times New Roman" panose="02020603050405020304" pitchFamily="18" charset="0"/>
+            </a:rPr>
+            <a:t>kê</a:t>
+          </a:r>
+          <a:endParaRPr lang="en-US" sz="2400" dirty="0">
+            <a:latin typeface="Times New Roman" panose="02020603050405020304" pitchFamily="18" charset="0"/>
+            <a:cs typeface="Times New Roman" panose="02020603050405020304" pitchFamily="18" charset="0"/>
+          </a:endParaRPr>
+        </a:p>
+      </dgm:t>
+    </dgm:pt>
+    <dgm:pt modelId="{BFB21B0D-A0BE-4CC9-B62A-9DB3DC174FD6}" type="sibTrans" cxnId="{761FD423-FE56-494B-8F83-C6F7195E01F1}">
+      <dgm:prSet/>
+      <dgm:spPr/>
+      <dgm:t>
+        <a:bodyPr/>
+        <a:lstStyle/>
+        <a:p>
+          <a:endParaRPr lang="en-US"/>
+        </a:p>
+      </dgm:t>
+    </dgm:pt>
+    <dgm:pt modelId="{152D2B22-F568-41DC-B6D1-88E8E4D875E2}" type="parTrans" cxnId="{761FD423-FE56-494B-8F83-C6F7195E01F1}">
+      <dgm:prSet/>
+      <dgm:spPr/>
+      <dgm:t>
+        <a:bodyPr/>
+        <a:lstStyle/>
+        <a:p>
+          <a:endParaRPr lang="en-US"/>
         </a:p>
       </dgm:t>
     </dgm:pt>
@@ -1860,26 +1720,26 @@
     </dgm:pt>
   </dgm:ptLst>
   <dgm:cxnLst>
+    <dgm:cxn modelId="{982E7609-65DF-4019-80E4-3ED3405F4793}" type="presOf" srcId="{C3407434-6AE9-463B-8541-A85E18028BC7}" destId="{D399B510-7C97-47CE-A874-197ACA8D67A7}" srcOrd="0" destOrd="0" presId="urn:microsoft.com/office/officeart/2005/8/layout/vProcess5"/>
+    <dgm:cxn modelId="{74382BA2-39EA-4B25-A761-32E7A38D336F}" srcId="{791270D8-2BB1-4A19-AC67-B3CAD8959D70}" destId="{A202A316-9A33-44B7-A455-F663B810B52A}" srcOrd="2" destOrd="0" parTransId="{EF74DBF4-D741-48DE-8AE4-9C18533040DD}" sibTransId="{4AF619A1-9D57-4F69-AD5F-51B26B705FC9}"/>
+    <dgm:cxn modelId="{8520E1D8-8D85-4DC6-8D69-B71BC4CCAF94}" type="presOf" srcId="{C3407434-6AE9-463B-8541-A85E18028BC7}" destId="{D13BEA1D-72CE-4C53-9F49-92B0F2C8881D}" srcOrd="1" destOrd="0" presId="urn:microsoft.com/office/officeart/2005/8/layout/vProcess5"/>
+    <dgm:cxn modelId="{4BB61610-A0F5-44C7-A89F-A53D22CBEE87}" type="presOf" srcId="{B0CE7B65-9595-4F13-98F3-7F5A7B5752DE}" destId="{3833547A-8E30-42B2-89C1-4450DC198494}" srcOrd="0" destOrd="0" presId="urn:microsoft.com/office/officeart/2005/8/layout/vProcess5"/>
     <dgm:cxn modelId="{6C18A2EB-60AC-43E7-891E-E5EF7BB05E09}" srcId="{791270D8-2BB1-4A19-AC67-B3CAD8959D70}" destId="{89B2970F-F070-47D7-B486-3DEB602531FF}" srcOrd="1" destOrd="0" parTransId="{77DA38B5-DCF8-42A4-8FE9-172F8A3D4131}" sibTransId="{FB65FD39-FDA5-4B38-900F-9381E93A1A6C}"/>
+    <dgm:cxn modelId="{A019B55D-0427-4664-A762-B40FA75474AE}" type="presOf" srcId="{4AF619A1-9D57-4F69-AD5F-51B26B705FC9}" destId="{A39D33E9-6571-49B0-9F48-86902D0F5B40}" srcOrd="0" destOrd="0" presId="urn:microsoft.com/office/officeart/2005/8/layout/vProcess5"/>
     <dgm:cxn modelId="{DAE7C4BC-E390-4D70-B721-4176096370E8}" type="presOf" srcId="{A202A316-9A33-44B7-A455-F663B810B52A}" destId="{D61F4323-35EF-436C-9A66-2D5021D868D3}" srcOrd="0" destOrd="0" presId="urn:microsoft.com/office/officeart/2005/8/layout/vProcess5"/>
+    <dgm:cxn modelId="{761FD423-FE56-494B-8F83-C6F7195E01F1}" srcId="{791270D8-2BB1-4A19-AC67-B3CAD8959D70}" destId="{81F34BC0-18C0-492C-8389-434683745FCD}" srcOrd="4" destOrd="0" parTransId="{152D2B22-F568-41DC-B6D1-88E8E4D875E2}" sibTransId="{BFB21B0D-A0BE-4CC9-B62A-9DB3DC174FD6}"/>
+    <dgm:cxn modelId="{E32C8749-4A34-4E5D-B30D-33D5F127A7EF}" type="presOf" srcId="{791270D8-2BB1-4A19-AC67-B3CAD8959D70}" destId="{15BFDDA4-C3AB-4F70-97A5-F73ECA634F04}" srcOrd="0" destOrd="0" presId="urn:microsoft.com/office/officeart/2005/8/layout/vProcess5"/>
+    <dgm:cxn modelId="{9CBA65D2-B2D7-4459-B0D2-C679C66966D3}" type="presOf" srcId="{2872B89D-47FA-41D5-8A74-EB6472352468}" destId="{89B5B954-C795-44E3-A4F0-CCCEA7F6D5EE}" srcOrd="1" destOrd="0" presId="urn:microsoft.com/office/officeart/2005/8/layout/vProcess5"/>
+    <dgm:cxn modelId="{5ACDCF53-791E-4A03-8FD1-2B0747C49E71}" srcId="{791270D8-2BB1-4A19-AC67-B3CAD8959D70}" destId="{C3407434-6AE9-463B-8541-A85E18028BC7}" srcOrd="0" destOrd="0" parTransId="{A11CDC62-767E-4DF2-B073-4CA74F0ABD4E}" sibTransId="{203259A3-1401-41C2-A6BF-2D461331614E}"/>
+    <dgm:cxn modelId="{C7FC8A8D-E146-45B7-A799-2A14F00DCCC3}" srcId="{791270D8-2BB1-4A19-AC67-B3CAD8959D70}" destId="{2872B89D-47FA-41D5-8A74-EB6472352468}" srcOrd="3" destOrd="0" parTransId="{E061B8F3-20F4-460E-8E15-EE29C06C69C2}" sibTransId="{B0CE7B65-9595-4F13-98F3-7F5A7B5752DE}"/>
+    <dgm:cxn modelId="{2F1FE020-F0A7-4D59-850F-07B531F00FCA}" type="presOf" srcId="{2872B89D-47FA-41D5-8A74-EB6472352468}" destId="{D801BBDD-5EB5-45DA-9A87-F10C956B5BCF}" srcOrd="0" destOrd="0" presId="urn:microsoft.com/office/officeart/2005/8/layout/vProcess5"/>
+    <dgm:cxn modelId="{DABBCD96-B3A5-4320-91AA-12C8436E6467}" type="presOf" srcId="{89B2970F-F070-47D7-B486-3DEB602531FF}" destId="{F4813CA4-46E3-4D8A-8290-0E34553ED0D5}" srcOrd="1" destOrd="0" presId="urn:microsoft.com/office/officeart/2005/8/layout/vProcess5"/>
     <dgm:cxn modelId="{7965E604-48E9-4BD0-88DF-A5A3EC01CFDF}" type="presOf" srcId="{81F34BC0-18C0-492C-8389-434683745FCD}" destId="{0FCCBCDF-1A76-4372-BB5C-7C0AD3F520D9}" srcOrd="0" destOrd="0" presId="urn:microsoft.com/office/officeart/2005/8/layout/vProcess5"/>
-    <dgm:cxn modelId="{C7FC8A8D-E146-45B7-A799-2A14F00DCCC3}" srcId="{791270D8-2BB1-4A19-AC67-B3CAD8959D70}" destId="{2872B89D-47FA-41D5-8A74-EB6472352468}" srcOrd="3" destOrd="0" parTransId="{E061B8F3-20F4-460E-8E15-EE29C06C69C2}" sibTransId="{B0CE7B65-9595-4F13-98F3-7F5A7B5752DE}"/>
-    <dgm:cxn modelId="{E32C8749-4A34-4E5D-B30D-33D5F127A7EF}" type="presOf" srcId="{791270D8-2BB1-4A19-AC67-B3CAD8959D70}" destId="{15BFDDA4-C3AB-4F70-97A5-F73ECA634F04}" srcOrd="0" destOrd="0" presId="urn:microsoft.com/office/officeart/2005/8/layout/vProcess5"/>
-    <dgm:cxn modelId="{A019B55D-0427-4664-A762-B40FA75474AE}" type="presOf" srcId="{4AF619A1-9D57-4F69-AD5F-51B26B705FC9}" destId="{A39D33E9-6571-49B0-9F48-86902D0F5B40}" srcOrd="0" destOrd="0" presId="urn:microsoft.com/office/officeart/2005/8/layout/vProcess5"/>
-    <dgm:cxn modelId="{4BB61610-A0F5-44C7-A89F-A53D22CBEE87}" type="presOf" srcId="{B0CE7B65-9595-4F13-98F3-7F5A7B5752DE}" destId="{3833547A-8E30-42B2-89C1-4450DC198494}" srcOrd="0" destOrd="0" presId="urn:microsoft.com/office/officeart/2005/8/layout/vProcess5"/>
+    <dgm:cxn modelId="{9CEADE6A-C2D1-4D34-AA91-C88C2FCE1E1B}" type="presOf" srcId="{89B2970F-F070-47D7-B486-3DEB602531FF}" destId="{FB048E74-01FE-47C0-BF0E-15D36DB2CC02}" srcOrd="0" destOrd="0" presId="urn:microsoft.com/office/officeart/2005/8/layout/vProcess5"/>
+    <dgm:cxn modelId="{1DB8D0C5-F098-4A40-A53C-971948B7B8B5}" type="presOf" srcId="{FB65FD39-FDA5-4B38-900F-9381E93A1A6C}" destId="{67FB0A04-7720-48E3-874E-F05D50785A7B}" srcOrd="0" destOrd="0" presId="urn:microsoft.com/office/officeart/2005/8/layout/vProcess5"/>
+    <dgm:cxn modelId="{EFE63905-8DC6-4FA0-859D-DA4B447D06C1}" type="presOf" srcId="{203259A3-1401-41C2-A6BF-2D461331614E}" destId="{EA66EC5E-8E93-4332-9D12-261D473BC3EB}" srcOrd="0" destOrd="0" presId="urn:microsoft.com/office/officeart/2005/8/layout/vProcess5"/>
+    <dgm:cxn modelId="{ECFA512C-AB4A-4691-A388-15BF1426EF81}" type="presOf" srcId="{A202A316-9A33-44B7-A455-F663B810B52A}" destId="{6D6FF68D-08DB-4A03-BAB6-AD6BC051AC43}" srcOrd="1" destOrd="0" presId="urn:microsoft.com/office/officeart/2005/8/layout/vProcess5"/>
     <dgm:cxn modelId="{71C742FE-FEAD-47C1-A435-159572AECA05}" type="presOf" srcId="{81F34BC0-18C0-492C-8389-434683745FCD}" destId="{A99D399F-839D-47F6-862E-8674E5B1ABFC}" srcOrd="1" destOrd="0" presId="urn:microsoft.com/office/officeart/2005/8/layout/vProcess5"/>
-    <dgm:cxn modelId="{74382BA2-39EA-4B25-A761-32E7A38D336F}" srcId="{791270D8-2BB1-4A19-AC67-B3CAD8959D70}" destId="{A202A316-9A33-44B7-A455-F663B810B52A}" srcOrd="2" destOrd="0" parTransId="{EF74DBF4-D741-48DE-8AE4-9C18533040DD}" sibTransId="{4AF619A1-9D57-4F69-AD5F-51B26B705FC9}"/>
-    <dgm:cxn modelId="{EFE63905-8DC6-4FA0-859D-DA4B447D06C1}" type="presOf" srcId="{203259A3-1401-41C2-A6BF-2D461331614E}" destId="{EA66EC5E-8E93-4332-9D12-261D473BC3EB}" srcOrd="0" destOrd="0" presId="urn:microsoft.com/office/officeart/2005/8/layout/vProcess5"/>
-    <dgm:cxn modelId="{9CBA65D2-B2D7-4459-B0D2-C679C66966D3}" type="presOf" srcId="{2872B89D-47FA-41D5-8A74-EB6472352468}" destId="{89B5B954-C795-44E3-A4F0-CCCEA7F6D5EE}" srcOrd="1" destOrd="0" presId="urn:microsoft.com/office/officeart/2005/8/layout/vProcess5"/>
-    <dgm:cxn modelId="{2F1FE020-F0A7-4D59-850F-07B531F00FCA}" type="presOf" srcId="{2872B89D-47FA-41D5-8A74-EB6472352468}" destId="{D801BBDD-5EB5-45DA-9A87-F10C956B5BCF}" srcOrd="0" destOrd="0" presId="urn:microsoft.com/office/officeart/2005/8/layout/vProcess5"/>
-    <dgm:cxn modelId="{ECFA512C-AB4A-4691-A388-15BF1426EF81}" type="presOf" srcId="{A202A316-9A33-44B7-A455-F663B810B52A}" destId="{6D6FF68D-08DB-4A03-BAB6-AD6BC051AC43}" srcOrd="1" destOrd="0" presId="urn:microsoft.com/office/officeart/2005/8/layout/vProcess5"/>
-    <dgm:cxn modelId="{1DB8D0C5-F098-4A40-A53C-971948B7B8B5}" type="presOf" srcId="{FB65FD39-FDA5-4B38-900F-9381E93A1A6C}" destId="{67FB0A04-7720-48E3-874E-F05D50785A7B}" srcOrd="0" destOrd="0" presId="urn:microsoft.com/office/officeart/2005/8/layout/vProcess5"/>
-    <dgm:cxn modelId="{5ACDCF53-791E-4A03-8FD1-2B0747C49E71}" srcId="{791270D8-2BB1-4A19-AC67-B3CAD8959D70}" destId="{C3407434-6AE9-463B-8541-A85E18028BC7}" srcOrd="0" destOrd="0" parTransId="{A11CDC62-767E-4DF2-B073-4CA74F0ABD4E}" sibTransId="{203259A3-1401-41C2-A6BF-2D461331614E}"/>
-    <dgm:cxn modelId="{982E7609-65DF-4019-80E4-3ED3405F4793}" type="presOf" srcId="{C3407434-6AE9-463B-8541-A85E18028BC7}" destId="{D399B510-7C97-47CE-A874-197ACA8D67A7}" srcOrd="0" destOrd="0" presId="urn:microsoft.com/office/officeart/2005/8/layout/vProcess5"/>
-    <dgm:cxn modelId="{DABBCD96-B3A5-4320-91AA-12C8436E6467}" type="presOf" srcId="{89B2970F-F070-47D7-B486-3DEB602531FF}" destId="{F4813CA4-46E3-4D8A-8290-0E34553ED0D5}" srcOrd="1" destOrd="0" presId="urn:microsoft.com/office/officeart/2005/8/layout/vProcess5"/>
-    <dgm:cxn modelId="{8520E1D8-8D85-4DC6-8D69-B71BC4CCAF94}" type="presOf" srcId="{C3407434-6AE9-463B-8541-A85E18028BC7}" destId="{D13BEA1D-72CE-4C53-9F49-92B0F2C8881D}" srcOrd="1" destOrd="0" presId="urn:microsoft.com/office/officeart/2005/8/layout/vProcess5"/>
-    <dgm:cxn modelId="{9CEADE6A-C2D1-4D34-AA91-C88C2FCE1E1B}" type="presOf" srcId="{89B2970F-F070-47D7-B486-3DEB602531FF}" destId="{FB048E74-01FE-47C0-BF0E-15D36DB2CC02}" srcOrd="0" destOrd="0" presId="urn:microsoft.com/office/officeart/2005/8/layout/vProcess5"/>
-    <dgm:cxn modelId="{761FD423-FE56-494B-8F83-C6F7195E01F1}" srcId="{791270D8-2BB1-4A19-AC67-B3CAD8959D70}" destId="{81F34BC0-18C0-492C-8389-434683745FCD}" srcOrd="4" destOrd="0" parTransId="{152D2B22-F568-41DC-B6D1-88E8E4D875E2}" sibTransId="{BFB21B0D-A0BE-4CC9-B62A-9DB3DC174FD6}"/>
     <dgm:cxn modelId="{C1E0BB8B-54E5-4CE7-B693-21A8408C14D6}" type="presParOf" srcId="{15BFDDA4-C3AB-4F70-97A5-F73ECA634F04}" destId="{28623507-59DF-4504-A817-4CE60DD110B5}" srcOrd="0" destOrd="0" presId="urn:microsoft.com/office/officeart/2005/8/layout/vProcess5"/>
     <dgm:cxn modelId="{60E89413-FB20-4C6E-82A4-C9FD035C89E4}" type="presParOf" srcId="{15BFDDA4-C3AB-4F70-97A5-F73ECA634F04}" destId="{D399B510-7C97-47CE-A874-197ACA8D67A7}" srcOrd="1" destOrd="0" presId="urn:microsoft.com/office/officeart/2005/8/layout/vProcess5"/>
     <dgm:cxn modelId="{C0174906-6723-4D11-803C-022553BA4A33}" type="presParOf" srcId="{15BFDDA4-C3AB-4F70-97A5-F73ECA634F04}" destId="{FB048E74-01FE-47C0-BF0E-15D36DB2CC02}" srcOrd="2" destOrd="0" presId="urn:microsoft.com/office/officeart/2005/8/layout/vProcess5"/>
@@ -1983,7 +1843,7 @@
               <a:latin typeface="Times New Roman" panose="02020603050405020304" pitchFamily="18" charset="0"/>
               <a:cs typeface="Times New Roman" panose="02020603050405020304" pitchFamily="18" charset="0"/>
             </a:rPr>
-            <a:t>Đơn</a:t>
+            <a:t>Quản</a:t>
           </a:r>
           <a:r>
             <a:rPr lang="en-US" sz="2400" kern="1200" dirty="0" smtClean="0">
@@ -1997,7 +1857,7 @@
               <a:latin typeface="Times New Roman" panose="02020603050405020304" pitchFamily="18" charset="0"/>
               <a:cs typeface="Times New Roman" panose="02020603050405020304" pitchFamily="18" charset="0"/>
             </a:rPr>
-            <a:t>giản</a:t>
+            <a:t>lí</a:t>
           </a:r>
           <a:r>
             <a:rPr lang="en-US" sz="2400" kern="1200" dirty="0" smtClean="0">
@@ -2011,7 +1871,7 @@
               <a:latin typeface="Times New Roman" panose="02020603050405020304" pitchFamily="18" charset="0"/>
               <a:cs typeface="Times New Roman" panose="02020603050405020304" pitchFamily="18" charset="0"/>
             </a:rPr>
-            <a:t>hóa</a:t>
+            <a:t>phòng</a:t>
           </a:r>
           <a:r>
             <a:rPr lang="en-US" sz="2400" kern="1200" dirty="0" smtClean="0">
@@ -2025,7 +1885,7 @@
               <a:latin typeface="Times New Roman" panose="02020603050405020304" pitchFamily="18" charset="0"/>
               <a:cs typeface="Times New Roman" panose="02020603050405020304" pitchFamily="18" charset="0"/>
             </a:rPr>
-            <a:t>công</a:t>
+            <a:t>và</a:t>
           </a:r>
           <a:r>
             <a:rPr lang="en-US" sz="2400" kern="1200" dirty="0" smtClean="0">
@@ -2039,7 +1899,7 @@
               <a:latin typeface="Times New Roman" panose="02020603050405020304" pitchFamily="18" charset="0"/>
               <a:cs typeface="Times New Roman" panose="02020603050405020304" pitchFamily="18" charset="0"/>
             </a:rPr>
-            <a:t>việc</a:t>
+            <a:t>thiết</a:t>
           </a:r>
           <a:r>
             <a:rPr lang="en-US" sz="2400" kern="1200" dirty="0" smtClean="0">
@@ -2053,7 +1913,7 @@
               <a:latin typeface="Times New Roman" panose="02020603050405020304" pitchFamily="18" charset="0"/>
               <a:cs typeface="Times New Roman" panose="02020603050405020304" pitchFamily="18" charset="0"/>
             </a:rPr>
-            <a:t>hằng</a:t>
+            <a:t>bị</a:t>
           </a:r>
           <a:r>
             <a:rPr lang="en-US" sz="2400" kern="1200" dirty="0" smtClean="0">
@@ -2067,14 +1927,21 @@
               <a:latin typeface="Times New Roman" panose="02020603050405020304" pitchFamily="18" charset="0"/>
               <a:cs typeface="Times New Roman" panose="02020603050405020304" pitchFamily="18" charset="0"/>
             </a:rPr>
-            <a:t>ngày</a:t>
+            <a:t>trong</a:t>
           </a:r>
           <a:r>
             <a:rPr lang="en-US" sz="2400" kern="1200" dirty="0" smtClean="0">
               <a:latin typeface="Times New Roman" panose="02020603050405020304" pitchFamily="18" charset="0"/>
               <a:cs typeface="Times New Roman" panose="02020603050405020304" pitchFamily="18" charset="0"/>
             </a:rPr>
-            <a:t>.</a:t>
+            <a:t> </a:t>
+          </a:r>
+          <a:r>
+            <a:rPr lang="en-US" sz="2400" kern="1200" dirty="0" err="1" smtClean="0">
+              <a:latin typeface="Times New Roman" panose="02020603050405020304" pitchFamily="18" charset="0"/>
+              <a:cs typeface="Times New Roman" panose="02020603050405020304" pitchFamily="18" charset="0"/>
+            </a:rPr>
+            <a:t>phòng</a:t>
           </a:r>
           <a:endParaRPr lang="en-US" sz="2400" kern="1200" dirty="0">
             <a:latin typeface="Times New Roman" panose="02020603050405020304" pitchFamily="18" charset="0"/>
@@ -2185,7 +2052,7 @@
               <a:latin typeface="Times New Roman" panose="02020603050405020304" pitchFamily="18" charset="0"/>
               <a:cs typeface="Times New Roman" panose="02020603050405020304" pitchFamily="18" charset="0"/>
             </a:rPr>
-            <a:t>và</a:t>
+            <a:t>dịch</a:t>
           </a:r>
           <a:r>
             <a:rPr lang="en-US" sz="2400" kern="1200" dirty="0" smtClean="0">
@@ -2199,98 +2066,7 @@
               <a:latin typeface="Times New Roman" panose="02020603050405020304" pitchFamily="18" charset="0"/>
               <a:cs typeface="Times New Roman" panose="02020603050405020304" pitchFamily="18" charset="0"/>
             </a:rPr>
-            <a:t>lưu</a:t>
-          </a:r>
-          <a:r>
-            <a:rPr lang="en-US" sz="2400" kern="1200" dirty="0" smtClean="0">
-              <a:latin typeface="Times New Roman" panose="02020603050405020304" pitchFamily="18" charset="0"/>
-              <a:cs typeface="Times New Roman" panose="02020603050405020304" pitchFamily="18" charset="0"/>
-            </a:rPr>
-            <a:t> </a:t>
-          </a:r>
-          <a:r>
-            <a:rPr lang="en-US" sz="2400" kern="1200" dirty="0" err="1" smtClean="0">
-              <a:latin typeface="Times New Roman" panose="02020603050405020304" pitchFamily="18" charset="0"/>
-              <a:cs typeface="Times New Roman" panose="02020603050405020304" pitchFamily="18" charset="0"/>
-            </a:rPr>
-            <a:t>trữ</a:t>
-          </a:r>
-          <a:r>
-            <a:rPr lang="en-US" sz="2400" kern="1200" dirty="0" smtClean="0">
-              <a:latin typeface="Times New Roman" panose="02020603050405020304" pitchFamily="18" charset="0"/>
-              <a:cs typeface="Times New Roman" panose="02020603050405020304" pitchFamily="18" charset="0"/>
-            </a:rPr>
-            <a:t> </a:t>
-          </a:r>
-          <a:r>
-            <a:rPr lang="en-US" sz="2400" kern="1200" dirty="0" err="1" smtClean="0">
-              <a:latin typeface="Times New Roman" panose="02020603050405020304" pitchFamily="18" charset="0"/>
-              <a:cs typeface="Times New Roman" panose="02020603050405020304" pitchFamily="18" charset="0"/>
-            </a:rPr>
-            <a:t>thông</a:t>
-          </a:r>
-          <a:r>
-            <a:rPr lang="en-US" sz="2400" kern="1200" dirty="0" smtClean="0">
-              <a:latin typeface="Times New Roman" panose="02020603050405020304" pitchFamily="18" charset="0"/>
-              <a:cs typeface="Times New Roman" panose="02020603050405020304" pitchFamily="18" charset="0"/>
-            </a:rPr>
-            <a:t> tin </a:t>
-          </a:r>
-          <a:r>
-            <a:rPr lang="en-US" sz="2400" kern="1200" dirty="0" err="1" smtClean="0">
-              <a:latin typeface="Times New Roman" panose="02020603050405020304" pitchFamily="18" charset="0"/>
-              <a:cs typeface="Times New Roman" panose="02020603050405020304" pitchFamily="18" charset="0"/>
-            </a:rPr>
-            <a:t>một</a:t>
-          </a:r>
-          <a:r>
-            <a:rPr lang="en-US" sz="2400" kern="1200" dirty="0" smtClean="0">
-              <a:latin typeface="Times New Roman" panose="02020603050405020304" pitchFamily="18" charset="0"/>
-              <a:cs typeface="Times New Roman" panose="02020603050405020304" pitchFamily="18" charset="0"/>
-            </a:rPr>
-            <a:t> </a:t>
-          </a:r>
-          <a:r>
-            <a:rPr lang="en-US" sz="2400" kern="1200" dirty="0" err="1" smtClean="0">
-              <a:latin typeface="Times New Roman" panose="02020603050405020304" pitchFamily="18" charset="0"/>
-              <a:cs typeface="Times New Roman" panose="02020603050405020304" pitchFamily="18" charset="0"/>
-            </a:rPr>
-            <a:t>cách</a:t>
-          </a:r>
-          <a:r>
-            <a:rPr lang="en-US" sz="2400" kern="1200" dirty="0" smtClean="0">
-              <a:latin typeface="Times New Roman" panose="02020603050405020304" pitchFamily="18" charset="0"/>
-              <a:cs typeface="Times New Roman" panose="02020603050405020304" pitchFamily="18" charset="0"/>
-            </a:rPr>
-            <a:t> </a:t>
-          </a:r>
-          <a:r>
-            <a:rPr lang="en-US" sz="2400" kern="1200" dirty="0" err="1" smtClean="0">
-              <a:latin typeface="Times New Roman" panose="02020603050405020304" pitchFamily="18" charset="0"/>
-              <a:cs typeface="Times New Roman" panose="02020603050405020304" pitchFamily="18" charset="0"/>
-            </a:rPr>
-            <a:t>hiệu</a:t>
-          </a:r>
-          <a:r>
-            <a:rPr lang="en-US" sz="2400" kern="1200" dirty="0" smtClean="0">
-              <a:latin typeface="Times New Roman" panose="02020603050405020304" pitchFamily="18" charset="0"/>
-              <a:cs typeface="Times New Roman" panose="02020603050405020304" pitchFamily="18" charset="0"/>
-            </a:rPr>
-            <a:t> </a:t>
-          </a:r>
-          <a:r>
-            <a:rPr lang="en-US" sz="2400" kern="1200" dirty="0" err="1" smtClean="0">
-              <a:latin typeface="Times New Roman" panose="02020603050405020304" pitchFamily="18" charset="0"/>
-              <a:cs typeface="Times New Roman" panose="02020603050405020304" pitchFamily="18" charset="0"/>
-            </a:rPr>
-            <a:t>quả</a:t>
-          </a:r>
-          <a:r>
-            <a:rPr lang="en-US" sz="2400" kern="1200" dirty="0" smtClean="0">
-              <a:latin typeface="Times New Roman" panose="02020603050405020304" pitchFamily="18" charset="0"/>
-              <a:cs typeface="Times New Roman" panose="02020603050405020304" pitchFamily="18" charset="0"/>
-            </a:rPr>
-            <a:t>.</a:t>
+            <a:t>vụ</a:t>
           </a:r>
           <a:endParaRPr lang="en-US" sz="2400" kern="1200" dirty="0">
             <a:latin typeface="Times New Roman" panose="02020603050405020304" pitchFamily="18" charset="0"/>
@@ -2373,49 +2149,7 @@
               <a:latin typeface="Times New Roman" panose="02020603050405020304" pitchFamily="18" charset="0"/>
               <a:cs typeface="Times New Roman" panose="02020603050405020304" pitchFamily="18" charset="0"/>
             </a:rPr>
-            <a:t>Tính</a:t>
-          </a:r>
-          <a:r>
-            <a:rPr lang="en-US" sz="2400" kern="1200" dirty="0" smtClean="0">
-              <a:latin typeface="Times New Roman" panose="02020603050405020304" pitchFamily="18" charset="0"/>
-              <a:cs typeface="Times New Roman" panose="02020603050405020304" pitchFamily="18" charset="0"/>
-            </a:rPr>
-            <a:t> </a:t>
-          </a:r>
-          <a:r>
-            <a:rPr lang="en-US" sz="2400" kern="1200" dirty="0" err="1" smtClean="0">
-              <a:latin typeface="Times New Roman" panose="02020603050405020304" pitchFamily="18" charset="0"/>
-              <a:cs typeface="Times New Roman" panose="02020603050405020304" pitchFamily="18" charset="0"/>
-            </a:rPr>
-            <a:t>tiền</a:t>
-          </a:r>
-          <a:r>
-            <a:rPr lang="en-US" sz="2400" kern="1200" dirty="0" smtClean="0">
-              <a:latin typeface="Times New Roman" panose="02020603050405020304" pitchFamily="18" charset="0"/>
-              <a:cs typeface="Times New Roman" panose="02020603050405020304" pitchFamily="18" charset="0"/>
-            </a:rPr>
-            <a:t> </a:t>
-          </a:r>
-          <a:r>
-            <a:rPr lang="en-US" sz="2400" kern="1200" dirty="0" err="1" smtClean="0">
-              <a:latin typeface="Times New Roman" panose="02020603050405020304" pitchFamily="18" charset="0"/>
-              <a:cs typeface="Times New Roman" panose="02020603050405020304" pitchFamily="18" charset="0"/>
-            </a:rPr>
-            <a:t>và</a:t>
-          </a:r>
-          <a:r>
-            <a:rPr lang="en-US" sz="2400" kern="1200" dirty="0" smtClean="0">
-              <a:latin typeface="Times New Roman" panose="02020603050405020304" pitchFamily="18" charset="0"/>
-              <a:cs typeface="Times New Roman" panose="02020603050405020304" pitchFamily="18" charset="0"/>
-            </a:rPr>
-            <a:t> </a:t>
-          </a:r>
-          <a:r>
-            <a:rPr lang="en-US" sz="2400" kern="1200" dirty="0" err="1" smtClean="0">
-              <a:latin typeface="Times New Roman" panose="02020603050405020304" pitchFamily="18" charset="0"/>
-              <a:cs typeface="Times New Roman" panose="02020603050405020304" pitchFamily="18" charset="0"/>
-            </a:rPr>
-            <a:t>quản</a:t>
+            <a:t>Quản</a:t>
           </a:r>
           <a:r>
             <a:rPr lang="en-US" sz="2400" kern="1200" dirty="0" smtClean="0">
@@ -2443,7 +2177,7 @@
               <a:latin typeface="Times New Roman" panose="02020603050405020304" pitchFamily="18" charset="0"/>
               <a:cs typeface="Times New Roman" panose="02020603050405020304" pitchFamily="18" charset="0"/>
             </a:rPr>
-            <a:t>doanh</a:t>
+            <a:t>thuê</a:t>
           </a:r>
           <a:r>
             <a:rPr lang="en-US" sz="2400" kern="1200" dirty="0" smtClean="0">
@@ -2457,14 +2191,14 @@
               <a:latin typeface="Times New Roman" panose="02020603050405020304" pitchFamily="18" charset="0"/>
               <a:cs typeface="Times New Roman" panose="02020603050405020304" pitchFamily="18" charset="0"/>
             </a:rPr>
-            <a:t>thu</a:t>
+            <a:t>phòng</a:t>
           </a:r>
           <a:r>
             <a:rPr lang="en-US" sz="2400" kern="1200" dirty="0" smtClean="0">
               <a:latin typeface="Times New Roman" panose="02020603050405020304" pitchFamily="18" charset="0"/>
               <a:cs typeface="Times New Roman" panose="02020603050405020304" pitchFamily="18" charset="0"/>
             </a:rPr>
-            <a:t>.</a:t>
+            <a:t>		</a:t>
           </a:r>
           <a:endParaRPr lang="en-US" sz="2400" kern="1200" dirty="0">
             <a:latin typeface="Times New Roman" panose="02020603050405020304" pitchFamily="18" charset="0"/>
@@ -2547,7 +2281,7 @@
               <a:latin typeface="Times New Roman" panose="02020603050405020304" pitchFamily="18" charset="0"/>
               <a:cs typeface="Times New Roman" panose="02020603050405020304" pitchFamily="18" charset="0"/>
             </a:rPr>
-            <a:t>Nắm</a:t>
+            <a:t>Quản</a:t>
           </a:r>
           <a:r>
             <a:rPr lang="en-US" sz="2400" kern="1200" dirty="0" smtClean="0">
@@ -2561,7 +2295,7 @@
               <a:latin typeface="Times New Roman" panose="02020603050405020304" pitchFamily="18" charset="0"/>
               <a:cs typeface="Times New Roman" panose="02020603050405020304" pitchFamily="18" charset="0"/>
             </a:rPr>
-            <a:t>rõ</a:t>
+            <a:t>lí</a:t>
           </a:r>
           <a:r>
             <a:rPr lang="en-US" sz="2400" kern="1200" dirty="0" smtClean="0">
@@ -2575,21 +2309,7 @@
               <a:latin typeface="Times New Roman" panose="02020603050405020304" pitchFamily="18" charset="0"/>
               <a:cs typeface="Times New Roman" panose="02020603050405020304" pitchFamily="18" charset="0"/>
             </a:rPr>
-            <a:t>trạng</a:t>
-          </a:r>
-          <a:r>
-            <a:rPr lang="en-US" sz="2400" kern="1200" dirty="0" smtClean="0">
-              <a:latin typeface="Times New Roman" panose="02020603050405020304" pitchFamily="18" charset="0"/>
-              <a:cs typeface="Times New Roman" panose="02020603050405020304" pitchFamily="18" charset="0"/>
-            </a:rPr>
-            <a:t> </a:t>
-          </a:r>
-          <a:r>
-            <a:rPr lang="en-US" sz="2400" kern="1200" dirty="0" err="1" smtClean="0">
-              <a:latin typeface="Times New Roman" panose="02020603050405020304" pitchFamily="18" charset="0"/>
-              <a:cs typeface="Times New Roman" panose="02020603050405020304" pitchFamily="18" charset="0"/>
-            </a:rPr>
-            <a:t>thái</a:t>
+            <a:t>trả</a:t>
           </a:r>
           <a:r>
             <a:rPr lang="en-US" sz="2400" kern="1200" dirty="0" smtClean="0">
@@ -2604,69 +2324,6 @@
               <a:cs typeface="Times New Roman" panose="02020603050405020304" pitchFamily="18" charset="0"/>
             </a:rPr>
             <a:t>phòng</a:t>
-          </a:r>
-          <a:r>
-            <a:rPr lang="en-US" sz="2400" kern="1200" dirty="0" smtClean="0">
-              <a:latin typeface="Times New Roman" panose="02020603050405020304" pitchFamily="18" charset="0"/>
-              <a:cs typeface="Times New Roman" panose="02020603050405020304" pitchFamily="18" charset="0"/>
-            </a:rPr>
-            <a:t> </a:t>
-          </a:r>
-          <a:r>
-            <a:rPr lang="en-US" sz="2400" kern="1200" dirty="0" err="1" smtClean="0">
-              <a:latin typeface="Times New Roman" panose="02020603050405020304" pitchFamily="18" charset="0"/>
-              <a:cs typeface="Times New Roman" panose="02020603050405020304" pitchFamily="18" charset="0"/>
-            </a:rPr>
-            <a:t>và</a:t>
-          </a:r>
-          <a:r>
-            <a:rPr lang="en-US" sz="2400" kern="1200" dirty="0" smtClean="0">
-              <a:latin typeface="Times New Roman" panose="02020603050405020304" pitchFamily="18" charset="0"/>
-              <a:cs typeface="Times New Roman" panose="02020603050405020304" pitchFamily="18" charset="0"/>
-            </a:rPr>
-            <a:t> </a:t>
-          </a:r>
-          <a:r>
-            <a:rPr lang="en-US" sz="2400" kern="1200" dirty="0" err="1" smtClean="0">
-              <a:latin typeface="Times New Roman" panose="02020603050405020304" pitchFamily="18" charset="0"/>
-              <a:cs typeface="Times New Roman" panose="02020603050405020304" pitchFamily="18" charset="0"/>
-            </a:rPr>
-            <a:t>hạn</a:t>
-          </a:r>
-          <a:r>
-            <a:rPr lang="en-US" sz="2400" kern="1200" dirty="0" smtClean="0">
-              <a:latin typeface="Times New Roman" panose="02020603050405020304" pitchFamily="18" charset="0"/>
-              <a:cs typeface="Times New Roman" panose="02020603050405020304" pitchFamily="18" charset="0"/>
-            </a:rPr>
-            <a:t> </a:t>
-          </a:r>
-          <a:r>
-            <a:rPr lang="en-US" sz="2400" kern="1200" dirty="0" err="1" smtClean="0">
-              <a:latin typeface="Times New Roman" panose="02020603050405020304" pitchFamily="18" charset="0"/>
-              <a:cs typeface="Times New Roman" panose="02020603050405020304" pitchFamily="18" charset="0"/>
-            </a:rPr>
-            <a:t>chế</a:t>
-          </a:r>
-          <a:r>
-            <a:rPr lang="en-US" sz="2400" kern="1200" dirty="0" smtClean="0">
-              <a:latin typeface="Times New Roman" panose="02020603050405020304" pitchFamily="18" charset="0"/>
-              <a:cs typeface="Times New Roman" panose="02020603050405020304" pitchFamily="18" charset="0"/>
-            </a:rPr>
-            <a:t> </a:t>
-          </a:r>
-          <a:r>
-            <a:rPr lang="en-US" sz="2400" kern="1200" dirty="0" err="1" smtClean="0">
-              <a:latin typeface="Times New Roman" panose="02020603050405020304" pitchFamily="18" charset="0"/>
-              <a:cs typeface="Times New Roman" panose="02020603050405020304" pitchFamily="18" charset="0"/>
-            </a:rPr>
-            <a:t>rủi</a:t>
-          </a:r>
-          <a:r>
-            <a:rPr lang="en-US" sz="2400" kern="1200" dirty="0" smtClean="0">
-              <a:latin typeface="Times New Roman" panose="02020603050405020304" pitchFamily="18" charset="0"/>
-              <a:cs typeface="Times New Roman" panose="02020603050405020304" pitchFamily="18" charset="0"/>
-            </a:rPr>
-            <a:t> ro.</a:t>
           </a:r>
           <a:endParaRPr lang="en-US" sz="2400" kern="1200" dirty="0">
             <a:latin typeface="Times New Roman" panose="02020603050405020304" pitchFamily="18" charset="0"/>
@@ -2746,7 +2403,77 @@
               <a:latin typeface="Times New Roman" panose="02020603050405020304" pitchFamily="18" charset="0"/>
               <a:cs typeface="Times New Roman" panose="02020603050405020304" pitchFamily="18" charset="0"/>
             </a:rPr>
-            <a:t>Báo</a:t>
+            <a:t>Quản</a:t>
+          </a:r>
+          <a:r>
+            <a:rPr lang="en-US" sz="2400" kern="1200" dirty="0" smtClean="0">
+              <a:latin typeface="Times New Roman" panose="02020603050405020304" pitchFamily="18" charset="0"/>
+              <a:cs typeface="Times New Roman" panose="02020603050405020304" pitchFamily="18" charset="0"/>
+            </a:rPr>
+            <a:t> </a:t>
+          </a:r>
+          <a:r>
+            <a:rPr lang="en-US" sz="2400" kern="1200" dirty="0" err="1" smtClean="0">
+              <a:latin typeface="Times New Roman" panose="02020603050405020304" pitchFamily="18" charset="0"/>
+              <a:cs typeface="Times New Roman" panose="02020603050405020304" pitchFamily="18" charset="0"/>
+            </a:rPr>
+            <a:t>lí</a:t>
+          </a:r>
+          <a:r>
+            <a:rPr lang="en-US" sz="2400" kern="1200" dirty="0" smtClean="0">
+              <a:latin typeface="Times New Roman" panose="02020603050405020304" pitchFamily="18" charset="0"/>
+              <a:cs typeface="Times New Roman" panose="02020603050405020304" pitchFamily="18" charset="0"/>
+            </a:rPr>
+            <a:t> </a:t>
+          </a:r>
+          <a:r>
+            <a:rPr lang="en-US" sz="2400" kern="1200" dirty="0" err="1" smtClean="0">
+              <a:latin typeface="Times New Roman" panose="02020603050405020304" pitchFamily="18" charset="0"/>
+              <a:cs typeface="Times New Roman" panose="02020603050405020304" pitchFamily="18" charset="0"/>
+            </a:rPr>
+            <a:t>hóa</a:t>
+          </a:r>
+          <a:r>
+            <a:rPr lang="en-US" sz="2400" kern="1200" dirty="0" smtClean="0">
+              <a:latin typeface="Times New Roman" panose="02020603050405020304" pitchFamily="18" charset="0"/>
+              <a:cs typeface="Times New Roman" panose="02020603050405020304" pitchFamily="18" charset="0"/>
+            </a:rPr>
+            <a:t> </a:t>
+          </a:r>
+          <a:r>
+            <a:rPr lang="en-US" sz="2400" kern="1200" dirty="0" err="1" smtClean="0">
+              <a:latin typeface="Times New Roman" panose="02020603050405020304" pitchFamily="18" charset="0"/>
+              <a:cs typeface="Times New Roman" panose="02020603050405020304" pitchFamily="18" charset="0"/>
+            </a:rPr>
+            <a:t>đơn</a:t>
+          </a:r>
+          <a:r>
+            <a:rPr lang="en-US" sz="2400" kern="1200" dirty="0" smtClean="0">
+              <a:latin typeface="Times New Roman" panose="02020603050405020304" pitchFamily="18" charset="0"/>
+              <a:cs typeface="Times New Roman" panose="02020603050405020304" pitchFamily="18" charset="0"/>
+            </a:rPr>
+            <a:t> </a:t>
+          </a:r>
+          <a:r>
+            <a:rPr lang="en-US" sz="2400" kern="1200" dirty="0" err="1" smtClean="0">
+              <a:latin typeface="Times New Roman" panose="02020603050405020304" pitchFamily="18" charset="0"/>
+              <a:cs typeface="Times New Roman" panose="02020603050405020304" pitchFamily="18" charset="0"/>
+            </a:rPr>
+            <a:t>và</a:t>
+          </a:r>
+          <a:r>
+            <a:rPr lang="en-US" sz="2400" kern="1200" dirty="0" smtClean="0">
+              <a:latin typeface="Times New Roman" panose="02020603050405020304" pitchFamily="18" charset="0"/>
+              <a:cs typeface="Times New Roman" panose="02020603050405020304" pitchFamily="18" charset="0"/>
+            </a:rPr>
+            <a:t> </a:t>
+          </a:r>
+          <a:r>
+            <a:rPr lang="en-US" sz="2400" kern="1200" dirty="0" err="1" smtClean="0">
+              <a:latin typeface="Times New Roman" panose="02020603050405020304" pitchFamily="18" charset="0"/>
+              <a:cs typeface="Times New Roman" panose="02020603050405020304" pitchFamily="18" charset="0"/>
+            </a:rPr>
+            <a:t>báo</a:t>
           </a:r>
           <a:r>
             <a:rPr lang="en-US" sz="2400" kern="1200" dirty="0" smtClean="0">
@@ -2774,7 +2501,7 @@
               <a:latin typeface="Times New Roman" panose="02020603050405020304" pitchFamily="18" charset="0"/>
               <a:cs typeface="Times New Roman" panose="02020603050405020304" pitchFamily="18" charset="0"/>
             </a:rPr>
-            <a:t>thông</a:t>
+            <a:t>thống</a:t>
           </a:r>
           <a:r>
             <a:rPr lang="en-US" sz="2400" kern="1200" dirty="0" smtClean="0">
@@ -2789,13 +2516,6 @@
               <a:cs typeface="Times New Roman" panose="02020603050405020304" pitchFamily="18" charset="0"/>
             </a:rPr>
             <a:t>kê</a:t>
-          </a:r>
-          <a:r>
-            <a:rPr lang="en-US" sz="2400" kern="1200" dirty="0" smtClean="0">
-              <a:latin typeface="Times New Roman" panose="02020603050405020304" pitchFamily="18" charset="0"/>
-              <a:cs typeface="Times New Roman" panose="02020603050405020304" pitchFamily="18" charset="0"/>
-            </a:rPr>
-            <a:t>.</a:t>
           </a:r>
           <a:endParaRPr lang="en-US" sz="2400" kern="1200" dirty="0">
             <a:latin typeface="Times New Roman" panose="02020603050405020304" pitchFamily="18" charset="0"/>
@@ -5478,7 +5198,7 @@
           <a:p>
             <a:fld id="{8A3DEE9B-586F-43AE-868D-66F3DD1D05EC}" type="datetimeFigureOut">
               <a:rPr lang="en-US" smtClean="0"/>
-              <a:t>10/15/2019</a:t>
+              <a:t>10/16/2019</a:t>
             </a:fld>
             <a:endParaRPr lang="en-US"/>
           </a:p>
@@ -6077,7 +5797,7 @@
           <a:p>
             <a:fld id="{7DF18C7A-29D0-4486-A2F8-03EA1BCDBAD0}" type="datetimeFigureOut">
               <a:rPr lang="en-US" smtClean="0"/>
-              <a:t>10/15/2019</a:t>
+              <a:t>10/16/2019</a:t>
             </a:fld>
             <a:endParaRPr lang="en-US"/>
           </a:p>
@@ -6401,7 +6121,7 @@
           <a:p>
             <a:fld id="{7DF18C7A-29D0-4486-A2F8-03EA1BCDBAD0}" type="datetimeFigureOut">
               <a:rPr lang="en-US" smtClean="0"/>
-              <a:t>10/15/2019</a:t>
+              <a:t>10/16/2019</a:t>
             </a:fld>
             <a:endParaRPr lang="en-US"/>
           </a:p>
@@ -6649,7 +6369,7 @@
           <a:p>
             <a:fld id="{7DF18C7A-29D0-4486-A2F8-03EA1BCDBAD0}" type="datetimeFigureOut">
               <a:rPr lang="en-US" smtClean="0"/>
-              <a:t>10/15/2019</a:t>
+              <a:t>10/16/2019</a:t>
             </a:fld>
             <a:endParaRPr lang="en-US"/>
           </a:p>
@@ -6988,7 +6708,7 @@
           <a:p>
             <a:fld id="{7DF18C7A-29D0-4486-A2F8-03EA1BCDBAD0}" type="datetimeFigureOut">
               <a:rPr lang="en-US" smtClean="0"/>
-              <a:t>10/15/2019</a:t>
+              <a:t>10/16/2019</a:t>
             </a:fld>
             <a:endParaRPr lang="en-US"/>
           </a:p>
@@ -7335,7 +7055,7 @@
           <a:p>
             <a:fld id="{7DF18C7A-29D0-4486-A2F8-03EA1BCDBAD0}" type="datetimeFigureOut">
               <a:rPr lang="en-US" smtClean="0"/>
-              <a:t>10/15/2019</a:t>
+              <a:t>10/16/2019</a:t>
             </a:fld>
             <a:endParaRPr lang="en-US"/>
           </a:p>
@@ -7709,7 +7429,7 @@
           <a:p>
             <a:fld id="{7DF18C7A-29D0-4486-A2F8-03EA1BCDBAD0}" type="datetimeFigureOut">
               <a:rPr lang="en-US" smtClean="0"/>
-              <a:t>10/15/2019</a:t>
+              <a:t>10/16/2019</a:t>
             </a:fld>
             <a:endParaRPr lang="en-US"/>
           </a:p>
@@ -8179,7 +7899,7 @@
           <a:p>
             <a:fld id="{7DF18C7A-29D0-4486-A2F8-03EA1BCDBAD0}" type="datetimeFigureOut">
               <a:rPr lang="en-US" smtClean="0"/>
-              <a:t>10/15/2019</a:t>
+              <a:t>10/16/2019</a:t>
             </a:fld>
             <a:endParaRPr lang="en-US"/>
           </a:p>
@@ -8384,7 +8104,7 @@
           <a:p>
             <a:fld id="{7DF18C7A-29D0-4486-A2F8-03EA1BCDBAD0}" type="datetimeFigureOut">
               <a:rPr lang="en-US" smtClean="0"/>
-              <a:t>10/15/2019</a:t>
+              <a:t>10/16/2019</a:t>
             </a:fld>
             <a:endParaRPr lang="en-US"/>
           </a:p>
@@ -8595,7 +8315,7 @@
           <a:p>
             <a:fld id="{7DF18C7A-29D0-4486-A2F8-03EA1BCDBAD0}" type="datetimeFigureOut">
               <a:rPr lang="en-US" smtClean="0"/>
-              <a:t>10/15/2019</a:t>
+              <a:t>10/16/2019</a:t>
             </a:fld>
             <a:endParaRPr lang="en-US"/>
           </a:p>
@@ -8827,7 +8547,7 @@
           <a:p>
             <a:fld id="{7DF18C7A-29D0-4486-A2F8-03EA1BCDBAD0}" type="datetimeFigureOut">
               <a:rPr lang="en-US" smtClean="0"/>
-              <a:t>10/15/2019</a:t>
+              <a:t>10/16/2019</a:t>
             </a:fld>
             <a:endParaRPr lang="en-US"/>
           </a:p>
@@ -9075,7 +8795,7 @@
           <a:p>
             <a:fld id="{7DF18C7A-29D0-4486-A2F8-03EA1BCDBAD0}" type="datetimeFigureOut">
               <a:rPr lang="en-US" smtClean="0"/>
-              <a:t>10/15/2019</a:t>
+              <a:t>10/16/2019</a:t>
             </a:fld>
             <a:endParaRPr lang="en-US"/>
           </a:p>
@@ -9373,7 +9093,7 @@
           <a:p>
             <a:fld id="{7DF18C7A-29D0-4486-A2F8-03EA1BCDBAD0}" type="datetimeFigureOut">
               <a:rPr lang="en-US" smtClean="0"/>
-              <a:t>10/15/2019</a:t>
+              <a:t>10/16/2019</a:t>
             </a:fld>
             <a:endParaRPr lang="en-US"/>
           </a:p>
@@ -9767,7 +9487,7 @@
           <a:p>
             <a:fld id="{7DF18C7A-29D0-4486-A2F8-03EA1BCDBAD0}" type="datetimeFigureOut">
               <a:rPr lang="en-US" smtClean="0"/>
-              <a:t>10/15/2019</a:t>
+              <a:t>10/16/2019</a:t>
             </a:fld>
             <a:endParaRPr lang="en-US"/>
           </a:p>
@@ -9916,7 +9636,7 @@
           <a:p>
             <a:fld id="{7DF18C7A-29D0-4486-A2F8-03EA1BCDBAD0}" type="datetimeFigureOut">
               <a:rPr lang="en-US" smtClean="0"/>
-              <a:t>10/15/2019</a:t>
+              <a:t>10/16/2019</a:t>
             </a:fld>
             <a:endParaRPr lang="en-US"/>
           </a:p>
@@ -10042,7 +9762,7 @@
           <a:p>
             <a:fld id="{7DF18C7A-29D0-4486-A2F8-03EA1BCDBAD0}" type="datetimeFigureOut">
               <a:rPr lang="en-US" smtClean="0"/>
-              <a:t>10/15/2019</a:t>
+              <a:t>10/16/2019</a:t>
             </a:fld>
             <a:endParaRPr lang="en-US"/>
           </a:p>
@@ -10297,7 +10017,7 @@
           <a:p>
             <a:fld id="{7DF18C7A-29D0-4486-A2F8-03EA1BCDBAD0}" type="datetimeFigureOut">
               <a:rPr lang="en-US" smtClean="0"/>
-              <a:t>10/15/2019</a:t>
+              <a:t>10/16/2019</a:t>
             </a:fld>
             <a:endParaRPr lang="en-US"/>
           </a:p>
@@ -10612,7 +10332,7 @@
           <a:p>
             <a:fld id="{7DF18C7A-29D0-4486-A2F8-03EA1BCDBAD0}" type="datetimeFigureOut">
               <a:rPr lang="en-US" smtClean="0"/>
-              <a:t>10/15/2019</a:t>
+              <a:t>10/16/2019</a:t>
             </a:fld>
             <a:endParaRPr lang="en-US"/>
           </a:p>
@@ -10963,7 +10683,7 @@
           <a:p>
             <a:fld id="{7DF18C7A-29D0-4486-A2F8-03EA1BCDBAD0}" type="datetimeFigureOut">
               <a:rPr lang="en-US" smtClean="0"/>
-              <a:t>10/15/2019</a:t>
+              <a:t>10/16/2019</a:t>
             </a:fld>
             <a:endParaRPr lang="en-US"/>
           </a:p>
@@ -14926,7 +14646,7 @@
           <a:lstStyle/>
           <a:p>
             <a:pPr algn="ctr"/>
-            <a:endParaRPr lang="en-US" sz="2800">
+            <a:endParaRPr lang="vi-VN" sz="2400" dirty="0">
               <a:solidFill>
                 <a:schemeClr val="tx1"/>
               </a:solidFill>
@@ -14979,116 +14699,16 @@
           <a:p>
             <a:pPr algn="ctr"/>
             <a:r>
-              <a:rPr lang="en-US" sz="2800" dirty="0" err="1" smtClean="0">
+              <a:rPr lang="vi-VN" sz="2400" dirty="0" smtClean="0">
                 <a:solidFill>
                   <a:schemeClr val="tx1"/>
                 </a:solidFill>
                 <a:latin typeface="Times New Roman" panose="02020603050405020304" pitchFamily="18" charset="0"/>
                 <a:cs typeface="Times New Roman" panose="02020603050405020304" pitchFamily="18" charset="0"/>
               </a:rPr>
-              <a:t>Mục</a:t>
-            </a:r>
-            <a:r>
-              <a:rPr lang="en-US" sz="2800" dirty="0" smtClean="0">
-                <a:solidFill>
-                  <a:schemeClr val="tx1"/>
-                </a:solidFill>
-                <a:latin typeface="Times New Roman" panose="02020603050405020304" pitchFamily="18" charset="0"/>
-                <a:cs typeface="Times New Roman" panose="02020603050405020304" pitchFamily="18" charset="0"/>
-              </a:rPr>
-              <a:t> </a:t>
-            </a:r>
-            <a:r>
-              <a:rPr lang="en-US" sz="2800" dirty="0" err="1" smtClean="0">
-                <a:solidFill>
-                  <a:schemeClr val="tx1"/>
-                </a:solidFill>
-                <a:latin typeface="Times New Roman" panose="02020603050405020304" pitchFamily="18" charset="0"/>
-                <a:cs typeface="Times New Roman" panose="02020603050405020304" pitchFamily="18" charset="0"/>
-              </a:rPr>
-              <a:t>tiêu</a:t>
-            </a:r>
-            <a:r>
-              <a:rPr lang="en-US" sz="2800" dirty="0" smtClean="0">
-                <a:solidFill>
-                  <a:schemeClr val="tx1"/>
-                </a:solidFill>
-                <a:latin typeface="Times New Roman" panose="02020603050405020304" pitchFamily="18" charset="0"/>
-                <a:cs typeface="Times New Roman" panose="02020603050405020304" pitchFamily="18" charset="0"/>
-              </a:rPr>
-              <a:t> </a:t>
-            </a:r>
-            <a:r>
-              <a:rPr lang="en-US" sz="2800" dirty="0" err="1" smtClean="0">
-                <a:solidFill>
-                  <a:schemeClr val="tx1"/>
-                </a:solidFill>
-                <a:latin typeface="Times New Roman" panose="02020603050405020304" pitchFamily="18" charset="0"/>
-                <a:cs typeface="Times New Roman" panose="02020603050405020304" pitchFamily="18" charset="0"/>
-              </a:rPr>
-              <a:t>chính</a:t>
-            </a:r>
-            <a:r>
-              <a:rPr lang="en-US" sz="2800" dirty="0" smtClean="0">
-                <a:solidFill>
-                  <a:schemeClr val="tx1"/>
-                </a:solidFill>
-                <a:latin typeface="Times New Roman" panose="02020603050405020304" pitchFamily="18" charset="0"/>
-                <a:cs typeface="Times New Roman" panose="02020603050405020304" pitchFamily="18" charset="0"/>
-              </a:rPr>
-              <a:t> </a:t>
-            </a:r>
-            <a:r>
-              <a:rPr lang="en-US" sz="2800" dirty="0" err="1" smtClean="0">
-                <a:solidFill>
-                  <a:schemeClr val="tx1"/>
-                </a:solidFill>
-                <a:latin typeface="Times New Roman" panose="02020603050405020304" pitchFamily="18" charset="0"/>
-                <a:cs typeface="Times New Roman" panose="02020603050405020304" pitchFamily="18" charset="0"/>
-              </a:rPr>
-              <a:t>của</a:t>
-            </a:r>
-            <a:r>
-              <a:rPr lang="en-US" sz="2800" dirty="0" smtClean="0">
-                <a:solidFill>
-                  <a:schemeClr val="tx1"/>
-                </a:solidFill>
-                <a:latin typeface="Times New Roman" panose="02020603050405020304" pitchFamily="18" charset="0"/>
-                <a:cs typeface="Times New Roman" panose="02020603050405020304" pitchFamily="18" charset="0"/>
-              </a:rPr>
-              <a:t> </a:t>
-            </a:r>
-            <a:r>
-              <a:rPr lang="en-US" sz="2800" dirty="0" err="1" smtClean="0">
-                <a:solidFill>
-                  <a:schemeClr val="tx1"/>
-                </a:solidFill>
-                <a:latin typeface="Times New Roman" panose="02020603050405020304" pitchFamily="18" charset="0"/>
-                <a:cs typeface="Times New Roman" panose="02020603050405020304" pitchFamily="18" charset="0"/>
-              </a:rPr>
-              <a:t>đề</a:t>
-            </a:r>
-            <a:r>
-              <a:rPr lang="en-US" sz="2800" dirty="0" smtClean="0">
-                <a:solidFill>
-                  <a:schemeClr val="tx1"/>
-                </a:solidFill>
-                <a:latin typeface="Times New Roman" panose="02020603050405020304" pitchFamily="18" charset="0"/>
-                <a:cs typeface="Times New Roman" panose="02020603050405020304" pitchFamily="18" charset="0"/>
-              </a:rPr>
-              <a:t> </a:t>
-            </a:r>
-            <a:r>
-              <a:rPr lang="en-US" sz="2800" dirty="0" err="1" smtClean="0">
-                <a:solidFill>
-                  <a:schemeClr val="tx1"/>
-                </a:solidFill>
-                <a:latin typeface="Times New Roman" panose="02020603050405020304" pitchFamily="18" charset="0"/>
-                <a:cs typeface="Times New Roman" panose="02020603050405020304" pitchFamily="18" charset="0"/>
-              </a:rPr>
-              <a:t>tài</a:t>
-            </a:r>
-            <a:endParaRPr lang="en-US" sz="2800" dirty="0">
+              <a:t>Mục tiêu chính của đề tài</a:t>
+            </a:r>
+            <a:endParaRPr lang="vi-VN" sz="2400" dirty="0">
               <a:solidFill>
                 <a:schemeClr val="tx1"/>
               </a:solidFill>
@@ -15105,7 +14725,7 @@
           <p:nvPr>
             <p:extLst>
               <p:ext uri="{D42A27DB-BD31-4B8C-83A1-F6EECF244321}">
-                <p14:modId xmlns:p14="http://schemas.microsoft.com/office/powerpoint/2010/main" val="1353247766"/>
+                <p14:modId xmlns:p14="http://schemas.microsoft.com/office/powerpoint/2010/main" val="3770870082"/>
               </p:ext>
             </p:extLst>
           </p:nvPr>
@@ -16040,14 +15660,14 @@
                 <a:gridCol w="4064000">
                   <a:extLst>
                     <a:ext uri="{9D8B030D-6E8A-4147-A177-3AD203B41FA5}">
-                      <a16:colId xmlns:a16="http://schemas.microsoft.com/office/drawing/2014/main" val="2291233401"/>
+                      <a16:colId xmlns:a16="http://schemas.microsoft.com/office/drawing/2014/main" xmlns="" val="2291233401"/>
                     </a:ext>
                   </a:extLst>
                 </a:gridCol>
                 <a:gridCol w="4064000">
                   <a:extLst>
                     <a:ext uri="{9D8B030D-6E8A-4147-A177-3AD203B41FA5}">
-                      <a16:colId xmlns:a16="http://schemas.microsoft.com/office/drawing/2014/main" val="1070058524"/>
+                      <a16:colId xmlns:a16="http://schemas.microsoft.com/office/drawing/2014/main" xmlns="" val="1070058524"/>
                     </a:ext>
                   </a:extLst>
                 </a:gridCol>
@@ -16099,7 +15719,7 @@
                 </a:tc>
                 <a:extLst>
                   <a:ext uri="{0D108BD9-81ED-4DB2-BD59-A6C34878D82A}">
-                    <a16:rowId xmlns:a16="http://schemas.microsoft.com/office/drawing/2014/main" val="162381479"/>
+                    <a16:rowId xmlns:a16="http://schemas.microsoft.com/office/drawing/2014/main" xmlns="" val="162381479"/>
                   </a:ext>
                 </a:extLst>
               </a:tr>
@@ -16210,7 +15830,7 @@
                 </a:tc>
                 <a:extLst>
                   <a:ext uri="{0D108BD9-81ED-4DB2-BD59-A6C34878D82A}">
-                    <a16:rowId xmlns:a16="http://schemas.microsoft.com/office/drawing/2014/main" val="2719032607"/>
+                    <a16:rowId xmlns:a16="http://schemas.microsoft.com/office/drawing/2014/main" xmlns="" val="2719032607"/>
                   </a:ext>
                 </a:extLst>
               </a:tr>
@@ -16309,7 +15929,7 @@
                 </a:tc>
                 <a:extLst>
                   <a:ext uri="{0D108BD9-81ED-4DB2-BD59-A6C34878D82A}">
-                    <a16:rowId xmlns:a16="http://schemas.microsoft.com/office/drawing/2014/main" val="2041250697"/>
+                    <a16:rowId xmlns:a16="http://schemas.microsoft.com/office/drawing/2014/main" xmlns="" val="2041250697"/>
                   </a:ext>
                 </a:extLst>
               </a:tr>
@@ -16384,7 +16004,7 @@
                 </a:tc>
                 <a:extLst>
                   <a:ext uri="{0D108BD9-81ED-4DB2-BD59-A6C34878D82A}">
-                    <a16:rowId xmlns:a16="http://schemas.microsoft.com/office/drawing/2014/main" val="2637616552"/>
+                    <a16:rowId xmlns:a16="http://schemas.microsoft.com/office/drawing/2014/main" xmlns="" val="2637616552"/>
                   </a:ext>
                 </a:extLst>
               </a:tr>
@@ -16491,7 +16111,7 @@
                 </a:tc>
                 <a:extLst>
                   <a:ext uri="{0D108BD9-81ED-4DB2-BD59-A6C34878D82A}">
-                    <a16:rowId xmlns:a16="http://schemas.microsoft.com/office/drawing/2014/main" val="2177628040"/>
+                    <a16:rowId xmlns:a16="http://schemas.microsoft.com/office/drawing/2014/main" xmlns="" val="2177628040"/>
                   </a:ext>
                 </a:extLst>
               </a:tr>
@@ -16630,7 +16250,7 @@
                 </a:tc>
                 <a:extLst>
                   <a:ext uri="{0D108BD9-81ED-4DB2-BD59-A6C34878D82A}">
-                    <a16:rowId xmlns:a16="http://schemas.microsoft.com/office/drawing/2014/main" val="439182687"/>
+                    <a16:rowId xmlns:a16="http://schemas.microsoft.com/office/drawing/2014/main" xmlns="" val="439182687"/>
                   </a:ext>
                 </a:extLst>
               </a:tr>

--- a/PP.pptx
+++ b/PP.pptx
@@ -902,7 +902,7 @@
               <a:latin typeface="Times New Roman" panose="02020603050405020304" pitchFamily="18" charset="0"/>
               <a:cs typeface="Times New Roman" panose="02020603050405020304" pitchFamily="18" charset="0"/>
             </a:rPr>
-            <a:t>Quản</a:t>
+            <a:t>Đơn</a:t>
           </a:r>
           <a:r>
             <a:rPr lang="en-US" sz="2400" dirty="0" smtClean="0">
@@ -916,7 +916,7 @@
               <a:latin typeface="Times New Roman" panose="02020603050405020304" pitchFamily="18" charset="0"/>
               <a:cs typeface="Times New Roman" panose="02020603050405020304" pitchFamily="18" charset="0"/>
             </a:rPr>
-            <a:t>lí</a:t>
+            <a:t>giản</a:t>
           </a:r>
           <a:r>
             <a:rPr lang="en-US" sz="2400" dirty="0" smtClean="0">
@@ -930,7 +930,7 @@
               <a:latin typeface="Times New Roman" panose="02020603050405020304" pitchFamily="18" charset="0"/>
               <a:cs typeface="Times New Roman" panose="02020603050405020304" pitchFamily="18" charset="0"/>
             </a:rPr>
-            <a:t>phòng</a:t>
+            <a:t>hóa</a:t>
           </a:r>
           <a:r>
             <a:rPr lang="en-US" sz="2400" dirty="0" smtClean="0">
@@ -944,7 +944,7 @@
               <a:latin typeface="Times New Roman" panose="02020603050405020304" pitchFamily="18" charset="0"/>
               <a:cs typeface="Times New Roman" panose="02020603050405020304" pitchFamily="18" charset="0"/>
             </a:rPr>
-            <a:t>và</a:t>
+            <a:t>công</a:t>
           </a:r>
           <a:r>
             <a:rPr lang="en-US" sz="2400" dirty="0" smtClean="0">
@@ -958,7 +958,7 @@
               <a:latin typeface="Times New Roman" panose="02020603050405020304" pitchFamily="18" charset="0"/>
               <a:cs typeface="Times New Roman" panose="02020603050405020304" pitchFamily="18" charset="0"/>
             </a:rPr>
-            <a:t>thiết</a:t>
+            <a:t>việc</a:t>
           </a:r>
           <a:r>
             <a:rPr lang="en-US" sz="2400" dirty="0" smtClean="0">
@@ -972,7 +972,7 @@
               <a:latin typeface="Times New Roman" panose="02020603050405020304" pitchFamily="18" charset="0"/>
               <a:cs typeface="Times New Roman" panose="02020603050405020304" pitchFamily="18" charset="0"/>
             </a:rPr>
-            <a:t>bị</a:t>
+            <a:t>hằng</a:t>
           </a:r>
           <a:r>
             <a:rPr lang="en-US" sz="2400" dirty="0" smtClean="0">
@@ -986,21 +986,14 @@
               <a:latin typeface="Times New Roman" panose="02020603050405020304" pitchFamily="18" charset="0"/>
               <a:cs typeface="Times New Roman" panose="02020603050405020304" pitchFamily="18" charset="0"/>
             </a:rPr>
-            <a:t>trong</a:t>
+            <a:t>ngày</a:t>
           </a:r>
           <a:r>
             <a:rPr lang="en-US" sz="2400" dirty="0" smtClean="0">
               <a:latin typeface="Times New Roman" panose="02020603050405020304" pitchFamily="18" charset="0"/>
               <a:cs typeface="Times New Roman" panose="02020603050405020304" pitchFamily="18" charset="0"/>
             </a:rPr>
-            <a:t> </a:t>
-          </a:r>
-          <a:r>
-            <a:rPr lang="en-US" sz="2400" dirty="0" err="1" smtClean="0">
-              <a:latin typeface="Times New Roman" panose="02020603050405020304" pitchFamily="18" charset="0"/>
-              <a:cs typeface="Times New Roman" panose="02020603050405020304" pitchFamily="18" charset="0"/>
-            </a:rPr>
-            <a:t>phòng</a:t>
+            <a:t>.</a:t>
           </a:r>
           <a:endParaRPr lang="en-US" sz="2400" dirty="0">
             <a:latin typeface="Times New Roman" panose="02020603050405020304" pitchFamily="18" charset="0"/>
@@ -1081,7 +1074,7 @@
               <a:latin typeface="Times New Roman" panose="02020603050405020304" pitchFamily="18" charset="0"/>
               <a:cs typeface="Times New Roman" panose="02020603050405020304" pitchFamily="18" charset="0"/>
             </a:rPr>
-            <a:t>dịch</a:t>
+            <a:t>và</a:t>
           </a:r>
           <a:r>
             <a:rPr lang="en-US" sz="2400" dirty="0" smtClean="0">
@@ -1095,7 +1088,98 @@
               <a:latin typeface="Times New Roman" panose="02020603050405020304" pitchFamily="18" charset="0"/>
               <a:cs typeface="Times New Roman" panose="02020603050405020304" pitchFamily="18" charset="0"/>
             </a:rPr>
-            <a:t>vụ</a:t>
+            <a:t>lưu</a:t>
+          </a:r>
+          <a:r>
+            <a:rPr lang="en-US" sz="2400" dirty="0" smtClean="0">
+              <a:latin typeface="Times New Roman" panose="02020603050405020304" pitchFamily="18" charset="0"/>
+              <a:cs typeface="Times New Roman" panose="02020603050405020304" pitchFamily="18" charset="0"/>
+            </a:rPr>
+            <a:t> </a:t>
+          </a:r>
+          <a:r>
+            <a:rPr lang="en-US" sz="2400" dirty="0" err="1" smtClean="0">
+              <a:latin typeface="Times New Roman" panose="02020603050405020304" pitchFamily="18" charset="0"/>
+              <a:cs typeface="Times New Roman" panose="02020603050405020304" pitchFamily="18" charset="0"/>
+            </a:rPr>
+            <a:t>trữ</a:t>
+          </a:r>
+          <a:r>
+            <a:rPr lang="en-US" sz="2400" dirty="0" smtClean="0">
+              <a:latin typeface="Times New Roman" panose="02020603050405020304" pitchFamily="18" charset="0"/>
+              <a:cs typeface="Times New Roman" panose="02020603050405020304" pitchFamily="18" charset="0"/>
+            </a:rPr>
+            <a:t> </a:t>
+          </a:r>
+          <a:r>
+            <a:rPr lang="en-US" sz="2400" dirty="0" err="1" smtClean="0">
+              <a:latin typeface="Times New Roman" panose="02020603050405020304" pitchFamily="18" charset="0"/>
+              <a:cs typeface="Times New Roman" panose="02020603050405020304" pitchFamily="18" charset="0"/>
+            </a:rPr>
+            <a:t>thông</a:t>
+          </a:r>
+          <a:r>
+            <a:rPr lang="en-US" sz="2400" dirty="0" smtClean="0">
+              <a:latin typeface="Times New Roman" panose="02020603050405020304" pitchFamily="18" charset="0"/>
+              <a:cs typeface="Times New Roman" panose="02020603050405020304" pitchFamily="18" charset="0"/>
+            </a:rPr>
+            <a:t> tin </a:t>
+          </a:r>
+          <a:r>
+            <a:rPr lang="en-US" sz="2400" dirty="0" err="1" smtClean="0">
+              <a:latin typeface="Times New Roman" panose="02020603050405020304" pitchFamily="18" charset="0"/>
+              <a:cs typeface="Times New Roman" panose="02020603050405020304" pitchFamily="18" charset="0"/>
+            </a:rPr>
+            <a:t>một</a:t>
+          </a:r>
+          <a:r>
+            <a:rPr lang="en-US" sz="2400" dirty="0" smtClean="0">
+              <a:latin typeface="Times New Roman" panose="02020603050405020304" pitchFamily="18" charset="0"/>
+              <a:cs typeface="Times New Roman" panose="02020603050405020304" pitchFamily="18" charset="0"/>
+            </a:rPr>
+            <a:t> </a:t>
+          </a:r>
+          <a:r>
+            <a:rPr lang="en-US" sz="2400" dirty="0" err="1" smtClean="0">
+              <a:latin typeface="Times New Roman" panose="02020603050405020304" pitchFamily="18" charset="0"/>
+              <a:cs typeface="Times New Roman" panose="02020603050405020304" pitchFamily="18" charset="0"/>
+            </a:rPr>
+            <a:t>cách</a:t>
+          </a:r>
+          <a:r>
+            <a:rPr lang="en-US" sz="2400" dirty="0" smtClean="0">
+              <a:latin typeface="Times New Roman" panose="02020603050405020304" pitchFamily="18" charset="0"/>
+              <a:cs typeface="Times New Roman" panose="02020603050405020304" pitchFamily="18" charset="0"/>
+            </a:rPr>
+            <a:t> </a:t>
+          </a:r>
+          <a:r>
+            <a:rPr lang="en-US" sz="2400" dirty="0" err="1" smtClean="0">
+              <a:latin typeface="Times New Roman" panose="02020603050405020304" pitchFamily="18" charset="0"/>
+              <a:cs typeface="Times New Roman" panose="02020603050405020304" pitchFamily="18" charset="0"/>
+            </a:rPr>
+            <a:t>hiệu</a:t>
+          </a:r>
+          <a:r>
+            <a:rPr lang="en-US" sz="2400" dirty="0" smtClean="0">
+              <a:latin typeface="Times New Roman" panose="02020603050405020304" pitchFamily="18" charset="0"/>
+              <a:cs typeface="Times New Roman" panose="02020603050405020304" pitchFamily="18" charset="0"/>
+            </a:rPr>
+            <a:t> </a:t>
+          </a:r>
+          <a:r>
+            <a:rPr lang="en-US" sz="2400" dirty="0" err="1" smtClean="0">
+              <a:latin typeface="Times New Roman" panose="02020603050405020304" pitchFamily="18" charset="0"/>
+              <a:cs typeface="Times New Roman" panose="02020603050405020304" pitchFamily="18" charset="0"/>
+            </a:rPr>
+            <a:t>quả</a:t>
+          </a:r>
+          <a:r>
+            <a:rPr lang="en-US" sz="2400" dirty="0" smtClean="0">
+              <a:latin typeface="Times New Roman" panose="02020603050405020304" pitchFamily="18" charset="0"/>
+              <a:cs typeface="Times New Roman" panose="02020603050405020304" pitchFamily="18" charset="0"/>
+            </a:rPr>
+            <a:t>.</a:t>
           </a:r>
           <a:endParaRPr lang="en-US" sz="2400" dirty="0">
             <a:latin typeface="Times New Roman" panose="02020603050405020304" pitchFamily="18" charset="0"/>
@@ -1148,7 +1232,7 @@
               <a:latin typeface="Times New Roman" panose="02020603050405020304" pitchFamily="18" charset="0"/>
               <a:cs typeface="Times New Roman" panose="02020603050405020304" pitchFamily="18" charset="0"/>
             </a:rPr>
-            <a:t>Quản</a:t>
+            <a:t>Tính</a:t>
           </a:r>
           <a:r>
             <a:rPr lang="en-US" sz="2400" dirty="0" smtClean="0">
@@ -1162,7 +1246,7 @@
               <a:latin typeface="Times New Roman" panose="02020603050405020304" pitchFamily="18" charset="0"/>
               <a:cs typeface="Times New Roman" panose="02020603050405020304" pitchFamily="18" charset="0"/>
             </a:rPr>
-            <a:t>lí</a:t>
+            <a:t>tiền</a:t>
           </a:r>
           <a:r>
             <a:rPr lang="en-US" sz="2400" dirty="0" smtClean="0">
@@ -1176,7 +1260,7 @@
               <a:latin typeface="Times New Roman" panose="02020603050405020304" pitchFamily="18" charset="0"/>
               <a:cs typeface="Times New Roman" panose="02020603050405020304" pitchFamily="18" charset="0"/>
             </a:rPr>
-            <a:t>thuê</a:t>
+            <a:t>và</a:t>
           </a:r>
           <a:r>
             <a:rPr lang="en-US" sz="2400" dirty="0" smtClean="0">
@@ -1190,14 +1274,56 @@
               <a:latin typeface="Times New Roman" panose="02020603050405020304" pitchFamily="18" charset="0"/>
               <a:cs typeface="Times New Roman" panose="02020603050405020304" pitchFamily="18" charset="0"/>
             </a:rPr>
-            <a:t>phòng</a:t>
+            <a:t>quản</a:t>
           </a:r>
           <a:r>
             <a:rPr lang="en-US" sz="2400" dirty="0" smtClean="0">
               <a:latin typeface="Times New Roman" panose="02020603050405020304" pitchFamily="18" charset="0"/>
               <a:cs typeface="Times New Roman" panose="02020603050405020304" pitchFamily="18" charset="0"/>
             </a:rPr>
-            <a:t>		</a:t>
+            <a:t> </a:t>
+          </a:r>
+          <a:r>
+            <a:rPr lang="en-US" sz="2400" dirty="0" err="1" smtClean="0">
+              <a:latin typeface="Times New Roman" panose="02020603050405020304" pitchFamily="18" charset="0"/>
+              <a:cs typeface="Times New Roman" panose="02020603050405020304" pitchFamily="18" charset="0"/>
+            </a:rPr>
+            <a:t>lí</a:t>
+          </a:r>
+          <a:r>
+            <a:rPr lang="en-US" sz="2400" dirty="0" smtClean="0">
+              <a:latin typeface="Times New Roman" panose="02020603050405020304" pitchFamily="18" charset="0"/>
+              <a:cs typeface="Times New Roman" panose="02020603050405020304" pitchFamily="18" charset="0"/>
+            </a:rPr>
+            <a:t> </a:t>
+          </a:r>
+          <a:r>
+            <a:rPr lang="en-US" sz="2400" dirty="0" err="1" smtClean="0">
+              <a:latin typeface="Times New Roman" panose="02020603050405020304" pitchFamily="18" charset="0"/>
+              <a:cs typeface="Times New Roman" panose="02020603050405020304" pitchFamily="18" charset="0"/>
+            </a:rPr>
+            <a:t>doanh</a:t>
+          </a:r>
+          <a:r>
+            <a:rPr lang="en-US" sz="2400" dirty="0" smtClean="0">
+              <a:latin typeface="Times New Roman" panose="02020603050405020304" pitchFamily="18" charset="0"/>
+              <a:cs typeface="Times New Roman" panose="02020603050405020304" pitchFamily="18" charset="0"/>
+            </a:rPr>
+            <a:t> </a:t>
+          </a:r>
+          <a:r>
+            <a:rPr lang="en-US" sz="2400" dirty="0" err="1" smtClean="0">
+              <a:latin typeface="Times New Roman" panose="02020603050405020304" pitchFamily="18" charset="0"/>
+              <a:cs typeface="Times New Roman" panose="02020603050405020304" pitchFamily="18" charset="0"/>
+            </a:rPr>
+            <a:t>thu</a:t>
+          </a:r>
+          <a:r>
+            <a:rPr lang="en-US" sz="2400" dirty="0" smtClean="0">
+              <a:latin typeface="Times New Roman" panose="02020603050405020304" pitchFamily="18" charset="0"/>
+              <a:cs typeface="Times New Roman" panose="02020603050405020304" pitchFamily="18" charset="0"/>
+            </a:rPr>
+            <a:t>.</a:t>
           </a:r>
           <a:endParaRPr lang="en-US" sz="2400" dirty="0">
             <a:latin typeface="Times New Roman" panose="02020603050405020304" pitchFamily="18" charset="0"/>
@@ -1231,6 +1357,102 @@
         </a:p>
       </dgm:t>
     </dgm:pt>
+    <dgm:pt modelId="{81F34BC0-18C0-492C-8389-434683745FCD}">
+      <dgm:prSet phldrT="[Text]" custT="1"/>
+      <dgm:spPr>
+        <a:solidFill>
+          <a:srgbClr val="FF0000"/>
+        </a:solidFill>
+      </dgm:spPr>
+      <dgm:t>
+        <a:bodyPr/>
+        <a:lstStyle/>
+        <a:p>
+          <a:r>
+            <a:rPr lang="en-US" sz="2400" dirty="0" err="1" smtClean="0">
+              <a:latin typeface="Times New Roman" panose="02020603050405020304" pitchFamily="18" charset="0"/>
+              <a:cs typeface="Times New Roman" panose="02020603050405020304" pitchFamily="18" charset="0"/>
+            </a:rPr>
+            <a:t>Báo</a:t>
+          </a:r>
+          <a:r>
+            <a:rPr lang="en-US" sz="2400" dirty="0" smtClean="0">
+              <a:latin typeface="Times New Roman" panose="02020603050405020304" pitchFamily="18" charset="0"/>
+              <a:cs typeface="Times New Roman" panose="02020603050405020304" pitchFamily="18" charset="0"/>
+            </a:rPr>
+            <a:t> </a:t>
+          </a:r>
+          <a:r>
+            <a:rPr lang="en-US" sz="2400" dirty="0" err="1" smtClean="0">
+              <a:latin typeface="Times New Roman" panose="02020603050405020304" pitchFamily="18" charset="0"/>
+              <a:cs typeface="Times New Roman" panose="02020603050405020304" pitchFamily="18" charset="0"/>
+            </a:rPr>
+            <a:t>cáo</a:t>
+          </a:r>
+          <a:r>
+            <a:rPr lang="en-US" sz="2400" dirty="0" smtClean="0">
+              <a:latin typeface="Times New Roman" panose="02020603050405020304" pitchFamily="18" charset="0"/>
+              <a:cs typeface="Times New Roman" panose="02020603050405020304" pitchFamily="18" charset="0"/>
+            </a:rPr>
+            <a:t> </a:t>
+          </a:r>
+          <a:r>
+            <a:rPr lang="en-US" sz="2400" dirty="0" err="1" smtClean="0">
+              <a:latin typeface="Times New Roman" panose="02020603050405020304" pitchFamily="18" charset="0"/>
+              <a:cs typeface="Times New Roman" panose="02020603050405020304" pitchFamily="18" charset="0"/>
+            </a:rPr>
+            <a:t>thông</a:t>
+          </a:r>
+          <a:r>
+            <a:rPr lang="en-US" sz="2400" dirty="0" smtClean="0">
+              <a:latin typeface="Times New Roman" panose="02020603050405020304" pitchFamily="18" charset="0"/>
+              <a:cs typeface="Times New Roman" panose="02020603050405020304" pitchFamily="18" charset="0"/>
+            </a:rPr>
+            <a:t> </a:t>
+          </a:r>
+          <a:r>
+            <a:rPr lang="en-US" sz="2400" dirty="0" err="1" smtClean="0">
+              <a:latin typeface="Times New Roman" panose="02020603050405020304" pitchFamily="18" charset="0"/>
+              <a:cs typeface="Times New Roman" panose="02020603050405020304" pitchFamily="18" charset="0"/>
+            </a:rPr>
+            <a:t>kê</a:t>
+          </a:r>
+          <a:r>
+            <a:rPr lang="en-US" sz="2400" dirty="0" smtClean="0">
+              <a:latin typeface="Times New Roman" panose="02020603050405020304" pitchFamily="18" charset="0"/>
+              <a:cs typeface="Times New Roman" panose="02020603050405020304" pitchFamily="18" charset="0"/>
+            </a:rPr>
+            <a:t>.</a:t>
+          </a:r>
+          <a:endParaRPr lang="en-US" sz="2400" dirty="0">
+            <a:latin typeface="Times New Roman" panose="02020603050405020304" pitchFamily="18" charset="0"/>
+            <a:cs typeface="Times New Roman" panose="02020603050405020304" pitchFamily="18" charset="0"/>
+          </a:endParaRPr>
+        </a:p>
+      </dgm:t>
+    </dgm:pt>
+    <dgm:pt modelId="{152D2B22-F568-41DC-B6D1-88E8E4D875E2}" type="parTrans" cxnId="{761FD423-FE56-494B-8F83-C6F7195E01F1}">
+      <dgm:prSet/>
+      <dgm:spPr/>
+      <dgm:t>
+        <a:bodyPr/>
+        <a:lstStyle/>
+        <a:p>
+          <a:endParaRPr lang="en-US"/>
+        </a:p>
+      </dgm:t>
+    </dgm:pt>
+    <dgm:pt modelId="{BFB21B0D-A0BE-4CC9-B62A-9DB3DC174FD6}" type="sibTrans" cxnId="{761FD423-FE56-494B-8F83-C6F7195E01F1}">
+      <dgm:prSet/>
+      <dgm:spPr/>
+      <dgm:t>
+        <a:bodyPr/>
+        <a:lstStyle/>
+        <a:p>
+          <a:endParaRPr lang="en-US"/>
+        </a:p>
+      </dgm:t>
+    </dgm:pt>
     <dgm:pt modelId="{2872B89D-47FA-41D5-8A74-EB6472352468}">
       <dgm:prSet phldrT="[Text]" custT="1"/>
       <dgm:spPr>
@@ -1250,7 +1472,7 @@
               <a:latin typeface="Times New Roman" panose="02020603050405020304" pitchFamily="18" charset="0"/>
               <a:cs typeface="Times New Roman" panose="02020603050405020304" pitchFamily="18" charset="0"/>
             </a:rPr>
-            <a:t>Quản</a:t>
+            <a:t>Nắm</a:t>
           </a:r>
           <a:r>
             <a:rPr lang="en-US" sz="2400" dirty="0" smtClean="0">
@@ -1264,7 +1486,7 @@
               <a:latin typeface="Times New Roman" panose="02020603050405020304" pitchFamily="18" charset="0"/>
               <a:cs typeface="Times New Roman" panose="02020603050405020304" pitchFamily="18" charset="0"/>
             </a:rPr>
-            <a:t>lí</a:t>
+            <a:t>rõ</a:t>
           </a:r>
           <a:r>
             <a:rPr lang="en-US" sz="2400" dirty="0" smtClean="0">
@@ -1278,7 +1500,7 @@
               <a:latin typeface="Times New Roman" panose="02020603050405020304" pitchFamily="18" charset="0"/>
               <a:cs typeface="Times New Roman" panose="02020603050405020304" pitchFamily="18" charset="0"/>
             </a:rPr>
-            <a:t>trả</a:t>
+            <a:t>trạng</a:t>
           </a:r>
           <a:r>
             <a:rPr lang="en-US" sz="2400" dirty="0" smtClean="0">
@@ -1292,7 +1514,84 @@
               <a:latin typeface="Times New Roman" panose="02020603050405020304" pitchFamily="18" charset="0"/>
               <a:cs typeface="Times New Roman" panose="02020603050405020304" pitchFamily="18" charset="0"/>
             </a:rPr>
+            <a:t>thái</a:t>
+          </a:r>
+          <a:r>
+            <a:rPr lang="en-US" sz="2400" dirty="0" smtClean="0">
+              <a:latin typeface="Times New Roman" panose="02020603050405020304" pitchFamily="18" charset="0"/>
+              <a:cs typeface="Times New Roman" panose="02020603050405020304" pitchFamily="18" charset="0"/>
+            </a:rPr>
+            <a:t> </a:t>
+          </a:r>
+          <a:r>
+            <a:rPr lang="en-US" sz="2400" dirty="0" err="1" smtClean="0">
+              <a:latin typeface="Times New Roman" panose="02020603050405020304" pitchFamily="18" charset="0"/>
+              <a:cs typeface="Times New Roman" panose="02020603050405020304" pitchFamily="18" charset="0"/>
+            </a:rPr>
             <a:t>phòng</a:t>
+          </a:r>
+          <a:r>
+            <a:rPr lang="en-US" sz="2400" dirty="0" smtClean="0">
+              <a:latin typeface="Times New Roman" panose="02020603050405020304" pitchFamily="18" charset="0"/>
+              <a:cs typeface="Times New Roman" panose="02020603050405020304" pitchFamily="18" charset="0"/>
+            </a:rPr>
+            <a:t> </a:t>
+          </a:r>
+          <a:r>
+            <a:rPr lang="en-US" sz="2400" dirty="0" err="1" smtClean="0">
+              <a:latin typeface="Times New Roman" panose="02020603050405020304" pitchFamily="18" charset="0"/>
+              <a:cs typeface="Times New Roman" panose="02020603050405020304" pitchFamily="18" charset="0"/>
+            </a:rPr>
+            <a:t>và</a:t>
+          </a:r>
+          <a:r>
+            <a:rPr lang="en-US" sz="2400" dirty="0" smtClean="0">
+              <a:latin typeface="Times New Roman" panose="02020603050405020304" pitchFamily="18" charset="0"/>
+              <a:cs typeface="Times New Roman" panose="02020603050405020304" pitchFamily="18" charset="0"/>
+            </a:rPr>
+            <a:t> </a:t>
+          </a:r>
+          <a:r>
+            <a:rPr lang="en-US" sz="2400" dirty="0" err="1" smtClean="0">
+              <a:latin typeface="Times New Roman" panose="02020603050405020304" pitchFamily="18" charset="0"/>
+              <a:cs typeface="Times New Roman" panose="02020603050405020304" pitchFamily="18" charset="0"/>
+            </a:rPr>
+            <a:t>hạn</a:t>
+          </a:r>
+          <a:r>
+            <a:rPr lang="en-US" sz="2400" dirty="0" smtClean="0">
+              <a:latin typeface="Times New Roman" panose="02020603050405020304" pitchFamily="18" charset="0"/>
+              <a:cs typeface="Times New Roman" panose="02020603050405020304" pitchFamily="18" charset="0"/>
+            </a:rPr>
+            <a:t> </a:t>
+          </a:r>
+          <a:r>
+            <a:rPr lang="en-US" sz="2400" dirty="0" err="1" smtClean="0">
+              <a:latin typeface="Times New Roman" panose="02020603050405020304" pitchFamily="18" charset="0"/>
+              <a:cs typeface="Times New Roman" panose="02020603050405020304" pitchFamily="18" charset="0"/>
+            </a:rPr>
+            <a:t>chế</a:t>
+          </a:r>
+          <a:r>
+            <a:rPr lang="en-US" sz="2400" dirty="0" smtClean="0">
+              <a:latin typeface="Times New Roman" panose="02020603050405020304" pitchFamily="18" charset="0"/>
+              <a:cs typeface="Times New Roman" panose="02020603050405020304" pitchFamily="18" charset="0"/>
+            </a:rPr>
+            <a:t> </a:t>
+          </a:r>
+          <a:r>
+            <a:rPr lang="en-US" sz="2400" dirty="0" err="1" smtClean="0">
+              <a:latin typeface="Times New Roman" panose="02020603050405020304" pitchFamily="18" charset="0"/>
+              <a:cs typeface="Times New Roman" panose="02020603050405020304" pitchFamily="18" charset="0"/>
+            </a:rPr>
+            <a:t>rủi</a:t>
+          </a:r>
+          <a:r>
+            <a:rPr lang="en-US" sz="2400" dirty="0" smtClean="0">
+              <a:latin typeface="Times New Roman" panose="02020603050405020304" pitchFamily="18" charset="0"/>
+              <a:cs typeface="Times New Roman" panose="02020603050405020304" pitchFamily="18" charset="0"/>
+            </a:rPr>
+            <a:t> ro.</a:t>
           </a:r>
           <a:endParaRPr lang="en-US" sz="2400" dirty="0">
             <a:latin typeface="Times New Roman" panose="02020603050405020304" pitchFamily="18" charset="0"/>
@@ -1323,165 +1622,6 @@
             <a:latin typeface="Times New Roman" panose="02020603050405020304" pitchFamily="18" charset="0"/>
             <a:cs typeface="Times New Roman" panose="02020603050405020304" pitchFamily="18" charset="0"/>
           </a:endParaRPr>
-        </a:p>
-      </dgm:t>
-    </dgm:pt>
-    <dgm:pt modelId="{81F34BC0-18C0-492C-8389-434683745FCD}">
-      <dgm:prSet phldrT="[Text]" custT="1"/>
-      <dgm:spPr>
-        <a:solidFill>
-          <a:srgbClr val="FF0000"/>
-        </a:solidFill>
-      </dgm:spPr>
-      <dgm:t>
-        <a:bodyPr/>
-        <a:lstStyle/>
-        <a:p>
-          <a:r>
-            <a:rPr lang="en-US" sz="2400" dirty="0" err="1" smtClean="0">
-              <a:latin typeface="Times New Roman" panose="02020603050405020304" pitchFamily="18" charset="0"/>
-              <a:cs typeface="Times New Roman" panose="02020603050405020304" pitchFamily="18" charset="0"/>
-            </a:rPr>
-            <a:t>Quản</a:t>
-          </a:r>
-          <a:r>
-            <a:rPr lang="en-US" sz="2400" dirty="0" smtClean="0">
-              <a:latin typeface="Times New Roman" panose="02020603050405020304" pitchFamily="18" charset="0"/>
-              <a:cs typeface="Times New Roman" panose="02020603050405020304" pitchFamily="18" charset="0"/>
-            </a:rPr>
-            <a:t> </a:t>
-          </a:r>
-          <a:r>
-            <a:rPr lang="en-US" sz="2400" dirty="0" err="1" smtClean="0">
-              <a:latin typeface="Times New Roman" panose="02020603050405020304" pitchFamily="18" charset="0"/>
-              <a:cs typeface="Times New Roman" panose="02020603050405020304" pitchFamily="18" charset="0"/>
-            </a:rPr>
-            <a:t>lí</a:t>
-          </a:r>
-          <a:r>
-            <a:rPr lang="en-US" sz="2400" dirty="0" smtClean="0">
-              <a:latin typeface="Times New Roman" panose="02020603050405020304" pitchFamily="18" charset="0"/>
-              <a:cs typeface="Times New Roman" panose="02020603050405020304" pitchFamily="18" charset="0"/>
-            </a:rPr>
-            <a:t> </a:t>
-          </a:r>
-          <a:r>
-            <a:rPr lang="en-US" sz="2400" dirty="0" err="1" smtClean="0">
-              <a:latin typeface="Times New Roman" panose="02020603050405020304" pitchFamily="18" charset="0"/>
-              <a:cs typeface="Times New Roman" panose="02020603050405020304" pitchFamily="18" charset="0"/>
-            </a:rPr>
-            <a:t>hóa</a:t>
-          </a:r>
-          <a:r>
-            <a:rPr lang="en-US" sz="2400" dirty="0" smtClean="0">
-              <a:latin typeface="Times New Roman" panose="02020603050405020304" pitchFamily="18" charset="0"/>
-              <a:cs typeface="Times New Roman" panose="02020603050405020304" pitchFamily="18" charset="0"/>
-            </a:rPr>
-            <a:t> </a:t>
-          </a:r>
-          <a:r>
-            <a:rPr lang="en-US" sz="2400" dirty="0" err="1" smtClean="0">
-              <a:latin typeface="Times New Roman" panose="02020603050405020304" pitchFamily="18" charset="0"/>
-              <a:cs typeface="Times New Roman" panose="02020603050405020304" pitchFamily="18" charset="0"/>
-            </a:rPr>
-            <a:t>đơn</a:t>
-          </a:r>
-          <a:r>
-            <a:rPr lang="en-US" sz="2400" dirty="0" smtClean="0">
-              <a:latin typeface="Times New Roman" panose="02020603050405020304" pitchFamily="18" charset="0"/>
-              <a:cs typeface="Times New Roman" panose="02020603050405020304" pitchFamily="18" charset="0"/>
-            </a:rPr>
-            <a:t> </a:t>
-          </a:r>
-          <a:r>
-            <a:rPr lang="en-US" sz="2400" dirty="0" err="1" smtClean="0">
-              <a:latin typeface="Times New Roman" panose="02020603050405020304" pitchFamily="18" charset="0"/>
-              <a:cs typeface="Times New Roman" panose="02020603050405020304" pitchFamily="18" charset="0"/>
-            </a:rPr>
-            <a:t>và</a:t>
-          </a:r>
-          <a:r>
-            <a:rPr lang="en-US" sz="2400" dirty="0" smtClean="0">
-              <a:latin typeface="Times New Roman" panose="02020603050405020304" pitchFamily="18" charset="0"/>
-              <a:cs typeface="Times New Roman" panose="02020603050405020304" pitchFamily="18" charset="0"/>
-            </a:rPr>
-            <a:t> </a:t>
-          </a:r>
-          <a:r>
-            <a:rPr lang="en-US" sz="2400" dirty="0" err="1" smtClean="0">
-              <a:latin typeface="Times New Roman" panose="02020603050405020304" pitchFamily="18" charset="0"/>
-              <a:cs typeface="Times New Roman" panose="02020603050405020304" pitchFamily="18" charset="0"/>
-            </a:rPr>
-            <a:t>báo</a:t>
-          </a:r>
-          <a:r>
-            <a:rPr lang="en-US" sz="2400" dirty="0" smtClean="0">
-              <a:latin typeface="Times New Roman" panose="02020603050405020304" pitchFamily="18" charset="0"/>
-              <a:cs typeface="Times New Roman" panose="02020603050405020304" pitchFamily="18" charset="0"/>
-            </a:rPr>
-            <a:t> </a:t>
-          </a:r>
-          <a:r>
-            <a:rPr lang="en-US" sz="2400" dirty="0" err="1" smtClean="0">
-              <a:latin typeface="Times New Roman" panose="02020603050405020304" pitchFamily="18" charset="0"/>
-              <a:cs typeface="Times New Roman" panose="02020603050405020304" pitchFamily="18" charset="0"/>
-            </a:rPr>
-            <a:t>cáo</a:t>
-          </a:r>
-          <a:r>
-            <a:rPr lang="en-US" sz="2400" dirty="0" smtClean="0">
-              <a:latin typeface="Times New Roman" panose="02020603050405020304" pitchFamily="18" charset="0"/>
-              <a:cs typeface="Times New Roman" panose="02020603050405020304" pitchFamily="18" charset="0"/>
-            </a:rPr>
-            <a:t> </a:t>
-          </a:r>
-          <a:r>
-            <a:rPr lang="en-US" sz="2400" dirty="0" err="1" smtClean="0">
-              <a:latin typeface="Times New Roman" panose="02020603050405020304" pitchFamily="18" charset="0"/>
-              <a:cs typeface="Times New Roman" panose="02020603050405020304" pitchFamily="18" charset="0"/>
-            </a:rPr>
-            <a:t>thống</a:t>
-          </a:r>
-          <a:r>
-            <a:rPr lang="en-US" sz="2400" dirty="0" smtClean="0">
-              <a:latin typeface="Times New Roman" panose="02020603050405020304" pitchFamily="18" charset="0"/>
-              <a:cs typeface="Times New Roman" panose="02020603050405020304" pitchFamily="18" charset="0"/>
-            </a:rPr>
-            <a:t> </a:t>
-          </a:r>
-          <a:r>
-            <a:rPr lang="en-US" sz="2400" dirty="0" err="1" smtClean="0">
-              <a:latin typeface="Times New Roman" panose="02020603050405020304" pitchFamily="18" charset="0"/>
-              <a:cs typeface="Times New Roman" panose="02020603050405020304" pitchFamily="18" charset="0"/>
-            </a:rPr>
-            <a:t>kê</a:t>
-          </a:r>
-          <a:endParaRPr lang="en-US" sz="2400" dirty="0">
-            <a:latin typeface="Times New Roman" panose="02020603050405020304" pitchFamily="18" charset="0"/>
-            <a:cs typeface="Times New Roman" panose="02020603050405020304" pitchFamily="18" charset="0"/>
-          </a:endParaRPr>
-        </a:p>
-      </dgm:t>
-    </dgm:pt>
-    <dgm:pt modelId="{BFB21B0D-A0BE-4CC9-B62A-9DB3DC174FD6}" type="sibTrans" cxnId="{761FD423-FE56-494B-8F83-C6F7195E01F1}">
-      <dgm:prSet/>
-      <dgm:spPr/>
-      <dgm:t>
-        <a:bodyPr/>
-        <a:lstStyle/>
-        <a:p>
-          <a:endParaRPr lang="en-US"/>
-        </a:p>
-      </dgm:t>
-    </dgm:pt>
-    <dgm:pt modelId="{152D2B22-F568-41DC-B6D1-88E8E4D875E2}" type="parTrans" cxnId="{761FD423-FE56-494B-8F83-C6F7195E01F1}">
-      <dgm:prSet/>
-      <dgm:spPr/>
-      <dgm:t>
-        <a:bodyPr/>
-        <a:lstStyle/>
-        <a:p>
-          <a:endParaRPr lang="en-US"/>
         </a:p>
       </dgm:t>
     </dgm:pt>
@@ -1720,26 +1860,26 @@
     </dgm:pt>
   </dgm:ptLst>
   <dgm:cxnLst>
+    <dgm:cxn modelId="{6C18A2EB-60AC-43E7-891E-E5EF7BB05E09}" srcId="{791270D8-2BB1-4A19-AC67-B3CAD8959D70}" destId="{89B2970F-F070-47D7-B486-3DEB602531FF}" srcOrd="1" destOrd="0" parTransId="{77DA38B5-DCF8-42A4-8FE9-172F8A3D4131}" sibTransId="{FB65FD39-FDA5-4B38-900F-9381E93A1A6C}"/>
+    <dgm:cxn modelId="{DAE7C4BC-E390-4D70-B721-4176096370E8}" type="presOf" srcId="{A202A316-9A33-44B7-A455-F663B810B52A}" destId="{D61F4323-35EF-436C-9A66-2D5021D868D3}" srcOrd="0" destOrd="0" presId="urn:microsoft.com/office/officeart/2005/8/layout/vProcess5"/>
+    <dgm:cxn modelId="{7965E604-48E9-4BD0-88DF-A5A3EC01CFDF}" type="presOf" srcId="{81F34BC0-18C0-492C-8389-434683745FCD}" destId="{0FCCBCDF-1A76-4372-BB5C-7C0AD3F520D9}" srcOrd="0" destOrd="0" presId="urn:microsoft.com/office/officeart/2005/8/layout/vProcess5"/>
+    <dgm:cxn modelId="{C7FC8A8D-E146-45B7-A799-2A14F00DCCC3}" srcId="{791270D8-2BB1-4A19-AC67-B3CAD8959D70}" destId="{2872B89D-47FA-41D5-8A74-EB6472352468}" srcOrd="3" destOrd="0" parTransId="{E061B8F3-20F4-460E-8E15-EE29C06C69C2}" sibTransId="{B0CE7B65-9595-4F13-98F3-7F5A7B5752DE}"/>
+    <dgm:cxn modelId="{E32C8749-4A34-4E5D-B30D-33D5F127A7EF}" type="presOf" srcId="{791270D8-2BB1-4A19-AC67-B3CAD8959D70}" destId="{15BFDDA4-C3AB-4F70-97A5-F73ECA634F04}" srcOrd="0" destOrd="0" presId="urn:microsoft.com/office/officeart/2005/8/layout/vProcess5"/>
+    <dgm:cxn modelId="{A019B55D-0427-4664-A762-B40FA75474AE}" type="presOf" srcId="{4AF619A1-9D57-4F69-AD5F-51B26B705FC9}" destId="{A39D33E9-6571-49B0-9F48-86902D0F5B40}" srcOrd="0" destOrd="0" presId="urn:microsoft.com/office/officeart/2005/8/layout/vProcess5"/>
+    <dgm:cxn modelId="{4BB61610-A0F5-44C7-A89F-A53D22CBEE87}" type="presOf" srcId="{B0CE7B65-9595-4F13-98F3-7F5A7B5752DE}" destId="{3833547A-8E30-42B2-89C1-4450DC198494}" srcOrd="0" destOrd="0" presId="urn:microsoft.com/office/officeart/2005/8/layout/vProcess5"/>
+    <dgm:cxn modelId="{71C742FE-FEAD-47C1-A435-159572AECA05}" type="presOf" srcId="{81F34BC0-18C0-492C-8389-434683745FCD}" destId="{A99D399F-839D-47F6-862E-8674E5B1ABFC}" srcOrd="1" destOrd="0" presId="urn:microsoft.com/office/officeart/2005/8/layout/vProcess5"/>
+    <dgm:cxn modelId="{74382BA2-39EA-4B25-A761-32E7A38D336F}" srcId="{791270D8-2BB1-4A19-AC67-B3CAD8959D70}" destId="{A202A316-9A33-44B7-A455-F663B810B52A}" srcOrd="2" destOrd="0" parTransId="{EF74DBF4-D741-48DE-8AE4-9C18533040DD}" sibTransId="{4AF619A1-9D57-4F69-AD5F-51B26B705FC9}"/>
+    <dgm:cxn modelId="{EFE63905-8DC6-4FA0-859D-DA4B447D06C1}" type="presOf" srcId="{203259A3-1401-41C2-A6BF-2D461331614E}" destId="{EA66EC5E-8E93-4332-9D12-261D473BC3EB}" srcOrd="0" destOrd="0" presId="urn:microsoft.com/office/officeart/2005/8/layout/vProcess5"/>
+    <dgm:cxn modelId="{9CBA65D2-B2D7-4459-B0D2-C679C66966D3}" type="presOf" srcId="{2872B89D-47FA-41D5-8A74-EB6472352468}" destId="{89B5B954-C795-44E3-A4F0-CCCEA7F6D5EE}" srcOrd="1" destOrd="0" presId="urn:microsoft.com/office/officeart/2005/8/layout/vProcess5"/>
+    <dgm:cxn modelId="{2F1FE020-F0A7-4D59-850F-07B531F00FCA}" type="presOf" srcId="{2872B89D-47FA-41D5-8A74-EB6472352468}" destId="{D801BBDD-5EB5-45DA-9A87-F10C956B5BCF}" srcOrd="0" destOrd="0" presId="urn:microsoft.com/office/officeart/2005/8/layout/vProcess5"/>
+    <dgm:cxn modelId="{ECFA512C-AB4A-4691-A388-15BF1426EF81}" type="presOf" srcId="{A202A316-9A33-44B7-A455-F663B810B52A}" destId="{6D6FF68D-08DB-4A03-BAB6-AD6BC051AC43}" srcOrd="1" destOrd="0" presId="urn:microsoft.com/office/officeart/2005/8/layout/vProcess5"/>
+    <dgm:cxn modelId="{1DB8D0C5-F098-4A40-A53C-971948B7B8B5}" type="presOf" srcId="{FB65FD39-FDA5-4B38-900F-9381E93A1A6C}" destId="{67FB0A04-7720-48E3-874E-F05D50785A7B}" srcOrd="0" destOrd="0" presId="urn:microsoft.com/office/officeart/2005/8/layout/vProcess5"/>
+    <dgm:cxn modelId="{5ACDCF53-791E-4A03-8FD1-2B0747C49E71}" srcId="{791270D8-2BB1-4A19-AC67-B3CAD8959D70}" destId="{C3407434-6AE9-463B-8541-A85E18028BC7}" srcOrd="0" destOrd="0" parTransId="{A11CDC62-767E-4DF2-B073-4CA74F0ABD4E}" sibTransId="{203259A3-1401-41C2-A6BF-2D461331614E}"/>
     <dgm:cxn modelId="{982E7609-65DF-4019-80E4-3ED3405F4793}" type="presOf" srcId="{C3407434-6AE9-463B-8541-A85E18028BC7}" destId="{D399B510-7C97-47CE-A874-197ACA8D67A7}" srcOrd="0" destOrd="0" presId="urn:microsoft.com/office/officeart/2005/8/layout/vProcess5"/>
-    <dgm:cxn modelId="{74382BA2-39EA-4B25-A761-32E7A38D336F}" srcId="{791270D8-2BB1-4A19-AC67-B3CAD8959D70}" destId="{A202A316-9A33-44B7-A455-F663B810B52A}" srcOrd="2" destOrd="0" parTransId="{EF74DBF4-D741-48DE-8AE4-9C18533040DD}" sibTransId="{4AF619A1-9D57-4F69-AD5F-51B26B705FC9}"/>
+    <dgm:cxn modelId="{DABBCD96-B3A5-4320-91AA-12C8436E6467}" type="presOf" srcId="{89B2970F-F070-47D7-B486-3DEB602531FF}" destId="{F4813CA4-46E3-4D8A-8290-0E34553ED0D5}" srcOrd="1" destOrd="0" presId="urn:microsoft.com/office/officeart/2005/8/layout/vProcess5"/>
     <dgm:cxn modelId="{8520E1D8-8D85-4DC6-8D69-B71BC4CCAF94}" type="presOf" srcId="{C3407434-6AE9-463B-8541-A85E18028BC7}" destId="{D13BEA1D-72CE-4C53-9F49-92B0F2C8881D}" srcOrd="1" destOrd="0" presId="urn:microsoft.com/office/officeart/2005/8/layout/vProcess5"/>
-    <dgm:cxn modelId="{4BB61610-A0F5-44C7-A89F-A53D22CBEE87}" type="presOf" srcId="{B0CE7B65-9595-4F13-98F3-7F5A7B5752DE}" destId="{3833547A-8E30-42B2-89C1-4450DC198494}" srcOrd="0" destOrd="0" presId="urn:microsoft.com/office/officeart/2005/8/layout/vProcess5"/>
-    <dgm:cxn modelId="{6C18A2EB-60AC-43E7-891E-E5EF7BB05E09}" srcId="{791270D8-2BB1-4A19-AC67-B3CAD8959D70}" destId="{89B2970F-F070-47D7-B486-3DEB602531FF}" srcOrd="1" destOrd="0" parTransId="{77DA38B5-DCF8-42A4-8FE9-172F8A3D4131}" sibTransId="{FB65FD39-FDA5-4B38-900F-9381E93A1A6C}"/>
-    <dgm:cxn modelId="{A019B55D-0427-4664-A762-B40FA75474AE}" type="presOf" srcId="{4AF619A1-9D57-4F69-AD5F-51B26B705FC9}" destId="{A39D33E9-6571-49B0-9F48-86902D0F5B40}" srcOrd="0" destOrd="0" presId="urn:microsoft.com/office/officeart/2005/8/layout/vProcess5"/>
-    <dgm:cxn modelId="{DAE7C4BC-E390-4D70-B721-4176096370E8}" type="presOf" srcId="{A202A316-9A33-44B7-A455-F663B810B52A}" destId="{D61F4323-35EF-436C-9A66-2D5021D868D3}" srcOrd="0" destOrd="0" presId="urn:microsoft.com/office/officeart/2005/8/layout/vProcess5"/>
+    <dgm:cxn modelId="{9CEADE6A-C2D1-4D34-AA91-C88C2FCE1E1B}" type="presOf" srcId="{89B2970F-F070-47D7-B486-3DEB602531FF}" destId="{FB048E74-01FE-47C0-BF0E-15D36DB2CC02}" srcOrd="0" destOrd="0" presId="urn:microsoft.com/office/officeart/2005/8/layout/vProcess5"/>
     <dgm:cxn modelId="{761FD423-FE56-494B-8F83-C6F7195E01F1}" srcId="{791270D8-2BB1-4A19-AC67-B3CAD8959D70}" destId="{81F34BC0-18C0-492C-8389-434683745FCD}" srcOrd="4" destOrd="0" parTransId="{152D2B22-F568-41DC-B6D1-88E8E4D875E2}" sibTransId="{BFB21B0D-A0BE-4CC9-B62A-9DB3DC174FD6}"/>
-    <dgm:cxn modelId="{E32C8749-4A34-4E5D-B30D-33D5F127A7EF}" type="presOf" srcId="{791270D8-2BB1-4A19-AC67-B3CAD8959D70}" destId="{15BFDDA4-C3AB-4F70-97A5-F73ECA634F04}" srcOrd="0" destOrd="0" presId="urn:microsoft.com/office/officeart/2005/8/layout/vProcess5"/>
-    <dgm:cxn modelId="{9CBA65D2-B2D7-4459-B0D2-C679C66966D3}" type="presOf" srcId="{2872B89D-47FA-41D5-8A74-EB6472352468}" destId="{89B5B954-C795-44E3-A4F0-CCCEA7F6D5EE}" srcOrd="1" destOrd="0" presId="urn:microsoft.com/office/officeart/2005/8/layout/vProcess5"/>
-    <dgm:cxn modelId="{5ACDCF53-791E-4A03-8FD1-2B0747C49E71}" srcId="{791270D8-2BB1-4A19-AC67-B3CAD8959D70}" destId="{C3407434-6AE9-463B-8541-A85E18028BC7}" srcOrd="0" destOrd="0" parTransId="{A11CDC62-767E-4DF2-B073-4CA74F0ABD4E}" sibTransId="{203259A3-1401-41C2-A6BF-2D461331614E}"/>
-    <dgm:cxn modelId="{C7FC8A8D-E146-45B7-A799-2A14F00DCCC3}" srcId="{791270D8-2BB1-4A19-AC67-B3CAD8959D70}" destId="{2872B89D-47FA-41D5-8A74-EB6472352468}" srcOrd="3" destOrd="0" parTransId="{E061B8F3-20F4-460E-8E15-EE29C06C69C2}" sibTransId="{B0CE7B65-9595-4F13-98F3-7F5A7B5752DE}"/>
-    <dgm:cxn modelId="{2F1FE020-F0A7-4D59-850F-07B531F00FCA}" type="presOf" srcId="{2872B89D-47FA-41D5-8A74-EB6472352468}" destId="{D801BBDD-5EB5-45DA-9A87-F10C956B5BCF}" srcOrd="0" destOrd="0" presId="urn:microsoft.com/office/officeart/2005/8/layout/vProcess5"/>
-    <dgm:cxn modelId="{DABBCD96-B3A5-4320-91AA-12C8436E6467}" type="presOf" srcId="{89B2970F-F070-47D7-B486-3DEB602531FF}" destId="{F4813CA4-46E3-4D8A-8290-0E34553ED0D5}" srcOrd="1" destOrd="0" presId="urn:microsoft.com/office/officeart/2005/8/layout/vProcess5"/>
-    <dgm:cxn modelId="{7965E604-48E9-4BD0-88DF-A5A3EC01CFDF}" type="presOf" srcId="{81F34BC0-18C0-492C-8389-434683745FCD}" destId="{0FCCBCDF-1A76-4372-BB5C-7C0AD3F520D9}" srcOrd="0" destOrd="0" presId="urn:microsoft.com/office/officeart/2005/8/layout/vProcess5"/>
-    <dgm:cxn modelId="{9CEADE6A-C2D1-4D34-AA91-C88C2FCE1E1B}" type="presOf" srcId="{89B2970F-F070-47D7-B486-3DEB602531FF}" destId="{FB048E74-01FE-47C0-BF0E-15D36DB2CC02}" srcOrd="0" destOrd="0" presId="urn:microsoft.com/office/officeart/2005/8/layout/vProcess5"/>
-    <dgm:cxn modelId="{1DB8D0C5-F098-4A40-A53C-971948B7B8B5}" type="presOf" srcId="{FB65FD39-FDA5-4B38-900F-9381E93A1A6C}" destId="{67FB0A04-7720-48E3-874E-F05D50785A7B}" srcOrd="0" destOrd="0" presId="urn:microsoft.com/office/officeart/2005/8/layout/vProcess5"/>
-    <dgm:cxn modelId="{EFE63905-8DC6-4FA0-859D-DA4B447D06C1}" type="presOf" srcId="{203259A3-1401-41C2-A6BF-2D461331614E}" destId="{EA66EC5E-8E93-4332-9D12-261D473BC3EB}" srcOrd="0" destOrd="0" presId="urn:microsoft.com/office/officeart/2005/8/layout/vProcess5"/>
-    <dgm:cxn modelId="{ECFA512C-AB4A-4691-A388-15BF1426EF81}" type="presOf" srcId="{A202A316-9A33-44B7-A455-F663B810B52A}" destId="{6D6FF68D-08DB-4A03-BAB6-AD6BC051AC43}" srcOrd="1" destOrd="0" presId="urn:microsoft.com/office/officeart/2005/8/layout/vProcess5"/>
-    <dgm:cxn modelId="{71C742FE-FEAD-47C1-A435-159572AECA05}" type="presOf" srcId="{81F34BC0-18C0-492C-8389-434683745FCD}" destId="{A99D399F-839D-47F6-862E-8674E5B1ABFC}" srcOrd="1" destOrd="0" presId="urn:microsoft.com/office/officeart/2005/8/layout/vProcess5"/>
     <dgm:cxn modelId="{C1E0BB8B-54E5-4CE7-B693-21A8408C14D6}" type="presParOf" srcId="{15BFDDA4-C3AB-4F70-97A5-F73ECA634F04}" destId="{28623507-59DF-4504-A817-4CE60DD110B5}" srcOrd="0" destOrd="0" presId="urn:microsoft.com/office/officeart/2005/8/layout/vProcess5"/>
     <dgm:cxn modelId="{60E89413-FB20-4C6E-82A4-C9FD035C89E4}" type="presParOf" srcId="{15BFDDA4-C3AB-4F70-97A5-F73ECA634F04}" destId="{D399B510-7C97-47CE-A874-197ACA8D67A7}" srcOrd="1" destOrd="0" presId="urn:microsoft.com/office/officeart/2005/8/layout/vProcess5"/>
     <dgm:cxn modelId="{C0174906-6723-4D11-803C-022553BA4A33}" type="presParOf" srcId="{15BFDDA4-C3AB-4F70-97A5-F73ECA634F04}" destId="{FB048E74-01FE-47C0-BF0E-15D36DB2CC02}" srcOrd="2" destOrd="0" presId="urn:microsoft.com/office/officeart/2005/8/layout/vProcess5"/>
@@ -1843,7 +1983,7 @@
               <a:latin typeface="Times New Roman" panose="02020603050405020304" pitchFamily="18" charset="0"/>
               <a:cs typeface="Times New Roman" panose="02020603050405020304" pitchFamily="18" charset="0"/>
             </a:rPr>
-            <a:t>Quản</a:t>
+            <a:t>Đơn</a:t>
           </a:r>
           <a:r>
             <a:rPr lang="en-US" sz="2400" kern="1200" dirty="0" smtClean="0">
@@ -1857,7 +1997,7 @@
               <a:latin typeface="Times New Roman" panose="02020603050405020304" pitchFamily="18" charset="0"/>
               <a:cs typeface="Times New Roman" panose="02020603050405020304" pitchFamily="18" charset="0"/>
             </a:rPr>
-            <a:t>lí</a:t>
+            <a:t>giản</a:t>
           </a:r>
           <a:r>
             <a:rPr lang="en-US" sz="2400" kern="1200" dirty="0" smtClean="0">
@@ -1871,7 +2011,7 @@
               <a:latin typeface="Times New Roman" panose="02020603050405020304" pitchFamily="18" charset="0"/>
               <a:cs typeface="Times New Roman" panose="02020603050405020304" pitchFamily="18" charset="0"/>
             </a:rPr>
-            <a:t>phòng</a:t>
+            <a:t>hóa</a:t>
           </a:r>
           <a:r>
             <a:rPr lang="en-US" sz="2400" kern="1200" dirty="0" smtClean="0">
@@ -1885,7 +2025,7 @@
               <a:latin typeface="Times New Roman" panose="02020603050405020304" pitchFamily="18" charset="0"/>
               <a:cs typeface="Times New Roman" panose="02020603050405020304" pitchFamily="18" charset="0"/>
             </a:rPr>
-            <a:t>và</a:t>
+            <a:t>công</a:t>
           </a:r>
           <a:r>
             <a:rPr lang="en-US" sz="2400" kern="1200" dirty="0" smtClean="0">
@@ -1899,7 +2039,7 @@
               <a:latin typeface="Times New Roman" panose="02020603050405020304" pitchFamily="18" charset="0"/>
               <a:cs typeface="Times New Roman" panose="02020603050405020304" pitchFamily="18" charset="0"/>
             </a:rPr>
-            <a:t>thiết</a:t>
+            <a:t>việc</a:t>
           </a:r>
           <a:r>
             <a:rPr lang="en-US" sz="2400" kern="1200" dirty="0" smtClean="0">
@@ -1913,7 +2053,7 @@
               <a:latin typeface="Times New Roman" panose="02020603050405020304" pitchFamily="18" charset="0"/>
               <a:cs typeface="Times New Roman" panose="02020603050405020304" pitchFamily="18" charset="0"/>
             </a:rPr>
-            <a:t>bị</a:t>
+            <a:t>hằng</a:t>
           </a:r>
           <a:r>
             <a:rPr lang="en-US" sz="2400" kern="1200" dirty="0" smtClean="0">
@@ -1927,21 +2067,14 @@
               <a:latin typeface="Times New Roman" panose="02020603050405020304" pitchFamily="18" charset="0"/>
               <a:cs typeface="Times New Roman" panose="02020603050405020304" pitchFamily="18" charset="0"/>
             </a:rPr>
-            <a:t>trong</a:t>
+            <a:t>ngày</a:t>
           </a:r>
           <a:r>
             <a:rPr lang="en-US" sz="2400" kern="1200" dirty="0" smtClean="0">
               <a:latin typeface="Times New Roman" panose="02020603050405020304" pitchFamily="18" charset="0"/>
               <a:cs typeface="Times New Roman" panose="02020603050405020304" pitchFamily="18" charset="0"/>
             </a:rPr>
-            <a:t> </a:t>
-          </a:r>
-          <a:r>
-            <a:rPr lang="en-US" sz="2400" kern="1200" dirty="0" err="1" smtClean="0">
-              <a:latin typeface="Times New Roman" panose="02020603050405020304" pitchFamily="18" charset="0"/>
-              <a:cs typeface="Times New Roman" panose="02020603050405020304" pitchFamily="18" charset="0"/>
-            </a:rPr>
-            <a:t>phòng</a:t>
+            <a:t>.</a:t>
           </a:r>
           <a:endParaRPr lang="en-US" sz="2400" kern="1200" dirty="0">
             <a:latin typeface="Times New Roman" panose="02020603050405020304" pitchFamily="18" charset="0"/>
@@ -2052,7 +2185,7 @@
               <a:latin typeface="Times New Roman" panose="02020603050405020304" pitchFamily="18" charset="0"/>
               <a:cs typeface="Times New Roman" panose="02020603050405020304" pitchFamily="18" charset="0"/>
             </a:rPr>
-            <a:t>dịch</a:t>
+            <a:t>và</a:t>
           </a:r>
           <a:r>
             <a:rPr lang="en-US" sz="2400" kern="1200" dirty="0" smtClean="0">
@@ -2066,7 +2199,98 @@
               <a:latin typeface="Times New Roman" panose="02020603050405020304" pitchFamily="18" charset="0"/>
               <a:cs typeface="Times New Roman" panose="02020603050405020304" pitchFamily="18" charset="0"/>
             </a:rPr>
-            <a:t>vụ</a:t>
+            <a:t>lưu</a:t>
+          </a:r>
+          <a:r>
+            <a:rPr lang="en-US" sz="2400" kern="1200" dirty="0" smtClean="0">
+              <a:latin typeface="Times New Roman" panose="02020603050405020304" pitchFamily="18" charset="0"/>
+              <a:cs typeface="Times New Roman" panose="02020603050405020304" pitchFamily="18" charset="0"/>
+            </a:rPr>
+            <a:t> </a:t>
+          </a:r>
+          <a:r>
+            <a:rPr lang="en-US" sz="2400" kern="1200" dirty="0" err="1" smtClean="0">
+              <a:latin typeface="Times New Roman" panose="02020603050405020304" pitchFamily="18" charset="0"/>
+              <a:cs typeface="Times New Roman" panose="02020603050405020304" pitchFamily="18" charset="0"/>
+            </a:rPr>
+            <a:t>trữ</a:t>
+          </a:r>
+          <a:r>
+            <a:rPr lang="en-US" sz="2400" kern="1200" dirty="0" smtClean="0">
+              <a:latin typeface="Times New Roman" panose="02020603050405020304" pitchFamily="18" charset="0"/>
+              <a:cs typeface="Times New Roman" panose="02020603050405020304" pitchFamily="18" charset="0"/>
+            </a:rPr>
+            <a:t> </a:t>
+          </a:r>
+          <a:r>
+            <a:rPr lang="en-US" sz="2400" kern="1200" dirty="0" err="1" smtClean="0">
+              <a:latin typeface="Times New Roman" panose="02020603050405020304" pitchFamily="18" charset="0"/>
+              <a:cs typeface="Times New Roman" panose="02020603050405020304" pitchFamily="18" charset="0"/>
+            </a:rPr>
+            <a:t>thông</a:t>
+          </a:r>
+          <a:r>
+            <a:rPr lang="en-US" sz="2400" kern="1200" dirty="0" smtClean="0">
+              <a:latin typeface="Times New Roman" panose="02020603050405020304" pitchFamily="18" charset="0"/>
+              <a:cs typeface="Times New Roman" panose="02020603050405020304" pitchFamily="18" charset="0"/>
+            </a:rPr>
+            <a:t> tin </a:t>
+          </a:r>
+          <a:r>
+            <a:rPr lang="en-US" sz="2400" kern="1200" dirty="0" err="1" smtClean="0">
+              <a:latin typeface="Times New Roman" panose="02020603050405020304" pitchFamily="18" charset="0"/>
+              <a:cs typeface="Times New Roman" panose="02020603050405020304" pitchFamily="18" charset="0"/>
+            </a:rPr>
+            <a:t>một</a:t>
+          </a:r>
+          <a:r>
+            <a:rPr lang="en-US" sz="2400" kern="1200" dirty="0" smtClean="0">
+              <a:latin typeface="Times New Roman" panose="02020603050405020304" pitchFamily="18" charset="0"/>
+              <a:cs typeface="Times New Roman" panose="02020603050405020304" pitchFamily="18" charset="0"/>
+            </a:rPr>
+            <a:t> </a:t>
+          </a:r>
+          <a:r>
+            <a:rPr lang="en-US" sz="2400" kern="1200" dirty="0" err="1" smtClean="0">
+              <a:latin typeface="Times New Roman" panose="02020603050405020304" pitchFamily="18" charset="0"/>
+              <a:cs typeface="Times New Roman" panose="02020603050405020304" pitchFamily="18" charset="0"/>
+            </a:rPr>
+            <a:t>cách</a:t>
+          </a:r>
+          <a:r>
+            <a:rPr lang="en-US" sz="2400" kern="1200" dirty="0" smtClean="0">
+              <a:latin typeface="Times New Roman" panose="02020603050405020304" pitchFamily="18" charset="0"/>
+              <a:cs typeface="Times New Roman" panose="02020603050405020304" pitchFamily="18" charset="0"/>
+            </a:rPr>
+            <a:t> </a:t>
+          </a:r>
+          <a:r>
+            <a:rPr lang="en-US" sz="2400" kern="1200" dirty="0" err="1" smtClean="0">
+              <a:latin typeface="Times New Roman" panose="02020603050405020304" pitchFamily="18" charset="0"/>
+              <a:cs typeface="Times New Roman" panose="02020603050405020304" pitchFamily="18" charset="0"/>
+            </a:rPr>
+            <a:t>hiệu</a:t>
+          </a:r>
+          <a:r>
+            <a:rPr lang="en-US" sz="2400" kern="1200" dirty="0" smtClean="0">
+              <a:latin typeface="Times New Roman" panose="02020603050405020304" pitchFamily="18" charset="0"/>
+              <a:cs typeface="Times New Roman" panose="02020603050405020304" pitchFamily="18" charset="0"/>
+            </a:rPr>
+            <a:t> </a:t>
+          </a:r>
+          <a:r>
+            <a:rPr lang="en-US" sz="2400" kern="1200" dirty="0" err="1" smtClean="0">
+              <a:latin typeface="Times New Roman" panose="02020603050405020304" pitchFamily="18" charset="0"/>
+              <a:cs typeface="Times New Roman" panose="02020603050405020304" pitchFamily="18" charset="0"/>
+            </a:rPr>
+            <a:t>quả</a:t>
+          </a:r>
+          <a:r>
+            <a:rPr lang="en-US" sz="2400" kern="1200" dirty="0" smtClean="0">
+              <a:latin typeface="Times New Roman" panose="02020603050405020304" pitchFamily="18" charset="0"/>
+              <a:cs typeface="Times New Roman" panose="02020603050405020304" pitchFamily="18" charset="0"/>
+            </a:rPr>
+            <a:t>.</a:t>
           </a:r>
           <a:endParaRPr lang="en-US" sz="2400" kern="1200" dirty="0">
             <a:latin typeface="Times New Roman" panose="02020603050405020304" pitchFamily="18" charset="0"/>
@@ -2149,7 +2373,7 @@
               <a:latin typeface="Times New Roman" panose="02020603050405020304" pitchFamily="18" charset="0"/>
               <a:cs typeface="Times New Roman" panose="02020603050405020304" pitchFamily="18" charset="0"/>
             </a:rPr>
-            <a:t>Quản</a:t>
+            <a:t>Tính</a:t>
           </a:r>
           <a:r>
             <a:rPr lang="en-US" sz="2400" kern="1200" dirty="0" smtClean="0">
@@ -2163,7 +2387,7 @@
               <a:latin typeface="Times New Roman" panose="02020603050405020304" pitchFamily="18" charset="0"/>
               <a:cs typeface="Times New Roman" panose="02020603050405020304" pitchFamily="18" charset="0"/>
             </a:rPr>
-            <a:t>lí</a:t>
+            <a:t>tiền</a:t>
           </a:r>
           <a:r>
             <a:rPr lang="en-US" sz="2400" kern="1200" dirty="0" smtClean="0">
@@ -2177,7 +2401,7 @@
               <a:latin typeface="Times New Roman" panose="02020603050405020304" pitchFamily="18" charset="0"/>
               <a:cs typeface="Times New Roman" panose="02020603050405020304" pitchFamily="18" charset="0"/>
             </a:rPr>
-            <a:t>thuê</a:t>
+            <a:t>và</a:t>
           </a:r>
           <a:r>
             <a:rPr lang="en-US" sz="2400" kern="1200" dirty="0" smtClean="0">
@@ -2191,14 +2415,56 @@
               <a:latin typeface="Times New Roman" panose="02020603050405020304" pitchFamily="18" charset="0"/>
               <a:cs typeface="Times New Roman" panose="02020603050405020304" pitchFamily="18" charset="0"/>
             </a:rPr>
-            <a:t>phòng</a:t>
+            <a:t>quản</a:t>
           </a:r>
           <a:r>
             <a:rPr lang="en-US" sz="2400" kern="1200" dirty="0" smtClean="0">
               <a:latin typeface="Times New Roman" panose="02020603050405020304" pitchFamily="18" charset="0"/>
               <a:cs typeface="Times New Roman" panose="02020603050405020304" pitchFamily="18" charset="0"/>
             </a:rPr>
-            <a:t>		</a:t>
+            <a:t> </a:t>
+          </a:r>
+          <a:r>
+            <a:rPr lang="en-US" sz="2400" kern="1200" dirty="0" err="1" smtClean="0">
+              <a:latin typeface="Times New Roman" panose="02020603050405020304" pitchFamily="18" charset="0"/>
+              <a:cs typeface="Times New Roman" panose="02020603050405020304" pitchFamily="18" charset="0"/>
+            </a:rPr>
+            <a:t>lí</a:t>
+          </a:r>
+          <a:r>
+            <a:rPr lang="en-US" sz="2400" kern="1200" dirty="0" smtClean="0">
+              <a:latin typeface="Times New Roman" panose="02020603050405020304" pitchFamily="18" charset="0"/>
+              <a:cs typeface="Times New Roman" panose="02020603050405020304" pitchFamily="18" charset="0"/>
+            </a:rPr>
+            <a:t> </a:t>
+          </a:r>
+          <a:r>
+            <a:rPr lang="en-US" sz="2400" kern="1200" dirty="0" err="1" smtClean="0">
+              <a:latin typeface="Times New Roman" panose="02020603050405020304" pitchFamily="18" charset="0"/>
+              <a:cs typeface="Times New Roman" panose="02020603050405020304" pitchFamily="18" charset="0"/>
+            </a:rPr>
+            <a:t>doanh</a:t>
+          </a:r>
+          <a:r>
+            <a:rPr lang="en-US" sz="2400" kern="1200" dirty="0" smtClean="0">
+              <a:latin typeface="Times New Roman" panose="02020603050405020304" pitchFamily="18" charset="0"/>
+              <a:cs typeface="Times New Roman" panose="02020603050405020304" pitchFamily="18" charset="0"/>
+            </a:rPr>
+            <a:t> </a:t>
+          </a:r>
+          <a:r>
+            <a:rPr lang="en-US" sz="2400" kern="1200" dirty="0" err="1" smtClean="0">
+              <a:latin typeface="Times New Roman" panose="02020603050405020304" pitchFamily="18" charset="0"/>
+              <a:cs typeface="Times New Roman" panose="02020603050405020304" pitchFamily="18" charset="0"/>
+            </a:rPr>
+            <a:t>thu</a:t>
+          </a:r>
+          <a:r>
+            <a:rPr lang="en-US" sz="2400" kern="1200" dirty="0" smtClean="0">
+              <a:latin typeface="Times New Roman" panose="02020603050405020304" pitchFamily="18" charset="0"/>
+              <a:cs typeface="Times New Roman" panose="02020603050405020304" pitchFamily="18" charset="0"/>
+            </a:rPr>
+            <a:t>.</a:t>
           </a:r>
           <a:endParaRPr lang="en-US" sz="2400" kern="1200" dirty="0">
             <a:latin typeface="Times New Roman" panose="02020603050405020304" pitchFamily="18" charset="0"/>
@@ -2281,7 +2547,7 @@
               <a:latin typeface="Times New Roman" panose="02020603050405020304" pitchFamily="18" charset="0"/>
               <a:cs typeface="Times New Roman" panose="02020603050405020304" pitchFamily="18" charset="0"/>
             </a:rPr>
-            <a:t>Quản</a:t>
+            <a:t>Nắm</a:t>
           </a:r>
           <a:r>
             <a:rPr lang="en-US" sz="2400" kern="1200" dirty="0" smtClean="0">
@@ -2295,7 +2561,7 @@
               <a:latin typeface="Times New Roman" panose="02020603050405020304" pitchFamily="18" charset="0"/>
               <a:cs typeface="Times New Roman" panose="02020603050405020304" pitchFamily="18" charset="0"/>
             </a:rPr>
-            <a:t>lí</a:t>
+            <a:t>rõ</a:t>
           </a:r>
           <a:r>
             <a:rPr lang="en-US" sz="2400" kern="1200" dirty="0" smtClean="0">
@@ -2309,7 +2575,7 @@
               <a:latin typeface="Times New Roman" panose="02020603050405020304" pitchFamily="18" charset="0"/>
               <a:cs typeface="Times New Roman" panose="02020603050405020304" pitchFamily="18" charset="0"/>
             </a:rPr>
-            <a:t>trả</a:t>
+            <a:t>trạng</a:t>
           </a:r>
           <a:r>
             <a:rPr lang="en-US" sz="2400" kern="1200" dirty="0" smtClean="0">
@@ -2323,7 +2589,84 @@
               <a:latin typeface="Times New Roman" panose="02020603050405020304" pitchFamily="18" charset="0"/>
               <a:cs typeface="Times New Roman" panose="02020603050405020304" pitchFamily="18" charset="0"/>
             </a:rPr>
+            <a:t>thái</a:t>
+          </a:r>
+          <a:r>
+            <a:rPr lang="en-US" sz="2400" kern="1200" dirty="0" smtClean="0">
+              <a:latin typeface="Times New Roman" panose="02020603050405020304" pitchFamily="18" charset="0"/>
+              <a:cs typeface="Times New Roman" panose="02020603050405020304" pitchFamily="18" charset="0"/>
+            </a:rPr>
+            <a:t> </a:t>
+          </a:r>
+          <a:r>
+            <a:rPr lang="en-US" sz="2400" kern="1200" dirty="0" err="1" smtClean="0">
+              <a:latin typeface="Times New Roman" panose="02020603050405020304" pitchFamily="18" charset="0"/>
+              <a:cs typeface="Times New Roman" panose="02020603050405020304" pitchFamily="18" charset="0"/>
+            </a:rPr>
             <a:t>phòng</a:t>
+          </a:r>
+          <a:r>
+            <a:rPr lang="en-US" sz="2400" kern="1200" dirty="0" smtClean="0">
+              <a:latin typeface="Times New Roman" panose="02020603050405020304" pitchFamily="18" charset="0"/>
+              <a:cs typeface="Times New Roman" panose="02020603050405020304" pitchFamily="18" charset="0"/>
+            </a:rPr>
+            <a:t> </a:t>
+          </a:r>
+          <a:r>
+            <a:rPr lang="en-US" sz="2400" kern="1200" dirty="0" err="1" smtClean="0">
+              <a:latin typeface="Times New Roman" panose="02020603050405020304" pitchFamily="18" charset="0"/>
+              <a:cs typeface="Times New Roman" panose="02020603050405020304" pitchFamily="18" charset="0"/>
+            </a:rPr>
+            <a:t>và</a:t>
+          </a:r>
+          <a:r>
+            <a:rPr lang="en-US" sz="2400" kern="1200" dirty="0" smtClean="0">
+              <a:latin typeface="Times New Roman" panose="02020603050405020304" pitchFamily="18" charset="0"/>
+              <a:cs typeface="Times New Roman" panose="02020603050405020304" pitchFamily="18" charset="0"/>
+            </a:rPr>
+            <a:t> </a:t>
+          </a:r>
+          <a:r>
+            <a:rPr lang="en-US" sz="2400" kern="1200" dirty="0" err="1" smtClean="0">
+              <a:latin typeface="Times New Roman" panose="02020603050405020304" pitchFamily="18" charset="0"/>
+              <a:cs typeface="Times New Roman" panose="02020603050405020304" pitchFamily="18" charset="0"/>
+            </a:rPr>
+            <a:t>hạn</a:t>
+          </a:r>
+          <a:r>
+            <a:rPr lang="en-US" sz="2400" kern="1200" dirty="0" smtClean="0">
+              <a:latin typeface="Times New Roman" panose="02020603050405020304" pitchFamily="18" charset="0"/>
+              <a:cs typeface="Times New Roman" panose="02020603050405020304" pitchFamily="18" charset="0"/>
+            </a:rPr>
+            <a:t> </a:t>
+          </a:r>
+          <a:r>
+            <a:rPr lang="en-US" sz="2400" kern="1200" dirty="0" err="1" smtClean="0">
+              <a:latin typeface="Times New Roman" panose="02020603050405020304" pitchFamily="18" charset="0"/>
+              <a:cs typeface="Times New Roman" panose="02020603050405020304" pitchFamily="18" charset="0"/>
+            </a:rPr>
+            <a:t>chế</a:t>
+          </a:r>
+          <a:r>
+            <a:rPr lang="en-US" sz="2400" kern="1200" dirty="0" smtClean="0">
+              <a:latin typeface="Times New Roman" panose="02020603050405020304" pitchFamily="18" charset="0"/>
+              <a:cs typeface="Times New Roman" panose="02020603050405020304" pitchFamily="18" charset="0"/>
+            </a:rPr>
+            <a:t> </a:t>
+          </a:r>
+          <a:r>
+            <a:rPr lang="en-US" sz="2400" kern="1200" dirty="0" err="1" smtClean="0">
+              <a:latin typeface="Times New Roman" panose="02020603050405020304" pitchFamily="18" charset="0"/>
+              <a:cs typeface="Times New Roman" panose="02020603050405020304" pitchFamily="18" charset="0"/>
+            </a:rPr>
+            <a:t>rủi</a:t>
+          </a:r>
+          <a:r>
+            <a:rPr lang="en-US" sz="2400" kern="1200" dirty="0" smtClean="0">
+              <a:latin typeface="Times New Roman" panose="02020603050405020304" pitchFamily="18" charset="0"/>
+              <a:cs typeface="Times New Roman" panose="02020603050405020304" pitchFamily="18" charset="0"/>
+            </a:rPr>
+            <a:t> ro.</a:t>
           </a:r>
           <a:endParaRPr lang="en-US" sz="2400" kern="1200" dirty="0">
             <a:latin typeface="Times New Roman" panose="02020603050405020304" pitchFamily="18" charset="0"/>
@@ -2403,7 +2746,7 @@
               <a:latin typeface="Times New Roman" panose="02020603050405020304" pitchFamily="18" charset="0"/>
               <a:cs typeface="Times New Roman" panose="02020603050405020304" pitchFamily="18" charset="0"/>
             </a:rPr>
-            <a:t>Quản</a:t>
+            <a:t>Báo</a:t>
           </a:r>
           <a:r>
             <a:rPr lang="en-US" sz="2400" kern="1200" dirty="0" smtClean="0">
@@ -2417,7 +2760,7 @@
               <a:latin typeface="Times New Roman" panose="02020603050405020304" pitchFamily="18" charset="0"/>
               <a:cs typeface="Times New Roman" panose="02020603050405020304" pitchFamily="18" charset="0"/>
             </a:rPr>
-            <a:t>lí</a:t>
+            <a:t>cáo</a:t>
           </a:r>
           <a:r>
             <a:rPr lang="en-US" sz="2400" kern="1200" dirty="0" smtClean="0">
@@ -2431,7 +2774,7 @@
               <a:latin typeface="Times New Roman" panose="02020603050405020304" pitchFamily="18" charset="0"/>
               <a:cs typeface="Times New Roman" panose="02020603050405020304" pitchFamily="18" charset="0"/>
             </a:rPr>
-            <a:t>hóa</a:t>
+            <a:t>thông</a:t>
           </a:r>
           <a:r>
             <a:rPr lang="en-US" sz="2400" kern="1200" dirty="0" smtClean="0">
@@ -2445,77 +2788,14 @@
               <a:latin typeface="Times New Roman" panose="02020603050405020304" pitchFamily="18" charset="0"/>
               <a:cs typeface="Times New Roman" panose="02020603050405020304" pitchFamily="18" charset="0"/>
             </a:rPr>
-            <a:t>đơn</a:t>
+            <a:t>kê</a:t>
           </a:r>
           <a:r>
             <a:rPr lang="en-US" sz="2400" kern="1200" dirty="0" smtClean="0">
               <a:latin typeface="Times New Roman" panose="02020603050405020304" pitchFamily="18" charset="0"/>
               <a:cs typeface="Times New Roman" panose="02020603050405020304" pitchFamily="18" charset="0"/>
             </a:rPr>
-            <a:t> </a:t>
-          </a:r>
-          <a:r>
-            <a:rPr lang="en-US" sz="2400" kern="1200" dirty="0" err="1" smtClean="0">
-              <a:latin typeface="Times New Roman" panose="02020603050405020304" pitchFamily="18" charset="0"/>
-              <a:cs typeface="Times New Roman" panose="02020603050405020304" pitchFamily="18" charset="0"/>
-            </a:rPr>
-            <a:t>và</a:t>
-          </a:r>
-          <a:r>
-            <a:rPr lang="en-US" sz="2400" kern="1200" dirty="0" smtClean="0">
-              <a:latin typeface="Times New Roman" panose="02020603050405020304" pitchFamily="18" charset="0"/>
-              <a:cs typeface="Times New Roman" panose="02020603050405020304" pitchFamily="18" charset="0"/>
-            </a:rPr>
-            <a:t> </a:t>
-          </a:r>
-          <a:r>
-            <a:rPr lang="en-US" sz="2400" kern="1200" dirty="0" err="1" smtClean="0">
-              <a:latin typeface="Times New Roman" panose="02020603050405020304" pitchFamily="18" charset="0"/>
-              <a:cs typeface="Times New Roman" panose="02020603050405020304" pitchFamily="18" charset="0"/>
-            </a:rPr>
-            <a:t>báo</a:t>
-          </a:r>
-          <a:r>
-            <a:rPr lang="en-US" sz="2400" kern="1200" dirty="0" smtClean="0">
-              <a:latin typeface="Times New Roman" panose="02020603050405020304" pitchFamily="18" charset="0"/>
-              <a:cs typeface="Times New Roman" panose="02020603050405020304" pitchFamily="18" charset="0"/>
-            </a:rPr>
-            <a:t> </a:t>
-          </a:r>
-          <a:r>
-            <a:rPr lang="en-US" sz="2400" kern="1200" dirty="0" err="1" smtClean="0">
-              <a:latin typeface="Times New Roman" panose="02020603050405020304" pitchFamily="18" charset="0"/>
-              <a:cs typeface="Times New Roman" panose="02020603050405020304" pitchFamily="18" charset="0"/>
-            </a:rPr>
-            <a:t>cáo</a:t>
-          </a:r>
-          <a:r>
-            <a:rPr lang="en-US" sz="2400" kern="1200" dirty="0" smtClean="0">
-              <a:latin typeface="Times New Roman" panose="02020603050405020304" pitchFamily="18" charset="0"/>
-              <a:cs typeface="Times New Roman" panose="02020603050405020304" pitchFamily="18" charset="0"/>
-            </a:rPr>
-            <a:t> </a:t>
-          </a:r>
-          <a:r>
-            <a:rPr lang="en-US" sz="2400" kern="1200" dirty="0" err="1" smtClean="0">
-              <a:latin typeface="Times New Roman" panose="02020603050405020304" pitchFamily="18" charset="0"/>
-              <a:cs typeface="Times New Roman" panose="02020603050405020304" pitchFamily="18" charset="0"/>
-            </a:rPr>
-            <a:t>thống</a:t>
-          </a:r>
-          <a:r>
-            <a:rPr lang="en-US" sz="2400" kern="1200" dirty="0" smtClean="0">
-              <a:latin typeface="Times New Roman" panose="02020603050405020304" pitchFamily="18" charset="0"/>
-              <a:cs typeface="Times New Roman" panose="02020603050405020304" pitchFamily="18" charset="0"/>
-            </a:rPr>
-            <a:t> </a:t>
-          </a:r>
-          <a:r>
-            <a:rPr lang="en-US" sz="2400" kern="1200" dirty="0" err="1" smtClean="0">
-              <a:latin typeface="Times New Roman" panose="02020603050405020304" pitchFamily="18" charset="0"/>
-              <a:cs typeface="Times New Roman" panose="02020603050405020304" pitchFamily="18" charset="0"/>
-            </a:rPr>
-            <a:t>kê</a:t>
+            <a:t>.</a:t>
           </a:r>
           <a:endParaRPr lang="en-US" sz="2400" kern="1200" dirty="0">
             <a:latin typeface="Times New Roman" panose="02020603050405020304" pitchFamily="18" charset="0"/>
@@ -5198,7 +5478,7 @@
           <a:p>
             <a:fld id="{8A3DEE9B-586F-43AE-868D-66F3DD1D05EC}" type="datetimeFigureOut">
               <a:rPr lang="en-US" smtClean="0"/>
-              <a:t>10/16/2019</a:t>
+              <a:t>10/15/2019</a:t>
             </a:fld>
             <a:endParaRPr lang="en-US"/>
           </a:p>
@@ -5797,7 +6077,7 @@
           <a:p>
             <a:fld id="{7DF18C7A-29D0-4486-A2F8-03EA1BCDBAD0}" type="datetimeFigureOut">
               <a:rPr lang="en-US" smtClean="0"/>
-              <a:t>10/16/2019</a:t>
+              <a:t>10/15/2019</a:t>
             </a:fld>
             <a:endParaRPr lang="en-US"/>
           </a:p>
@@ -6121,7 +6401,7 @@
           <a:p>
             <a:fld id="{7DF18C7A-29D0-4486-A2F8-03EA1BCDBAD0}" type="datetimeFigureOut">
               <a:rPr lang="en-US" smtClean="0"/>
-              <a:t>10/16/2019</a:t>
+              <a:t>10/15/2019</a:t>
             </a:fld>
             <a:endParaRPr lang="en-US"/>
           </a:p>
@@ -6369,7 +6649,7 @@
           <a:p>
             <a:fld id="{7DF18C7A-29D0-4486-A2F8-03EA1BCDBAD0}" type="datetimeFigureOut">
               <a:rPr lang="en-US" smtClean="0"/>
-              <a:t>10/16/2019</a:t>
+              <a:t>10/15/2019</a:t>
             </a:fld>
             <a:endParaRPr lang="en-US"/>
           </a:p>
@@ -6708,7 +6988,7 @@
           <a:p>
             <a:fld id="{7DF18C7A-29D0-4486-A2F8-03EA1BCDBAD0}" type="datetimeFigureOut">
               <a:rPr lang="en-US" smtClean="0"/>
-              <a:t>10/16/2019</a:t>
+              <a:t>10/15/2019</a:t>
             </a:fld>
             <a:endParaRPr lang="en-US"/>
           </a:p>
@@ -7055,7 +7335,7 @@
           <a:p>
             <a:fld id="{7DF18C7A-29D0-4486-A2F8-03EA1BCDBAD0}" type="datetimeFigureOut">
               <a:rPr lang="en-US" smtClean="0"/>
-              <a:t>10/16/2019</a:t>
+              <a:t>10/15/2019</a:t>
             </a:fld>
             <a:endParaRPr lang="en-US"/>
           </a:p>
@@ -7429,7 +7709,7 @@
           <a:p>
             <a:fld id="{7DF18C7A-29D0-4486-A2F8-03EA1BCDBAD0}" type="datetimeFigureOut">
               <a:rPr lang="en-US" smtClean="0"/>
-              <a:t>10/16/2019</a:t>
+              <a:t>10/15/2019</a:t>
             </a:fld>
             <a:endParaRPr lang="en-US"/>
           </a:p>
@@ -7899,7 +8179,7 @@
           <a:p>
             <a:fld id="{7DF18C7A-29D0-4486-A2F8-03EA1BCDBAD0}" type="datetimeFigureOut">
               <a:rPr lang="en-US" smtClean="0"/>
-              <a:t>10/16/2019</a:t>
+              <a:t>10/15/2019</a:t>
             </a:fld>
             <a:endParaRPr lang="en-US"/>
           </a:p>
@@ -8104,7 +8384,7 @@
           <a:p>
             <a:fld id="{7DF18C7A-29D0-4486-A2F8-03EA1BCDBAD0}" type="datetimeFigureOut">
               <a:rPr lang="en-US" smtClean="0"/>
-              <a:t>10/16/2019</a:t>
+              <a:t>10/15/2019</a:t>
             </a:fld>
             <a:endParaRPr lang="en-US"/>
           </a:p>
@@ -8315,7 +8595,7 @@
           <a:p>
             <a:fld id="{7DF18C7A-29D0-4486-A2F8-03EA1BCDBAD0}" type="datetimeFigureOut">
               <a:rPr lang="en-US" smtClean="0"/>
-              <a:t>10/16/2019</a:t>
+              <a:t>10/15/2019</a:t>
             </a:fld>
             <a:endParaRPr lang="en-US"/>
           </a:p>
@@ -8547,7 +8827,7 @@
           <a:p>
             <a:fld id="{7DF18C7A-29D0-4486-A2F8-03EA1BCDBAD0}" type="datetimeFigureOut">
               <a:rPr lang="en-US" smtClean="0"/>
-              <a:t>10/16/2019</a:t>
+              <a:t>10/15/2019</a:t>
             </a:fld>
             <a:endParaRPr lang="en-US"/>
           </a:p>
@@ -8795,7 +9075,7 @@
           <a:p>
             <a:fld id="{7DF18C7A-29D0-4486-A2F8-03EA1BCDBAD0}" type="datetimeFigureOut">
               <a:rPr lang="en-US" smtClean="0"/>
-              <a:t>10/16/2019</a:t>
+              <a:t>10/15/2019</a:t>
             </a:fld>
             <a:endParaRPr lang="en-US"/>
           </a:p>
@@ -9093,7 +9373,7 @@
           <a:p>
             <a:fld id="{7DF18C7A-29D0-4486-A2F8-03EA1BCDBAD0}" type="datetimeFigureOut">
               <a:rPr lang="en-US" smtClean="0"/>
-              <a:t>10/16/2019</a:t>
+              <a:t>10/15/2019</a:t>
             </a:fld>
             <a:endParaRPr lang="en-US"/>
           </a:p>
@@ -9487,7 +9767,7 @@
           <a:p>
             <a:fld id="{7DF18C7A-29D0-4486-A2F8-03EA1BCDBAD0}" type="datetimeFigureOut">
               <a:rPr lang="en-US" smtClean="0"/>
-              <a:t>10/16/2019</a:t>
+              <a:t>10/15/2019</a:t>
             </a:fld>
             <a:endParaRPr lang="en-US"/>
           </a:p>
@@ -9636,7 +9916,7 @@
           <a:p>
             <a:fld id="{7DF18C7A-29D0-4486-A2F8-03EA1BCDBAD0}" type="datetimeFigureOut">
               <a:rPr lang="en-US" smtClean="0"/>
-              <a:t>10/16/2019</a:t>
+              <a:t>10/15/2019</a:t>
             </a:fld>
             <a:endParaRPr lang="en-US"/>
           </a:p>
@@ -9762,7 +10042,7 @@
           <a:p>
             <a:fld id="{7DF18C7A-29D0-4486-A2F8-03EA1BCDBAD0}" type="datetimeFigureOut">
               <a:rPr lang="en-US" smtClean="0"/>
-              <a:t>10/16/2019</a:t>
+              <a:t>10/15/2019</a:t>
             </a:fld>
             <a:endParaRPr lang="en-US"/>
           </a:p>
@@ -10017,7 +10297,7 @@
           <a:p>
             <a:fld id="{7DF18C7A-29D0-4486-A2F8-03EA1BCDBAD0}" type="datetimeFigureOut">
               <a:rPr lang="en-US" smtClean="0"/>
-              <a:t>10/16/2019</a:t>
+              <a:t>10/15/2019</a:t>
             </a:fld>
             <a:endParaRPr lang="en-US"/>
           </a:p>
@@ -10332,7 +10612,7 @@
           <a:p>
             <a:fld id="{7DF18C7A-29D0-4486-A2F8-03EA1BCDBAD0}" type="datetimeFigureOut">
               <a:rPr lang="en-US" smtClean="0"/>
-              <a:t>10/16/2019</a:t>
+              <a:t>10/15/2019</a:t>
             </a:fld>
             <a:endParaRPr lang="en-US"/>
           </a:p>
@@ -10683,7 +10963,7 @@
           <a:p>
             <a:fld id="{7DF18C7A-29D0-4486-A2F8-03EA1BCDBAD0}" type="datetimeFigureOut">
               <a:rPr lang="en-US" smtClean="0"/>
-              <a:t>10/16/2019</a:t>
+              <a:t>10/15/2019</a:t>
             </a:fld>
             <a:endParaRPr lang="en-US"/>
           </a:p>
@@ -14646,7 +14926,7 @@
           <a:lstStyle/>
           <a:p>
             <a:pPr algn="ctr"/>
-            <a:endParaRPr lang="vi-VN" sz="2400" dirty="0">
+            <a:endParaRPr lang="en-US" sz="2800">
               <a:solidFill>
                 <a:schemeClr val="tx1"/>
               </a:solidFill>
@@ -14699,16 +14979,116 @@
           <a:p>
             <a:pPr algn="ctr"/>
             <a:r>
-              <a:rPr lang="vi-VN" sz="2400" dirty="0" smtClean="0">
+              <a:rPr lang="en-US" sz="2800" dirty="0" err="1" smtClean="0">
                 <a:solidFill>
                   <a:schemeClr val="tx1"/>
                 </a:solidFill>
                 <a:latin typeface="Times New Roman" panose="02020603050405020304" pitchFamily="18" charset="0"/>
                 <a:cs typeface="Times New Roman" panose="02020603050405020304" pitchFamily="18" charset="0"/>
               </a:rPr>
-              <a:t>Mục tiêu chính của đề tài</a:t>
-            </a:r>
-            <a:endParaRPr lang="vi-VN" sz="2400" dirty="0">
+              <a:t>Mục</a:t>
+            </a:r>
+            <a:r>
+              <a:rPr lang="en-US" sz="2800" dirty="0" smtClean="0">
+                <a:solidFill>
+                  <a:schemeClr val="tx1"/>
+                </a:solidFill>
+                <a:latin typeface="Times New Roman" panose="02020603050405020304" pitchFamily="18" charset="0"/>
+                <a:cs typeface="Times New Roman" panose="02020603050405020304" pitchFamily="18" charset="0"/>
+              </a:rPr>
+              <a:t> </a:t>
+            </a:r>
+            <a:r>
+              <a:rPr lang="en-US" sz="2800" dirty="0" err="1" smtClean="0">
+                <a:solidFill>
+                  <a:schemeClr val="tx1"/>
+                </a:solidFill>
+                <a:latin typeface="Times New Roman" panose="02020603050405020304" pitchFamily="18" charset="0"/>
+                <a:cs typeface="Times New Roman" panose="02020603050405020304" pitchFamily="18" charset="0"/>
+              </a:rPr>
+              <a:t>tiêu</a:t>
+            </a:r>
+            <a:r>
+              <a:rPr lang="en-US" sz="2800" dirty="0" smtClean="0">
+                <a:solidFill>
+                  <a:schemeClr val="tx1"/>
+                </a:solidFill>
+                <a:latin typeface="Times New Roman" panose="02020603050405020304" pitchFamily="18" charset="0"/>
+                <a:cs typeface="Times New Roman" panose="02020603050405020304" pitchFamily="18" charset="0"/>
+              </a:rPr>
+              <a:t> </a:t>
+            </a:r>
+            <a:r>
+              <a:rPr lang="en-US" sz="2800" dirty="0" err="1" smtClean="0">
+                <a:solidFill>
+                  <a:schemeClr val="tx1"/>
+                </a:solidFill>
+                <a:latin typeface="Times New Roman" panose="02020603050405020304" pitchFamily="18" charset="0"/>
+                <a:cs typeface="Times New Roman" panose="02020603050405020304" pitchFamily="18" charset="0"/>
+              </a:rPr>
+              <a:t>chính</a:t>
+            </a:r>
+            <a:r>
+              <a:rPr lang="en-US" sz="2800" dirty="0" smtClean="0">
+                <a:solidFill>
+                  <a:schemeClr val="tx1"/>
+                </a:solidFill>
+                <a:latin typeface="Times New Roman" panose="02020603050405020304" pitchFamily="18" charset="0"/>
+                <a:cs typeface="Times New Roman" panose="02020603050405020304" pitchFamily="18" charset="0"/>
+              </a:rPr>
+              <a:t> </a:t>
+            </a:r>
+            <a:r>
+              <a:rPr lang="en-US" sz="2800" dirty="0" err="1" smtClean="0">
+                <a:solidFill>
+                  <a:schemeClr val="tx1"/>
+                </a:solidFill>
+                <a:latin typeface="Times New Roman" panose="02020603050405020304" pitchFamily="18" charset="0"/>
+                <a:cs typeface="Times New Roman" panose="02020603050405020304" pitchFamily="18" charset="0"/>
+              </a:rPr>
+              <a:t>của</a:t>
+            </a:r>
+            <a:r>
+              <a:rPr lang="en-US" sz="2800" dirty="0" smtClean="0">
+                <a:solidFill>
+                  <a:schemeClr val="tx1"/>
+                </a:solidFill>
+                <a:latin typeface="Times New Roman" panose="02020603050405020304" pitchFamily="18" charset="0"/>
+                <a:cs typeface="Times New Roman" panose="02020603050405020304" pitchFamily="18" charset="0"/>
+              </a:rPr>
+              <a:t> </a:t>
+            </a:r>
+            <a:r>
+              <a:rPr lang="en-US" sz="2800" dirty="0" err="1" smtClean="0">
+                <a:solidFill>
+                  <a:schemeClr val="tx1"/>
+                </a:solidFill>
+                <a:latin typeface="Times New Roman" panose="02020603050405020304" pitchFamily="18" charset="0"/>
+                <a:cs typeface="Times New Roman" panose="02020603050405020304" pitchFamily="18" charset="0"/>
+              </a:rPr>
+              <a:t>đề</a:t>
+            </a:r>
+            <a:r>
+              <a:rPr lang="en-US" sz="2800" dirty="0" smtClean="0">
+                <a:solidFill>
+                  <a:schemeClr val="tx1"/>
+                </a:solidFill>
+                <a:latin typeface="Times New Roman" panose="02020603050405020304" pitchFamily="18" charset="0"/>
+                <a:cs typeface="Times New Roman" panose="02020603050405020304" pitchFamily="18" charset="0"/>
+              </a:rPr>
+              <a:t> </a:t>
+            </a:r>
+            <a:r>
+              <a:rPr lang="en-US" sz="2800" dirty="0" err="1" smtClean="0">
+                <a:solidFill>
+                  <a:schemeClr val="tx1"/>
+                </a:solidFill>
+                <a:latin typeface="Times New Roman" panose="02020603050405020304" pitchFamily="18" charset="0"/>
+                <a:cs typeface="Times New Roman" panose="02020603050405020304" pitchFamily="18" charset="0"/>
+              </a:rPr>
+              <a:t>tài</a:t>
+            </a:r>
+            <a:endParaRPr lang="en-US" sz="2800" dirty="0">
               <a:solidFill>
                 <a:schemeClr val="tx1"/>
               </a:solidFill>
@@ -14725,7 +15105,7 @@
           <p:nvPr>
             <p:extLst>
               <p:ext uri="{D42A27DB-BD31-4B8C-83A1-F6EECF244321}">
-                <p14:modId xmlns:p14="http://schemas.microsoft.com/office/powerpoint/2010/main" val="3770870082"/>
+                <p14:modId xmlns:p14="http://schemas.microsoft.com/office/powerpoint/2010/main" val="1353247766"/>
               </p:ext>
             </p:extLst>
           </p:nvPr>
@@ -15660,14 +16040,14 @@
                 <a:gridCol w="4064000">
                   <a:extLst>
                     <a:ext uri="{9D8B030D-6E8A-4147-A177-3AD203B41FA5}">
-                      <a16:colId xmlns:a16="http://schemas.microsoft.com/office/drawing/2014/main" xmlns="" val="2291233401"/>
+                      <a16:colId xmlns:a16="http://schemas.microsoft.com/office/drawing/2014/main" val="2291233401"/>
                     </a:ext>
                   </a:extLst>
                 </a:gridCol>
                 <a:gridCol w="4064000">
                   <a:extLst>
                     <a:ext uri="{9D8B030D-6E8A-4147-A177-3AD203B41FA5}">
-                      <a16:colId xmlns:a16="http://schemas.microsoft.com/office/drawing/2014/main" xmlns="" val="1070058524"/>
+                      <a16:colId xmlns:a16="http://schemas.microsoft.com/office/drawing/2014/main" val="1070058524"/>
                     </a:ext>
                   </a:extLst>
                 </a:gridCol>
@@ -15719,7 +16099,7 @@
                 </a:tc>
                 <a:extLst>
                   <a:ext uri="{0D108BD9-81ED-4DB2-BD59-A6C34878D82A}">
-                    <a16:rowId xmlns:a16="http://schemas.microsoft.com/office/drawing/2014/main" xmlns="" val="162381479"/>
+                    <a16:rowId xmlns:a16="http://schemas.microsoft.com/office/drawing/2014/main" val="162381479"/>
                   </a:ext>
                 </a:extLst>
               </a:tr>
@@ -15830,7 +16210,7 @@
                 </a:tc>
                 <a:extLst>
                   <a:ext uri="{0D108BD9-81ED-4DB2-BD59-A6C34878D82A}">
-                    <a16:rowId xmlns:a16="http://schemas.microsoft.com/office/drawing/2014/main" xmlns="" val="2719032607"/>
+                    <a16:rowId xmlns:a16="http://schemas.microsoft.com/office/drawing/2014/main" val="2719032607"/>
                   </a:ext>
                 </a:extLst>
               </a:tr>
@@ -15929,7 +16309,7 @@
                 </a:tc>
                 <a:extLst>
                   <a:ext uri="{0D108BD9-81ED-4DB2-BD59-A6C34878D82A}">
-                    <a16:rowId xmlns:a16="http://schemas.microsoft.com/office/drawing/2014/main" xmlns="" val="2041250697"/>
+                    <a16:rowId xmlns:a16="http://schemas.microsoft.com/office/drawing/2014/main" val="2041250697"/>
                   </a:ext>
                 </a:extLst>
               </a:tr>
@@ -16004,7 +16384,7 @@
                 </a:tc>
                 <a:extLst>
                   <a:ext uri="{0D108BD9-81ED-4DB2-BD59-A6C34878D82A}">
-                    <a16:rowId xmlns:a16="http://schemas.microsoft.com/office/drawing/2014/main" xmlns="" val="2637616552"/>
+                    <a16:rowId xmlns:a16="http://schemas.microsoft.com/office/drawing/2014/main" val="2637616552"/>
                   </a:ext>
                 </a:extLst>
               </a:tr>
@@ -16111,7 +16491,7 @@
                 </a:tc>
                 <a:extLst>
                   <a:ext uri="{0D108BD9-81ED-4DB2-BD59-A6C34878D82A}">
-                    <a16:rowId xmlns:a16="http://schemas.microsoft.com/office/drawing/2014/main" xmlns="" val="2177628040"/>
+                    <a16:rowId xmlns:a16="http://schemas.microsoft.com/office/drawing/2014/main" val="2177628040"/>
                   </a:ext>
                 </a:extLst>
               </a:tr>
@@ -16250,7 +16630,7 @@
                 </a:tc>
                 <a:extLst>
                   <a:ext uri="{0D108BD9-81ED-4DB2-BD59-A6C34878D82A}">
-                    <a16:rowId xmlns:a16="http://schemas.microsoft.com/office/drawing/2014/main" xmlns="" val="439182687"/>
+                    <a16:rowId xmlns:a16="http://schemas.microsoft.com/office/drawing/2014/main" val="439182687"/>
                   </a:ext>
                 </a:extLst>
               </a:tr>
